--- a/Presentation/FASTianF1.pptx
+++ b/Presentation/FASTianF1.pptx
@@ -2,13 +2,13 @@
 <file path=ppt/presentation.xml><?xml version="1.0" encoding="utf-8"?>
 <p:presentation xmlns:a="http://schemas.openxmlformats.org/drawingml/2006/main" xmlns:r="http://schemas.openxmlformats.org/officeDocument/2006/relationships" xmlns:p="http://schemas.openxmlformats.org/presentationml/2006/main" saveSubsetFonts="1">
   <p:sldMasterIdLst>
-    <p:sldMasterId id="2147483660" r:id="rId1"/>
+    <p:sldMasterId id="2147483672" r:id="rId1"/>
   </p:sldMasterIdLst>
   <p:sldIdLst>
-    <p:sldId id="256" r:id="rId2"/>
-    <p:sldId id="257" r:id="rId3"/>
-    <p:sldId id="258" r:id="rId4"/>
-    <p:sldId id="259" r:id="rId5"/>
+    <p:sldId id="264" r:id="rId2"/>
+    <p:sldId id="261" r:id="rId3"/>
+    <p:sldId id="262" r:id="rId4"/>
+    <p:sldId id="263" r:id="rId5"/>
   </p:sldIdLst>
   <p:sldSz cx="9144000" cy="6858000" type="screen4x3"/>
   <p:notesSz cx="6858000" cy="9144000"/>
@@ -107,7 +107,328 @@
       </a:defRPr>
     </a:lvl9pPr>
   </p:defaultTextStyle>
+  <p:extLst>
+    <p:ext uri="{EFAFB233-063F-42B5-8137-9DF3F51BA10A}">
+      <p15:sldGuideLst xmlns:p15="http://schemas.microsoft.com/office/powerpoint/2012/main"/>
+    </p:ext>
+  </p:extLst>
 </p:presentation>
+</file>
+
+<file path=ppt/revisionInfo.xml><?xml version="1.0" encoding="utf-8"?>
+<p1510:revInfo xmlns:a="http://schemas.openxmlformats.org/drawingml/2006/main" xmlns:r="http://schemas.openxmlformats.org/officeDocument/2006/relationships" xmlns:p1510="http://schemas.microsoft.com/office/powerpoint/2015/10/main">
+  <p1510:revLst>
+    <p1510:client id="{57B71BA5-8520-439B-B3CA-9D8B8AA9E579}" v="138" dt="2023-12-29T08:30:25.531"/>
+  </p1510:revLst>
+</p1510:revInfo>
+</file>
+
+<file path=ppt/changesInfos/changesInfo1.xml><?xml version="1.0" encoding="utf-8"?>
+<pc:chgInfo xmlns:a="http://schemas.openxmlformats.org/drawingml/2006/main" xmlns:r="http://schemas.openxmlformats.org/officeDocument/2006/relationships" xmlns:ac="http://schemas.microsoft.com/office/drawing/2013/main/command" xmlns:pc="http://schemas.microsoft.com/office/powerpoint/2013/main/command">
+  <pc:docChgLst>
+    <pc:chgData name="Fabio Zanini" userId="0dd9bdb7174b678d" providerId="LiveId" clId="{57B71BA5-8520-439B-B3CA-9D8B8AA9E579}"/>
+    <pc:docChg chg="custSel addSld delSld modSld modMainMaster">
+      <pc:chgData name="Fabio Zanini" userId="0dd9bdb7174b678d" providerId="LiveId" clId="{57B71BA5-8520-439B-B3CA-9D8B8AA9E579}" dt="2023-12-29T08:31:05.571" v="392" actId="2696"/>
+      <pc:docMkLst>
+        <pc:docMk/>
+      </pc:docMkLst>
+      <pc:sldChg chg="del">
+        <pc:chgData name="Fabio Zanini" userId="0dd9bdb7174b678d" providerId="LiveId" clId="{57B71BA5-8520-439B-B3CA-9D8B8AA9E579}" dt="2023-12-29T08:25:47.927" v="226" actId="2696"/>
+        <pc:sldMkLst>
+          <pc:docMk/>
+          <pc:sldMk cId="7592943" sldId="256"/>
+        </pc:sldMkLst>
+      </pc:sldChg>
+      <pc:sldChg chg="del">
+        <pc:chgData name="Fabio Zanini" userId="0dd9bdb7174b678d" providerId="LiveId" clId="{57B71BA5-8520-439B-B3CA-9D8B8AA9E579}" dt="2023-12-29T08:25:50.027" v="227" actId="2696"/>
+        <pc:sldMkLst>
+          <pc:docMk/>
+          <pc:sldMk cId="876500678" sldId="257"/>
+        </pc:sldMkLst>
+      </pc:sldChg>
+      <pc:sldChg chg="del">
+        <pc:chgData name="Fabio Zanini" userId="0dd9bdb7174b678d" providerId="LiveId" clId="{57B71BA5-8520-439B-B3CA-9D8B8AA9E579}" dt="2023-12-29T08:21:53.390" v="224" actId="2696"/>
+        <pc:sldMkLst>
+          <pc:docMk/>
+          <pc:sldMk cId="2762624752" sldId="258"/>
+        </pc:sldMkLst>
+      </pc:sldChg>
+      <pc:sldChg chg="del">
+        <pc:chgData name="Fabio Zanini" userId="0dd9bdb7174b678d" providerId="LiveId" clId="{57B71BA5-8520-439B-B3CA-9D8B8AA9E579}" dt="2023-12-29T08:22:01.879" v="225" actId="2696"/>
+        <pc:sldMkLst>
+          <pc:docMk/>
+          <pc:sldMk cId="2385618215" sldId="259"/>
+        </pc:sldMkLst>
+      </pc:sldChg>
+      <pc:sldChg chg="modSp add del mod setBg">
+        <pc:chgData name="Fabio Zanini" userId="0dd9bdb7174b678d" providerId="LiveId" clId="{57B71BA5-8520-439B-B3CA-9D8B8AA9E579}" dt="2023-12-29T08:31:05.571" v="392" actId="2696"/>
+        <pc:sldMkLst>
+          <pc:docMk/>
+          <pc:sldMk cId="3547004542" sldId="260"/>
+        </pc:sldMkLst>
+        <pc:spChg chg="mod">
+          <ac:chgData name="Fabio Zanini" userId="0dd9bdb7174b678d" providerId="LiveId" clId="{57B71BA5-8520-439B-B3CA-9D8B8AA9E579}" dt="2023-12-29T08:28:34.523" v="376" actId="1076"/>
+          <ac:spMkLst>
+            <pc:docMk/>
+            <pc:sldMk cId="3547004542" sldId="260"/>
+            <ac:spMk id="3" creationId="{A1E84230-D50F-79BE-DC4B-08C791FC830C}"/>
+          </ac:spMkLst>
+        </pc:spChg>
+        <pc:picChg chg="mod">
+          <ac:chgData name="Fabio Zanini" userId="0dd9bdb7174b678d" providerId="LiveId" clId="{57B71BA5-8520-439B-B3CA-9D8B8AA9E579}" dt="2023-12-29T08:28:31.512" v="375" actId="1076"/>
+          <ac:picMkLst>
+            <pc:docMk/>
+            <pc:sldMk cId="3547004542" sldId="260"/>
+            <ac:picMk id="5" creationId="{B2CC0B81-2715-3803-6771-25D99451E322}"/>
+          </ac:picMkLst>
+        </pc:picChg>
+        <pc:picChg chg="mod">
+          <ac:chgData name="Fabio Zanini" userId="0dd9bdb7174b678d" providerId="LiveId" clId="{57B71BA5-8520-439B-B3CA-9D8B8AA9E579}" dt="2023-12-29T08:20:53.032" v="171" actId="14861"/>
+          <ac:picMkLst>
+            <pc:docMk/>
+            <pc:sldMk cId="3547004542" sldId="260"/>
+            <ac:picMk id="9" creationId="{602275EA-0956-9148-B6C0-EC0574CCC4D7}"/>
+          </ac:picMkLst>
+        </pc:picChg>
+      </pc:sldChg>
+      <pc:sldChg chg="modSp add mod setBg">
+        <pc:chgData name="Fabio Zanini" userId="0dd9bdb7174b678d" providerId="LiveId" clId="{57B71BA5-8520-439B-B3CA-9D8B8AA9E579}" dt="2023-12-29T08:29:56.810" v="382"/>
+        <pc:sldMkLst>
+          <pc:docMk/>
+          <pc:sldMk cId="2507705271" sldId="261"/>
+        </pc:sldMkLst>
+        <pc:picChg chg="mod">
+          <ac:chgData name="Fabio Zanini" userId="0dd9bdb7174b678d" providerId="LiveId" clId="{57B71BA5-8520-439B-B3CA-9D8B8AA9E579}" dt="2023-12-29T08:21:10.883" v="201" actId="14861"/>
+          <ac:picMkLst>
+            <pc:docMk/>
+            <pc:sldMk cId="2507705271" sldId="261"/>
+            <ac:picMk id="4" creationId="{686595D0-6182-4EB6-7F42-277A7323EC6D}"/>
+          </ac:picMkLst>
+        </pc:picChg>
+        <pc:picChg chg="mod">
+          <ac:chgData name="Fabio Zanini" userId="0dd9bdb7174b678d" providerId="LiveId" clId="{57B71BA5-8520-439B-B3CA-9D8B8AA9E579}" dt="2023-12-29T08:21:15.030" v="220" actId="14861"/>
+          <ac:picMkLst>
+            <pc:docMk/>
+            <pc:sldMk cId="2507705271" sldId="261"/>
+            <ac:picMk id="6" creationId="{6C326370-B2BE-0948-F009-41DA0B43194F}"/>
+          </ac:picMkLst>
+        </pc:picChg>
+      </pc:sldChg>
+      <pc:sldChg chg="add setBg">
+        <pc:chgData name="Fabio Zanini" userId="0dd9bdb7174b678d" providerId="LiveId" clId="{57B71BA5-8520-439B-B3CA-9D8B8AA9E579}" dt="2023-12-29T08:29:56.810" v="382"/>
+        <pc:sldMkLst>
+          <pc:docMk/>
+          <pc:sldMk cId="1669874443" sldId="262"/>
+        </pc:sldMkLst>
+      </pc:sldChg>
+      <pc:sldChg chg="add setBg">
+        <pc:chgData name="Fabio Zanini" userId="0dd9bdb7174b678d" providerId="LiveId" clId="{57B71BA5-8520-439B-B3CA-9D8B8AA9E579}" dt="2023-12-29T08:29:56.810" v="382"/>
+        <pc:sldMkLst>
+          <pc:docMk/>
+          <pc:sldMk cId="1639874279" sldId="263"/>
+        </pc:sldMkLst>
+      </pc:sldChg>
+      <pc:sldChg chg="addSp delSp modSp new mod setBg">
+        <pc:chgData name="Fabio Zanini" userId="0dd9bdb7174b678d" providerId="LiveId" clId="{57B71BA5-8520-439B-B3CA-9D8B8AA9E579}" dt="2023-12-29T08:30:49.737" v="391" actId="1076"/>
+        <pc:sldMkLst>
+          <pc:docMk/>
+          <pc:sldMk cId="2688290582" sldId="264"/>
+        </pc:sldMkLst>
+        <pc:spChg chg="del">
+          <ac:chgData name="Fabio Zanini" userId="0dd9bdb7174b678d" providerId="LiveId" clId="{57B71BA5-8520-439B-B3CA-9D8B8AA9E579}" dt="2023-12-29T08:29:24.974" v="379" actId="21"/>
+          <ac:spMkLst>
+            <pc:docMk/>
+            <pc:sldMk cId="2688290582" sldId="264"/>
+            <ac:spMk id="2" creationId="{D36439CC-6B4A-94CA-F864-8A8DD026D373}"/>
+          </ac:spMkLst>
+        </pc:spChg>
+        <pc:spChg chg="del">
+          <ac:chgData name="Fabio Zanini" userId="0dd9bdb7174b678d" providerId="LiveId" clId="{57B71BA5-8520-439B-B3CA-9D8B8AA9E579}" dt="2023-12-29T08:29:22.838" v="378" actId="21"/>
+          <ac:spMkLst>
+            <pc:docMk/>
+            <pc:sldMk cId="2688290582" sldId="264"/>
+            <ac:spMk id="3" creationId="{57E56BCC-5D4F-5705-0E72-223B295E0E4E}"/>
+          </ac:spMkLst>
+        </pc:spChg>
+        <pc:spChg chg="add del mod">
+          <ac:chgData name="Fabio Zanini" userId="0dd9bdb7174b678d" providerId="LiveId" clId="{57B71BA5-8520-439B-B3CA-9D8B8AA9E579}" dt="2023-12-29T08:30:11.907" v="384"/>
+          <ac:spMkLst>
+            <pc:docMk/>
+            <pc:sldMk cId="2688290582" sldId="264"/>
+            <ac:spMk id="5" creationId="{6222FAB5-35A5-3021-E886-3F1A40780295}"/>
+          </ac:spMkLst>
+        </pc:spChg>
+        <pc:picChg chg="add mod">
+          <ac:chgData name="Fabio Zanini" userId="0dd9bdb7174b678d" providerId="LiveId" clId="{57B71BA5-8520-439B-B3CA-9D8B8AA9E579}" dt="2023-12-29T08:30:39.151" v="389" actId="1076"/>
+          <ac:picMkLst>
+            <pc:docMk/>
+            <pc:sldMk cId="2688290582" sldId="264"/>
+            <ac:picMk id="4" creationId="{7EB8B897-AD95-0CA2-055F-4158D4F80F4D}"/>
+          </ac:picMkLst>
+        </pc:picChg>
+        <pc:picChg chg="add mod">
+          <ac:chgData name="Fabio Zanini" userId="0dd9bdb7174b678d" providerId="LiveId" clId="{57B71BA5-8520-439B-B3CA-9D8B8AA9E579}" dt="2023-12-29T08:30:49.737" v="391" actId="1076"/>
+          <ac:picMkLst>
+            <pc:docMk/>
+            <pc:sldMk cId="2688290582" sldId="264"/>
+            <ac:picMk id="6" creationId="{80BBDE9D-9758-EA89-2A42-A88B4BC02C29}"/>
+          </ac:picMkLst>
+        </pc:picChg>
+        <pc:picChg chg="add mod">
+          <ac:chgData name="Fabio Zanini" userId="0dd9bdb7174b678d" providerId="LiveId" clId="{57B71BA5-8520-439B-B3CA-9D8B8AA9E579}" dt="2023-12-29T08:30:30.334" v="388" actId="1076"/>
+          <ac:picMkLst>
+            <pc:docMk/>
+            <pc:sldMk cId="2688290582" sldId="264"/>
+            <ac:picMk id="7" creationId="{A124572F-6193-6325-BAB6-74AFFF89A316}"/>
+          </ac:picMkLst>
+        </pc:picChg>
+      </pc:sldChg>
+      <pc:sldMasterChg chg="setBg modSldLayout">
+        <pc:chgData name="Fabio Zanini" userId="0dd9bdb7174b678d" providerId="LiveId" clId="{57B71BA5-8520-439B-B3CA-9D8B8AA9E579}" dt="2023-12-29T08:29:56.810" v="382"/>
+        <pc:sldMasterMkLst>
+          <pc:docMk/>
+          <pc:sldMasterMk cId="2276932407" sldId="2147483672"/>
+        </pc:sldMasterMkLst>
+        <pc:sldLayoutChg chg="setBg">
+          <pc:chgData name="Fabio Zanini" userId="0dd9bdb7174b678d" providerId="LiveId" clId="{57B71BA5-8520-439B-B3CA-9D8B8AA9E579}" dt="2023-12-29T08:29:56.810" v="382"/>
+          <pc:sldLayoutMkLst>
+            <pc:docMk/>
+            <pc:sldMasterMk cId="2276932407" sldId="2147483672"/>
+            <pc:sldLayoutMk cId="2171342703" sldId="2147483673"/>
+          </pc:sldLayoutMkLst>
+        </pc:sldLayoutChg>
+        <pc:sldLayoutChg chg="setBg">
+          <pc:chgData name="Fabio Zanini" userId="0dd9bdb7174b678d" providerId="LiveId" clId="{57B71BA5-8520-439B-B3CA-9D8B8AA9E579}" dt="2023-12-29T08:29:56.810" v="382"/>
+          <pc:sldLayoutMkLst>
+            <pc:docMk/>
+            <pc:sldMasterMk cId="2276932407" sldId="2147483672"/>
+            <pc:sldLayoutMk cId="2442975092" sldId="2147483674"/>
+          </pc:sldLayoutMkLst>
+        </pc:sldLayoutChg>
+        <pc:sldLayoutChg chg="setBg">
+          <pc:chgData name="Fabio Zanini" userId="0dd9bdb7174b678d" providerId="LiveId" clId="{57B71BA5-8520-439B-B3CA-9D8B8AA9E579}" dt="2023-12-29T08:29:56.810" v="382"/>
+          <pc:sldLayoutMkLst>
+            <pc:docMk/>
+            <pc:sldMasterMk cId="2276932407" sldId="2147483672"/>
+            <pc:sldLayoutMk cId="2913796153" sldId="2147483675"/>
+          </pc:sldLayoutMkLst>
+        </pc:sldLayoutChg>
+        <pc:sldLayoutChg chg="setBg">
+          <pc:chgData name="Fabio Zanini" userId="0dd9bdb7174b678d" providerId="LiveId" clId="{57B71BA5-8520-439B-B3CA-9D8B8AA9E579}" dt="2023-12-29T08:29:56.810" v="382"/>
+          <pc:sldLayoutMkLst>
+            <pc:docMk/>
+            <pc:sldMasterMk cId="2276932407" sldId="2147483672"/>
+            <pc:sldLayoutMk cId="1126618441" sldId="2147483676"/>
+          </pc:sldLayoutMkLst>
+        </pc:sldLayoutChg>
+        <pc:sldLayoutChg chg="setBg">
+          <pc:chgData name="Fabio Zanini" userId="0dd9bdb7174b678d" providerId="LiveId" clId="{57B71BA5-8520-439B-B3CA-9D8B8AA9E579}" dt="2023-12-29T08:29:56.810" v="382"/>
+          <pc:sldLayoutMkLst>
+            <pc:docMk/>
+            <pc:sldMasterMk cId="2276932407" sldId="2147483672"/>
+            <pc:sldLayoutMk cId="2123611600" sldId="2147483677"/>
+          </pc:sldLayoutMkLst>
+        </pc:sldLayoutChg>
+        <pc:sldLayoutChg chg="setBg">
+          <pc:chgData name="Fabio Zanini" userId="0dd9bdb7174b678d" providerId="LiveId" clId="{57B71BA5-8520-439B-B3CA-9D8B8AA9E579}" dt="2023-12-29T08:29:56.810" v="382"/>
+          <pc:sldLayoutMkLst>
+            <pc:docMk/>
+            <pc:sldMasterMk cId="2276932407" sldId="2147483672"/>
+            <pc:sldLayoutMk cId="1799859788" sldId="2147483678"/>
+          </pc:sldLayoutMkLst>
+        </pc:sldLayoutChg>
+        <pc:sldLayoutChg chg="setBg">
+          <pc:chgData name="Fabio Zanini" userId="0dd9bdb7174b678d" providerId="LiveId" clId="{57B71BA5-8520-439B-B3CA-9D8B8AA9E579}" dt="2023-12-29T08:29:56.810" v="382"/>
+          <pc:sldLayoutMkLst>
+            <pc:docMk/>
+            <pc:sldMasterMk cId="2276932407" sldId="2147483672"/>
+            <pc:sldLayoutMk cId="449240054" sldId="2147483679"/>
+          </pc:sldLayoutMkLst>
+        </pc:sldLayoutChg>
+        <pc:sldLayoutChg chg="setBg">
+          <pc:chgData name="Fabio Zanini" userId="0dd9bdb7174b678d" providerId="LiveId" clId="{57B71BA5-8520-439B-B3CA-9D8B8AA9E579}" dt="2023-12-29T08:29:56.810" v="382"/>
+          <pc:sldLayoutMkLst>
+            <pc:docMk/>
+            <pc:sldMasterMk cId="2276932407" sldId="2147483672"/>
+            <pc:sldLayoutMk cId="4049468772" sldId="2147483680"/>
+          </pc:sldLayoutMkLst>
+        </pc:sldLayoutChg>
+        <pc:sldLayoutChg chg="setBg">
+          <pc:chgData name="Fabio Zanini" userId="0dd9bdb7174b678d" providerId="LiveId" clId="{57B71BA5-8520-439B-B3CA-9D8B8AA9E579}" dt="2023-12-29T08:29:56.810" v="382"/>
+          <pc:sldLayoutMkLst>
+            <pc:docMk/>
+            <pc:sldMasterMk cId="2276932407" sldId="2147483672"/>
+            <pc:sldLayoutMk cId="507471368" sldId="2147483681"/>
+          </pc:sldLayoutMkLst>
+        </pc:sldLayoutChg>
+        <pc:sldLayoutChg chg="setBg">
+          <pc:chgData name="Fabio Zanini" userId="0dd9bdb7174b678d" providerId="LiveId" clId="{57B71BA5-8520-439B-B3CA-9D8B8AA9E579}" dt="2023-12-29T08:29:56.810" v="382"/>
+          <pc:sldLayoutMkLst>
+            <pc:docMk/>
+            <pc:sldMasterMk cId="2276932407" sldId="2147483672"/>
+            <pc:sldLayoutMk cId="694313321" sldId="2147483682"/>
+          </pc:sldLayoutMkLst>
+        </pc:sldLayoutChg>
+        <pc:sldLayoutChg chg="setBg">
+          <pc:chgData name="Fabio Zanini" userId="0dd9bdb7174b678d" providerId="LiveId" clId="{57B71BA5-8520-439B-B3CA-9D8B8AA9E579}" dt="2023-12-29T08:29:56.810" v="382"/>
+          <pc:sldLayoutMkLst>
+            <pc:docMk/>
+            <pc:sldMasterMk cId="2276932407" sldId="2147483672"/>
+            <pc:sldLayoutMk cId="25854147" sldId="2147483683"/>
+          </pc:sldLayoutMkLst>
+        </pc:sldLayoutChg>
+        <pc:sldLayoutChg chg="setBg">
+          <pc:chgData name="Fabio Zanini" userId="0dd9bdb7174b678d" providerId="LiveId" clId="{57B71BA5-8520-439B-B3CA-9D8B8AA9E579}" dt="2023-12-29T08:29:56.810" v="382"/>
+          <pc:sldLayoutMkLst>
+            <pc:docMk/>
+            <pc:sldMasterMk cId="2276932407" sldId="2147483672"/>
+            <pc:sldLayoutMk cId="2719921583" sldId="2147483684"/>
+          </pc:sldLayoutMkLst>
+        </pc:sldLayoutChg>
+        <pc:sldLayoutChg chg="setBg">
+          <pc:chgData name="Fabio Zanini" userId="0dd9bdb7174b678d" providerId="LiveId" clId="{57B71BA5-8520-439B-B3CA-9D8B8AA9E579}" dt="2023-12-29T08:29:56.810" v="382"/>
+          <pc:sldLayoutMkLst>
+            <pc:docMk/>
+            <pc:sldMasterMk cId="2276932407" sldId="2147483672"/>
+            <pc:sldLayoutMk cId="474519452" sldId="2147483685"/>
+          </pc:sldLayoutMkLst>
+        </pc:sldLayoutChg>
+        <pc:sldLayoutChg chg="setBg">
+          <pc:chgData name="Fabio Zanini" userId="0dd9bdb7174b678d" providerId="LiveId" clId="{57B71BA5-8520-439B-B3CA-9D8B8AA9E579}" dt="2023-12-29T08:29:56.810" v="382"/>
+          <pc:sldLayoutMkLst>
+            <pc:docMk/>
+            <pc:sldMasterMk cId="2276932407" sldId="2147483672"/>
+            <pc:sldLayoutMk cId="2524119835" sldId="2147483686"/>
+          </pc:sldLayoutMkLst>
+        </pc:sldLayoutChg>
+        <pc:sldLayoutChg chg="setBg">
+          <pc:chgData name="Fabio Zanini" userId="0dd9bdb7174b678d" providerId="LiveId" clId="{57B71BA5-8520-439B-B3CA-9D8B8AA9E579}" dt="2023-12-29T08:29:56.810" v="382"/>
+          <pc:sldLayoutMkLst>
+            <pc:docMk/>
+            <pc:sldMasterMk cId="2276932407" sldId="2147483672"/>
+            <pc:sldLayoutMk cId="3854155583" sldId="2147483687"/>
+          </pc:sldLayoutMkLst>
+        </pc:sldLayoutChg>
+        <pc:sldLayoutChg chg="setBg">
+          <pc:chgData name="Fabio Zanini" userId="0dd9bdb7174b678d" providerId="LiveId" clId="{57B71BA5-8520-439B-B3CA-9D8B8AA9E579}" dt="2023-12-29T08:29:56.810" v="382"/>
+          <pc:sldLayoutMkLst>
+            <pc:docMk/>
+            <pc:sldMasterMk cId="2276932407" sldId="2147483672"/>
+            <pc:sldLayoutMk cId="3136331150" sldId="2147483688"/>
+          </pc:sldLayoutMkLst>
+        </pc:sldLayoutChg>
+        <pc:sldLayoutChg chg="setBg">
+          <pc:chgData name="Fabio Zanini" userId="0dd9bdb7174b678d" providerId="LiveId" clId="{57B71BA5-8520-439B-B3CA-9D8B8AA9E579}" dt="2023-12-29T08:29:56.810" v="382"/>
+          <pc:sldLayoutMkLst>
+            <pc:docMk/>
+            <pc:sldMasterMk cId="2276932407" sldId="2147483672"/>
+            <pc:sldLayoutMk cId="1402462623" sldId="2147483689"/>
+          </pc:sldLayoutMkLst>
+        </pc:sldLayoutChg>
+      </pc:sldMasterChg>
+    </pc:docChg>
+  </pc:docChgLst>
+</pc:chgInfo>
 </file>
 
 <file path=ppt/slideLayouts/slideLayout1.xml><?xml version="1.0" encoding="utf-8"?>
@@ -127,6 +448,196 @@
           <a:chExt cx="0" cy="0"/>
         </a:xfrm>
       </p:grpSpPr>
+      <p:grpSp>
+        <p:nvGrpSpPr>
+          <p:cNvPr id="16" name="Group 15"/>
+          <p:cNvGrpSpPr/>
+          <p:nvPr/>
+        </p:nvGrpSpPr>
+        <p:grpSpPr>
+          <a:xfrm>
+            <a:off x="4334933" y="1169931"/>
+            <a:ext cx="4814835" cy="4993802"/>
+            <a:chOff x="4334933" y="1169931"/>
+            <a:chExt cx="4814835" cy="4993802"/>
+          </a:xfrm>
+        </p:grpSpPr>
+        <p:cxnSp>
+          <p:nvCxnSpPr>
+            <p:cNvPr id="17" name="Straight Connector 16"/>
+            <p:cNvCxnSpPr/>
+            <p:nvPr/>
+          </p:nvCxnSpPr>
+          <p:spPr>
+            <a:xfrm flipH="1">
+              <a:off x="6009259" y="1169931"/>
+              <a:ext cx="3134741" cy="3134741"/>
+            </a:xfrm>
+            <a:prstGeom prst="line">
+              <a:avLst/>
+            </a:prstGeom>
+            <a:ln w="12700">
+              <a:solidFill>
+                <a:schemeClr val="tx1"/>
+              </a:solidFill>
+            </a:ln>
+          </p:spPr>
+          <p:style>
+            <a:lnRef idx="2">
+              <a:schemeClr val="accent1"/>
+            </a:lnRef>
+            <a:fillRef idx="0">
+              <a:schemeClr val="accent1"/>
+            </a:fillRef>
+            <a:effectRef idx="1">
+              <a:schemeClr val="accent1"/>
+            </a:effectRef>
+            <a:fontRef idx="minor">
+              <a:schemeClr val="tx1"/>
+            </a:fontRef>
+          </p:style>
+        </p:cxnSp>
+        <p:cxnSp>
+          <p:nvCxnSpPr>
+            <p:cNvPr id="19" name="Straight Connector 18"/>
+            <p:cNvCxnSpPr/>
+            <p:nvPr/>
+          </p:nvCxnSpPr>
+          <p:spPr>
+            <a:xfrm flipH="1">
+              <a:off x="4334933" y="1348898"/>
+              <a:ext cx="4814835" cy="4814835"/>
+            </a:xfrm>
+            <a:prstGeom prst="line">
+              <a:avLst/>
+            </a:prstGeom>
+            <a:ln w="12700">
+              <a:solidFill>
+                <a:schemeClr val="tx1"/>
+              </a:solidFill>
+            </a:ln>
+          </p:spPr>
+          <p:style>
+            <a:lnRef idx="2">
+              <a:schemeClr val="accent1"/>
+            </a:lnRef>
+            <a:fillRef idx="0">
+              <a:schemeClr val="accent1"/>
+            </a:fillRef>
+            <a:effectRef idx="1">
+              <a:schemeClr val="accent1"/>
+            </a:effectRef>
+            <a:fontRef idx="minor">
+              <a:schemeClr val="tx1"/>
+            </a:fontRef>
+          </p:style>
+        </p:cxnSp>
+        <p:cxnSp>
+          <p:nvCxnSpPr>
+            <p:cNvPr id="21" name="Straight Connector 20"/>
+            <p:cNvCxnSpPr/>
+            <p:nvPr/>
+          </p:nvCxnSpPr>
+          <p:spPr>
+            <a:xfrm flipH="1">
+              <a:off x="5225595" y="1469269"/>
+              <a:ext cx="3912054" cy="3912054"/>
+            </a:xfrm>
+            <a:prstGeom prst="line">
+              <a:avLst/>
+            </a:prstGeom>
+            <a:ln w="12700">
+              <a:solidFill>
+                <a:schemeClr val="tx1"/>
+              </a:solidFill>
+            </a:ln>
+          </p:spPr>
+          <p:style>
+            <a:lnRef idx="2">
+              <a:schemeClr val="accent1"/>
+            </a:lnRef>
+            <a:fillRef idx="0">
+              <a:schemeClr val="accent1"/>
+            </a:fillRef>
+            <a:effectRef idx="1">
+              <a:schemeClr val="accent1"/>
+            </a:effectRef>
+            <a:fontRef idx="minor">
+              <a:schemeClr val="tx1"/>
+            </a:fontRef>
+          </p:style>
+        </p:cxnSp>
+        <p:cxnSp>
+          <p:nvCxnSpPr>
+            <p:cNvPr id="22" name="Straight Connector 21"/>
+            <p:cNvCxnSpPr/>
+            <p:nvPr/>
+          </p:nvCxnSpPr>
+          <p:spPr>
+            <a:xfrm flipH="1">
+              <a:off x="5304588" y="1307856"/>
+              <a:ext cx="3839412" cy="3839412"/>
+            </a:xfrm>
+            <a:prstGeom prst="line">
+              <a:avLst/>
+            </a:prstGeom>
+            <a:ln w="31750">
+              <a:solidFill>
+                <a:schemeClr val="tx1"/>
+              </a:solidFill>
+            </a:ln>
+          </p:spPr>
+          <p:style>
+            <a:lnRef idx="2">
+              <a:schemeClr val="accent1"/>
+            </a:lnRef>
+            <a:fillRef idx="0">
+              <a:schemeClr val="accent1"/>
+            </a:fillRef>
+            <a:effectRef idx="1">
+              <a:schemeClr val="accent1"/>
+            </a:effectRef>
+            <a:fontRef idx="minor">
+              <a:schemeClr val="tx1"/>
+            </a:fontRef>
+          </p:style>
+        </p:cxnSp>
+        <p:cxnSp>
+          <p:nvCxnSpPr>
+            <p:cNvPr id="23" name="Straight Connector 22"/>
+            <p:cNvCxnSpPr/>
+            <p:nvPr/>
+          </p:nvCxnSpPr>
+          <p:spPr>
+            <a:xfrm flipH="1">
+              <a:off x="5707078" y="1770196"/>
+              <a:ext cx="3430571" cy="3430570"/>
+            </a:xfrm>
+            <a:prstGeom prst="line">
+              <a:avLst/>
+            </a:prstGeom>
+            <a:ln w="31750">
+              <a:solidFill>
+                <a:schemeClr val="tx1"/>
+              </a:solidFill>
+            </a:ln>
+          </p:spPr>
+          <p:style>
+            <a:lnRef idx="2">
+              <a:schemeClr val="accent1"/>
+            </a:lnRef>
+            <a:fillRef idx="0">
+              <a:schemeClr val="accent1"/>
+            </a:fillRef>
+            <a:effectRef idx="1">
+              <a:schemeClr val="accent1"/>
+            </a:effectRef>
+            <a:fontRef idx="minor">
+              <a:schemeClr val="tx1"/>
+            </a:fontRef>
+          </p:style>
+        </p:cxnSp>
+      </p:grpSp>
       <p:sp>
         <p:nvSpPr>
           <p:cNvPr id="2" name="Title 1"/>
@@ -139,15 +650,19 @@
         </p:nvSpPr>
         <p:spPr>
           <a:xfrm>
-            <a:off x="685800" y="1122363"/>
-            <a:ext cx="7772400" cy="2387600"/>
+            <a:off x="533400" y="533400"/>
+            <a:ext cx="6154713" cy="3124201"/>
           </a:xfrm>
         </p:spPr>
         <p:txBody>
-          <a:bodyPr anchor="b"/>
+          <a:bodyPr anchor="b">
+            <a:normAutofit/>
+          </a:bodyPr>
           <a:lstStyle>
-            <a:lvl1pPr algn="ctr">
-              <a:defRPr sz="6000"/>
+            <a:lvl1pPr algn="l">
+              <a:defRPr sz="4400">
+                <a:effectLst/>
+              </a:defRPr>
             </a:lvl1pPr>
           </a:lstStyle>
           <a:p>
@@ -171,48 +686,104 @@
         </p:nvSpPr>
         <p:spPr>
           <a:xfrm>
-            <a:off x="1143000" y="3602038"/>
-            <a:ext cx="6858000" cy="1655762"/>
+            <a:off x="533400" y="3843868"/>
+            <a:ext cx="4954250" cy="1913466"/>
           </a:xfrm>
         </p:spPr>
         <p:txBody>
-          <a:bodyPr/>
+          <a:bodyPr anchor="t">
+            <a:normAutofit/>
+          </a:bodyPr>
           <a:lstStyle>
-            <a:lvl1pPr marL="0" indent="0" algn="ctr">
-              <a:buNone/>
-              <a:defRPr sz="2400"/>
+            <a:lvl1pPr marL="0" indent="0" algn="l">
+              <a:buNone/>
+              <a:defRPr sz="2000">
+                <a:solidFill>
+                  <a:schemeClr val="bg2">
+                    <a:lumMod val="75000"/>
+                  </a:schemeClr>
+                </a:solidFill>
+              </a:defRPr>
             </a:lvl1pPr>
             <a:lvl2pPr marL="457200" indent="0" algn="ctr">
               <a:buNone/>
-              <a:defRPr sz="2000"/>
+              <a:defRPr>
+                <a:solidFill>
+                  <a:schemeClr val="tx1">
+                    <a:tint val="75000"/>
+                  </a:schemeClr>
+                </a:solidFill>
+              </a:defRPr>
             </a:lvl2pPr>
             <a:lvl3pPr marL="914400" indent="0" algn="ctr">
               <a:buNone/>
-              <a:defRPr sz="1800"/>
+              <a:defRPr>
+                <a:solidFill>
+                  <a:schemeClr val="tx1">
+                    <a:tint val="75000"/>
+                  </a:schemeClr>
+                </a:solidFill>
+              </a:defRPr>
             </a:lvl3pPr>
             <a:lvl4pPr marL="1371600" indent="0" algn="ctr">
               <a:buNone/>
-              <a:defRPr sz="1600"/>
+              <a:defRPr>
+                <a:solidFill>
+                  <a:schemeClr val="tx1">
+                    <a:tint val="75000"/>
+                  </a:schemeClr>
+                </a:solidFill>
+              </a:defRPr>
             </a:lvl4pPr>
             <a:lvl5pPr marL="1828800" indent="0" algn="ctr">
               <a:buNone/>
-              <a:defRPr sz="1600"/>
+              <a:defRPr>
+                <a:solidFill>
+                  <a:schemeClr val="tx1">
+                    <a:tint val="75000"/>
+                  </a:schemeClr>
+                </a:solidFill>
+              </a:defRPr>
             </a:lvl5pPr>
             <a:lvl6pPr marL="2286000" indent="0" algn="ctr">
               <a:buNone/>
-              <a:defRPr sz="1600"/>
+              <a:defRPr>
+                <a:solidFill>
+                  <a:schemeClr val="tx1">
+                    <a:tint val="75000"/>
+                  </a:schemeClr>
+                </a:solidFill>
+              </a:defRPr>
             </a:lvl6pPr>
             <a:lvl7pPr marL="2743200" indent="0" algn="ctr">
               <a:buNone/>
-              <a:defRPr sz="1600"/>
+              <a:defRPr>
+                <a:solidFill>
+                  <a:schemeClr val="tx1">
+                    <a:tint val="75000"/>
+                  </a:schemeClr>
+                </a:solidFill>
+              </a:defRPr>
             </a:lvl7pPr>
             <a:lvl8pPr marL="3200400" indent="0" algn="ctr">
               <a:buNone/>
-              <a:defRPr sz="1600"/>
+              <a:defRPr>
+                <a:solidFill>
+                  <a:schemeClr val="tx1">
+                    <a:tint val="75000"/>
+                  </a:schemeClr>
+                </a:solidFill>
+              </a:defRPr>
             </a:lvl8pPr>
             <a:lvl9pPr marL="3657600" indent="0" algn="ctr">
               <a:buNone/>
-              <a:defRPr sz="1600"/>
+              <a:defRPr>
+                <a:solidFill>
+                  <a:schemeClr val="tx1">
+                    <a:tint val="75000"/>
+                  </a:schemeClr>
+                </a:solidFill>
+              </a:defRPr>
             </a:lvl9pPr>
           </a:lstStyle>
           <a:p>
@@ -241,7 +812,7 @@
           <a:p>
             <a:fld id="{7E8FA5E9-F974-492B-BC1A-0FF2A36BEC7D}" type="datetimeFigureOut">
               <a:rPr lang="it-IT" smtClean="0"/>
-              <a:t>05/12/2023</a:t>
+              <a:t>29/12/2023</a:t>
             </a:fld>
             <a:endParaRPr lang="it-IT"/>
           </a:p>
@@ -292,7 +863,7 @@
     </p:spTree>
     <p:extLst>
       <p:ext uri="{BB962C8B-B14F-4D97-AF65-F5344CB8AC3E}">
-        <p14:creationId xmlns:p14="http://schemas.microsoft.com/office/powerpoint/2010/main" val="2540418325"/>
+        <p14:creationId xmlns:p14="http://schemas.microsoft.com/office/powerpoint/2010/main" val="2171342703"/>
       </p:ext>
     </p:extLst>
   </p:cSld>
@@ -303,6 +874,1817 @@
 </file>
 
 <file path=ppt/slideLayouts/slideLayout10.xml><?xml version="1.0" encoding="utf-8"?>
+<p:sldLayout xmlns:a="http://schemas.openxmlformats.org/drawingml/2006/main" xmlns:r="http://schemas.openxmlformats.org/officeDocument/2006/relationships" xmlns:p="http://schemas.openxmlformats.org/presentationml/2006/main" preserve="1">
+  <p:cSld name="Immagine panoramica con didascalia">
+    <p:spTree>
+      <p:nvGrpSpPr>
+        <p:cNvPr id="1" name=""/>
+        <p:cNvGrpSpPr/>
+        <p:nvPr/>
+      </p:nvGrpSpPr>
+      <p:grpSpPr>
+        <a:xfrm>
+          <a:off x="0" y="0"/>
+          <a:ext cx="0" cy="0"/>
+          <a:chOff x="0" y="0"/>
+          <a:chExt cx="0" cy="0"/>
+        </a:xfrm>
+      </p:grpSpPr>
+      <p:sp>
+        <p:nvSpPr>
+          <p:cNvPr id="2" name="Title 1"/>
+          <p:cNvSpPr>
+            <a:spLocks noGrp="1"/>
+          </p:cNvSpPr>
+          <p:nvPr>
+            <p:ph type="title"/>
+          </p:nvPr>
+        </p:nvSpPr>
+        <p:spPr>
+          <a:xfrm>
+            <a:off x="533400" y="4495800"/>
+            <a:ext cx="6554867" cy="1524000"/>
+          </a:xfrm>
+        </p:spPr>
+        <p:txBody>
+          <a:bodyPr/>
+          <a:lstStyle/>
+          <a:p>
+            <a:r>
+              <a:rPr lang="it-IT"/>
+              <a:t>Fare clic per modificare lo stile del titolo dello schema</a:t>
+            </a:r>
+            <a:endParaRPr lang="en-US" dirty="0"/>
+          </a:p>
+        </p:txBody>
+      </p:sp>
+      <p:sp>
+        <p:nvSpPr>
+          <p:cNvPr id="6" name="Picture Placeholder 2"/>
+          <p:cNvSpPr>
+            <a:spLocks noGrp="1" noChangeAspect="1"/>
+          </p:cNvSpPr>
+          <p:nvPr>
+            <p:ph type="pic" idx="13"/>
+          </p:nvPr>
+        </p:nvSpPr>
+        <p:spPr>
+          <a:xfrm>
+            <a:off x="533400" y="533400"/>
+            <a:ext cx="8077200" cy="3124200"/>
+          </a:xfrm>
+          <a:prstGeom prst="snip2DiagRect">
+            <a:avLst>
+              <a:gd name="adj1" fmla="val 10815"/>
+              <a:gd name="adj2" fmla="val 0"/>
+            </a:avLst>
+          </a:prstGeom>
+          <a:ln w="15875">
+            <a:solidFill>
+              <a:schemeClr val="tx1">
+                <a:alpha val="40000"/>
+              </a:schemeClr>
+            </a:solidFill>
+          </a:ln>
+          <a:effectLst>
+            <a:innerShdw blurRad="57150" dist="38100" dir="14460000">
+              <a:srgbClr val="000000">
+                <a:alpha val="70000"/>
+              </a:srgbClr>
+            </a:innerShdw>
+          </a:effectLst>
+        </p:spPr>
+        <p:txBody>
+          <a:bodyPr anchor="t">
+            <a:normAutofit/>
+          </a:bodyPr>
+          <a:lstStyle>
+            <a:lvl1pPr marL="0" indent="0" algn="ctr">
+              <a:buNone/>
+              <a:defRPr sz="1600"/>
+            </a:lvl1pPr>
+            <a:lvl2pPr marL="457200" indent="0">
+              <a:buNone/>
+              <a:defRPr sz="1600"/>
+            </a:lvl2pPr>
+            <a:lvl3pPr marL="914400" indent="0">
+              <a:buNone/>
+              <a:defRPr sz="1600"/>
+            </a:lvl3pPr>
+            <a:lvl4pPr marL="1371600" indent="0">
+              <a:buNone/>
+              <a:defRPr sz="1600"/>
+            </a:lvl4pPr>
+            <a:lvl5pPr marL="1828800" indent="0">
+              <a:buNone/>
+              <a:defRPr sz="1600"/>
+            </a:lvl5pPr>
+            <a:lvl6pPr marL="2286000" indent="0">
+              <a:buNone/>
+              <a:defRPr sz="1600"/>
+            </a:lvl6pPr>
+            <a:lvl7pPr marL="2743200" indent="0">
+              <a:buNone/>
+              <a:defRPr sz="1600"/>
+            </a:lvl7pPr>
+            <a:lvl8pPr marL="3200400" indent="0">
+              <a:buNone/>
+              <a:defRPr sz="1600"/>
+            </a:lvl8pPr>
+            <a:lvl9pPr marL="3657600" indent="0">
+              <a:buNone/>
+              <a:defRPr sz="1600"/>
+            </a:lvl9pPr>
+          </a:lstStyle>
+          <a:p>
+            <a:r>
+              <a:rPr lang="it-IT"/>
+              <a:t>Fare clic sull'icona per inserire un'immagine</a:t>
+            </a:r>
+            <a:endParaRPr lang="en-US" dirty="0"/>
+          </a:p>
+        </p:txBody>
+      </p:sp>
+      <p:sp>
+        <p:nvSpPr>
+          <p:cNvPr id="9" name="Text Placeholder 9"/>
+          <p:cNvSpPr>
+            <a:spLocks noGrp="1"/>
+          </p:cNvSpPr>
+          <p:nvPr>
+            <p:ph type="body" sz="quarter" idx="14"/>
+          </p:nvPr>
+        </p:nvSpPr>
+        <p:spPr>
+          <a:xfrm>
+            <a:off x="762002" y="3843867"/>
+            <a:ext cx="7281332" cy="457200"/>
+          </a:xfrm>
+        </p:spPr>
+        <p:txBody>
+          <a:bodyPr anchor="t">
+            <a:normAutofit/>
+          </a:bodyPr>
+          <a:lstStyle>
+            <a:lvl1pPr marL="0" indent="0">
+              <a:buFontTx/>
+              <a:buNone/>
+              <a:defRPr sz="1600"/>
+            </a:lvl1pPr>
+            <a:lvl2pPr marL="457200" indent="0">
+              <a:buFontTx/>
+              <a:buNone/>
+              <a:defRPr/>
+            </a:lvl2pPr>
+            <a:lvl3pPr marL="914400" indent="0">
+              <a:buFontTx/>
+              <a:buNone/>
+              <a:defRPr/>
+            </a:lvl3pPr>
+            <a:lvl4pPr marL="1371600" indent="0">
+              <a:buFontTx/>
+              <a:buNone/>
+              <a:defRPr/>
+            </a:lvl4pPr>
+            <a:lvl5pPr marL="1828800" indent="0">
+              <a:buFontTx/>
+              <a:buNone/>
+              <a:defRPr/>
+            </a:lvl5pPr>
+          </a:lstStyle>
+          <a:p>
+            <a:pPr lvl="0"/>
+            <a:r>
+              <a:rPr lang="it-IT"/>
+              <a:t>Fare clic per modificare gli stili del testo dello schema</a:t>
+            </a:r>
+          </a:p>
+        </p:txBody>
+      </p:sp>
+      <p:sp>
+        <p:nvSpPr>
+          <p:cNvPr id="3" name="Date Placeholder 2"/>
+          <p:cNvSpPr>
+            <a:spLocks noGrp="1"/>
+          </p:cNvSpPr>
+          <p:nvPr>
+            <p:ph type="dt" sz="half" idx="10"/>
+          </p:nvPr>
+        </p:nvSpPr>
+        <p:spPr/>
+        <p:txBody>
+          <a:bodyPr/>
+          <a:lstStyle/>
+          <a:p>
+            <a:fld id="{7E8FA5E9-F974-492B-BC1A-0FF2A36BEC7D}" type="datetimeFigureOut">
+              <a:rPr lang="it-IT" smtClean="0"/>
+              <a:t>29/12/2023</a:t>
+            </a:fld>
+            <a:endParaRPr lang="it-IT"/>
+          </a:p>
+        </p:txBody>
+      </p:sp>
+      <p:sp>
+        <p:nvSpPr>
+          <p:cNvPr id="4" name="Footer Placeholder 3"/>
+          <p:cNvSpPr>
+            <a:spLocks noGrp="1"/>
+          </p:cNvSpPr>
+          <p:nvPr>
+            <p:ph type="ftr" sz="quarter" idx="11"/>
+          </p:nvPr>
+        </p:nvSpPr>
+        <p:spPr/>
+        <p:txBody>
+          <a:bodyPr/>
+          <a:lstStyle/>
+          <a:p>
+            <a:endParaRPr lang="it-IT"/>
+          </a:p>
+        </p:txBody>
+      </p:sp>
+      <p:sp>
+        <p:nvSpPr>
+          <p:cNvPr id="5" name="Slide Number Placeholder 4"/>
+          <p:cNvSpPr>
+            <a:spLocks noGrp="1"/>
+          </p:cNvSpPr>
+          <p:nvPr>
+            <p:ph type="sldNum" sz="quarter" idx="12"/>
+          </p:nvPr>
+        </p:nvSpPr>
+        <p:spPr/>
+        <p:txBody>
+          <a:bodyPr/>
+          <a:lstStyle/>
+          <a:p>
+            <a:fld id="{73A869FD-B92D-4C98-8862-404608FDB7D3}" type="slidenum">
+              <a:rPr lang="it-IT" smtClean="0"/>
+              <a:t>‹N›</a:t>
+            </a:fld>
+            <a:endParaRPr lang="it-IT"/>
+          </a:p>
+        </p:txBody>
+      </p:sp>
+    </p:spTree>
+    <p:extLst>
+      <p:ext uri="{BB962C8B-B14F-4D97-AF65-F5344CB8AC3E}">
+        <p14:creationId xmlns:p14="http://schemas.microsoft.com/office/powerpoint/2010/main" val="694313321"/>
+      </p:ext>
+    </p:extLst>
+  </p:cSld>
+  <p:clrMapOvr>
+    <a:masterClrMapping/>
+  </p:clrMapOvr>
+</p:sldLayout>
+</file>
+
+<file path=ppt/slideLayouts/slideLayout11.xml><?xml version="1.0" encoding="utf-8"?>
+<p:sldLayout xmlns:a="http://schemas.openxmlformats.org/drawingml/2006/main" xmlns:r="http://schemas.openxmlformats.org/officeDocument/2006/relationships" xmlns:p="http://schemas.openxmlformats.org/presentationml/2006/main" preserve="1">
+  <p:cSld name="Titolo e sottotitolo">
+    <p:spTree>
+      <p:nvGrpSpPr>
+        <p:cNvPr id="1" name=""/>
+        <p:cNvGrpSpPr/>
+        <p:nvPr/>
+      </p:nvGrpSpPr>
+      <p:grpSpPr>
+        <a:xfrm>
+          <a:off x="0" y="0"/>
+          <a:ext cx="0" cy="0"/>
+          <a:chOff x="0" y="0"/>
+          <a:chExt cx="0" cy="0"/>
+        </a:xfrm>
+      </p:grpSpPr>
+      <p:sp>
+        <p:nvSpPr>
+          <p:cNvPr id="2" name="Title 1"/>
+          <p:cNvSpPr>
+            <a:spLocks noGrp="1"/>
+          </p:cNvSpPr>
+          <p:nvPr>
+            <p:ph type="title"/>
+          </p:nvPr>
+        </p:nvSpPr>
+        <p:spPr>
+          <a:xfrm>
+            <a:off x="533400" y="533400"/>
+            <a:ext cx="8077200" cy="2895600"/>
+          </a:xfrm>
+        </p:spPr>
+        <p:txBody>
+          <a:bodyPr anchor="ctr">
+            <a:normAutofit/>
+          </a:bodyPr>
+          <a:lstStyle>
+            <a:lvl1pPr algn="l">
+              <a:defRPr sz="2800" b="0" cap="all"/>
+            </a:lvl1pPr>
+          </a:lstStyle>
+          <a:p>
+            <a:r>
+              <a:rPr lang="it-IT"/>
+              <a:t>Fare clic per modificare lo stile del titolo dello schema</a:t>
+            </a:r>
+            <a:endParaRPr lang="en-US" dirty="0"/>
+          </a:p>
+        </p:txBody>
+      </p:sp>
+      <p:sp>
+        <p:nvSpPr>
+          <p:cNvPr id="3" name="Text Placeholder 2"/>
+          <p:cNvSpPr>
+            <a:spLocks noGrp="1"/>
+          </p:cNvSpPr>
+          <p:nvPr>
+            <p:ph type="body" idx="1"/>
+          </p:nvPr>
+        </p:nvSpPr>
+        <p:spPr>
+          <a:xfrm>
+            <a:off x="533400" y="4114800"/>
+            <a:ext cx="6383552" cy="1905000"/>
+          </a:xfrm>
+        </p:spPr>
+        <p:txBody>
+          <a:bodyPr anchor="ctr">
+            <a:normAutofit/>
+          </a:bodyPr>
+          <a:lstStyle>
+            <a:lvl1pPr marL="0" indent="0" algn="l">
+              <a:buNone/>
+              <a:defRPr sz="1800">
+                <a:solidFill>
+                  <a:schemeClr val="bg2">
+                    <a:lumMod val="75000"/>
+                  </a:schemeClr>
+                </a:solidFill>
+              </a:defRPr>
+            </a:lvl1pPr>
+            <a:lvl2pPr marL="457200" indent="0">
+              <a:buNone/>
+              <a:defRPr sz="1800">
+                <a:solidFill>
+                  <a:schemeClr val="tx1">
+                    <a:tint val="75000"/>
+                  </a:schemeClr>
+                </a:solidFill>
+              </a:defRPr>
+            </a:lvl2pPr>
+            <a:lvl3pPr marL="914400" indent="0">
+              <a:buNone/>
+              <a:defRPr sz="1600">
+                <a:solidFill>
+                  <a:schemeClr val="tx1">
+                    <a:tint val="75000"/>
+                  </a:schemeClr>
+                </a:solidFill>
+              </a:defRPr>
+            </a:lvl3pPr>
+            <a:lvl4pPr marL="1371600" indent="0">
+              <a:buNone/>
+              <a:defRPr sz="1400">
+                <a:solidFill>
+                  <a:schemeClr val="tx1">
+                    <a:tint val="75000"/>
+                  </a:schemeClr>
+                </a:solidFill>
+              </a:defRPr>
+            </a:lvl4pPr>
+            <a:lvl5pPr marL="1828800" indent="0">
+              <a:buNone/>
+              <a:defRPr sz="1400">
+                <a:solidFill>
+                  <a:schemeClr val="tx1">
+                    <a:tint val="75000"/>
+                  </a:schemeClr>
+                </a:solidFill>
+              </a:defRPr>
+            </a:lvl5pPr>
+            <a:lvl6pPr marL="2286000" indent="0">
+              <a:buNone/>
+              <a:defRPr sz="1400">
+                <a:solidFill>
+                  <a:schemeClr val="tx1">
+                    <a:tint val="75000"/>
+                  </a:schemeClr>
+                </a:solidFill>
+              </a:defRPr>
+            </a:lvl6pPr>
+            <a:lvl7pPr marL="2743200" indent="0">
+              <a:buNone/>
+              <a:defRPr sz="1400">
+                <a:solidFill>
+                  <a:schemeClr val="tx1">
+                    <a:tint val="75000"/>
+                  </a:schemeClr>
+                </a:solidFill>
+              </a:defRPr>
+            </a:lvl7pPr>
+            <a:lvl8pPr marL="3200400" indent="0">
+              <a:buNone/>
+              <a:defRPr sz="1400">
+                <a:solidFill>
+                  <a:schemeClr val="tx1">
+                    <a:tint val="75000"/>
+                  </a:schemeClr>
+                </a:solidFill>
+              </a:defRPr>
+            </a:lvl8pPr>
+            <a:lvl9pPr marL="3657600" indent="0">
+              <a:buNone/>
+              <a:defRPr sz="1400">
+                <a:solidFill>
+                  <a:schemeClr val="tx1">
+                    <a:tint val="75000"/>
+                  </a:schemeClr>
+                </a:solidFill>
+              </a:defRPr>
+            </a:lvl9pPr>
+          </a:lstStyle>
+          <a:p>
+            <a:pPr lvl="0"/>
+            <a:r>
+              <a:rPr lang="it-IT"/>
+              <a:t>Fare clic per modificare gli stili del testo dello schema</a:t>
+            </a:r>
+          </a:p>
+        </p:txBody>
+      </p:sp>
+      <p:sp>
+        <p:nvSpPr>
+          <p:cNvPr id="4" name="Date Placeholder 3"/>
+          <p:cNvSpPr>
+            <a:spLocks noGrp="1"/>
+          </p:cNvSpPr>
+          <p:nvPr>
+            <p:ph type="dt" sz="half" idx="10"/>
+          </p:nvPr>
+        </p:nvSpPr>
+        <p:spPr/>
+        <p:txBody>
+          <a:bodyPr/>
+          <a:lstStyle/>
+          <a:p>
+            <a:fld id="{7E8FA5E9-F974-492B-BC1A-0FF2A36BEC7D}" type="datetimeFigureOut">
+              <a:rPr lang="it-IT" smtClean="0"/>
+              <a:t>29/12/2023</a:t>
+            </a:fld>
+            <a:endParaRPr lang="it-IT"/>
+          </a:p>
+        </p:txBody>
+      </p:sp>
+      <p:sp>
+        <p:nvSpPr>
+          <p:cNvPr id="5" name="Footer Placeholder 4"/>
+          <p:cNvSpPr>
+            <a:spLocks noGrp="1"/>
+          </p:cNvSpPr>
+          <p:nvPr>
+            <p:ph type="ftr" sz="quarter" idx="11"/>
+          </p:nvPr>
+        </p:nvSpPr>
+        <p:spPr/>
+        <p:txBody>
+          <a:bodyPr/>
+          <a:lstStyle/>
+          <a:p>
+            <a:endParaRPr lang="it-IT"/>
+          </a:p>
+        </p:txBody>
+      </p:sp>
+      <p:sp>
+        <p:nvSpPr>
+          <p:cNvPr id="6" name="Slide Number Placeholder 5"/>
+          <p:cNvSpPr>
+            <a:spLocks noGrp="1"/>
+          </p:cNvSpPr>
+          <p:nvPr>
+            <p:ph type="sldNum" sz="quarter" idx="12"/>
+          </p:nvPr>
+        </p:nvSpPr>
+        <p:spPr/>
+        <p:txBody>
+          <a:bodyPr/>
+          <a:lstStyle/>
+          <a:p>
+            <a:fld id="{73A869FD-B92D-4C98-8862-404608FDB7D3}" type="slidenum">
+              <a:rPr lang="it-IT" smtClean="0"/>
+              <a:t>‹N›</a:t>
+            </a:fld>
+            <a:endParaRPr lang="it-IT"/>
+          </a:p>
+        </p:txBody>
+      </p:sp>
+    </p:spTree>
+    <p:extLst>
+      <p:ext uri="{BB962C8B-B14F-4D97-AF65-F5344CB8AC3E}">
+        <p14:creationId xmlns:p14="http://schemas.microsoft.com/office/powerpoint/2010/main" val="25854147"/>
+      </p:ext>
+    </p:extLst>
+  </p:cSld>
+  <p:clrMapOvr>
+    <a:masterClrMapping/>
+  </p:clrMapOvr>
+</p:sldLayout>
+</file>
+
+<file path=ppt/slideLayouts/slideLayout12.xml><?xml version="1.0" encoding="utf-8"?>
+<p:sldLayout xmlns:a="http://schemas.openxmlformats.org/drawingml/2006/main" xmlns:r="http://schemas.openxmlformats.org/officeDocument/2006/relationships" xmlns:p="http://schemas.openxmlformats.org/presentationml/2006/main" preserve="1">
+  <p:cSld name="Citazione con didascalia">
+    <p:spTree>
+      <p:nvGrpSpPr>
+        <p:cNvPr id="1" name=""/>
+        <p:cNvGrpSpPr/>
+        <p:nvPr/>
+      </p:nvGrpSpPr>
+      <p:grpSpPr>
+        <a:xfrm>
+          <a:off x="0" y="0"/>
+          <a:ext cx="0" cy="0"/>
+          <a:chOff x="0" y="0"/>
+          <a:chExt cx="0" cy="0"/>
+        </a:xfrm>
+      </p:grpSpPr>
+      <p:sp>
+        <p:nvSpPr>
+          <p:cNvPr id="2" name="Title 1"/>
+          <p:cNvSpPr>
+            <a:spLocks noGrp="1"/>
+          </p:cNvSpPr>
+          <p:nvPr>
+            <p:ph type="title"/>
+          </p:nvPr>
+        </p:nvSpPr>
+        <p:spPr>
+          <a:xfrm>
+            <a:off x="856283" y="533400"/>
+            <a:ext cx="6859787" cy="2895600"/>
+          </a:xfrm>
+        </p:spPr>
+        <p:txBody>
+          <a:bodyPr anchor="ctr">
+            <a:normAutofit/>
+          </a:bodyPr>
+          <a:lstStyle>
+            <a:lvl1pPr algn="l">
+              <a:defRPr sz="2800" b="0" cap="all">
+                <a:solidFill>
+                  <a:schemeClr val="tx1"/>
+                </a:solidFill>
+              </a:defRPr>
+            </a:lvl1pPr>
+          </a:lstStyle>
+          <a:p>
+            <a:r>
+              <a:rPr lang="it-IT"/>
+              <a:t>Fare clic per modificare lo stile del titolo dello schema</a:t>
+            </a:r>
+            <a:endParaRPr lang="en-US" dirty="0"/>
+          </a:p>
+        </p:txBody>
+      </p:sp>
+      <p:sp>
+        <p:nvSpPr>
+          <p:cNvPr id="10" name="Text Placeholder 9"/>
+          <p:cNvSpPr>
+            <a:spLocks noGrp="1"/>
+          </p:cNvSpPr>
+          <p:nvPr>
+            <p:ph type="body" sz="quarter" idx="13"/>
+          </p:nvPr>
+        </p:nvSpPr>
+        <p:spPr>
+          <a:xfrm>
+            <a:off x="1066800" y="3429000"/>
+            <a:ext cx="6402467" cy="482600"/>
+          </a:xfrm>
+        </p:spPr>
+        <p:txBody>
+          <a:bodyPr anchor="ctr"/>
+          <a:lstStyle>
+            <a:lvl1pPr marL="0" indent="0">
+              <a:buFontTx/>
+              <a:buNone/>
+              <a:defRPr/>
+            </a:lvl1pPr>
+            <a:lvl2pPr marL="457200" indent="0">
+              <a:buFontTx/>
+              <a:buNone/>
+              <a:defRPr/>
+            </a:lvl2pPr>
+            <a:lvl3pPr marL="914400" indent="0">
+              <a:buFontTx/>
+              <a:buNone/>
+              <a:defRPr/>
+            </a:lvl3pPr>
+            <a:lvl4pPr marL="1371600" indent="0">
+              <a:buFontTx/>
+              <a:buNone/>
+              <a:defRPr/>
+            </a:lvl4pPr>
+            <a:lvl5pPr marL="1828800" indent="0">
+              <a:buFontTx/>
+              <a:buNone/>
+              <a:defRPr/>
+            </a:lvl5pPr>
+          </a:lstStyle>
+          <a:p>
+            <a:pPr lvl="0"/>
+            <a:r>
+              <a:rPr lang="it-IT"/>
+              <a:t>Fare clic per modificare gli stili del testo dello schema</a:t>
+            </a:r>
+          </a:p>
+        </p:txBody>
+      </p:sp>
+      <p:sp>
+        <p:nvSpPr>
+          <p:cNvPr id="3" name="Text Placeholder 2"/>
+          <p:cNvSpPr>
+            <a:spLocks noGrp="1"/>
+          </p:cNvSpPr>
+          <p:nvPr>
+            <p:ph type="body" idx="1"/>
+          </p:nvPr>
+        </p:nvSpPr>
+        <p:spPr>
+          <a:xfrm>
+            <a:off x="533400" y="4301070"/>
+            <a:ext cx="6382361" cy="1718730"/>
+          </a:xfrm>
+        </p:spPr>
+        <p:txBody>
+          <a:bodyPr anchor="ctr">
+            <a:normAutofit/>
+          </a:bodyPr>
+          <a:lstStyle>
+            <a:lvl1pPr marL="0" indent="0" algn="l">
+              <a:buNone/>
+              <a:defRPr sz="2000">
+                <a:solidFill>
+                  <a:schemeClr val="bg2">
+                    <a:lumMod val="75000"/>
+                  </a:schemeClr>
+                </a:solidFill>
+              </a:defRPr>
+            </a:lvl1pPr>
+            <a:lvl2pPr marL="457200" indent="0">
+              <a:buNone/>
+              <a:defRPr sz="1800">
+                <a:solidFill>
+                  <a:schemeClr val="tx1">
+                    <a:tint val="75000"/>
+                  </a:schemeClr>
+                </a:solidFill>
+              </a:defRPr>
+            </a:lvl2pPr>
+            <a:lvl3pPr marL="914400" indent="0">
+              <a:buNone/>
+              <a:defRPr sz="1600">
+                <a:solidFill>
+                  <a:schemeClr val="tx1">
+                    <a:tint val="75000"/>
+                  </a:schemeClr>
+                </a:solidFill>
+              </a:defRPr>
+            </a:lvl3pPr>
+            <a:lvl4pPr marL="1371600" indent="0">
+              <a:buNone/>
+              <a:defRPr sz="1400">
+                <a:solidFill>
+                  <a:schemeClr val="tx1">
+                    <a:tint val="75000"/>
+                  </a:schemeClr>
+                </a:solidFill>
+              </a:defRPr>
+            </a:lvl4pPr>
+            <a:lvl5pPr marL="1828800" indent="0">
+              <a:buNone/>
+              <a:defRPr sz="1400">
+                <a:solidFill>
+                  <a:schemeClr val="tx1">
+                    <a:tint val="75000"/>
+                  </a:schemeClr>
+                </a:solidFill>
+              </a:defRPr>
+            </a:lvl5pPr>
+            <a:lvl6pPr marL="2286000" indent="0">
+              <a:buNone/>
+              <a:defRPr sz="1400">
+                <a:solidFill>
+                  <a:schemeClr val="tx1">
+                    <a:tint val="75000"/>
+                  </a:schemeClr>
+                </a:solidFill>
+              </a:defRPr>
+            </a:lvl6pPr>
+            <a:lvl7pPr marL="2743200" indent="0">
+              <a:buNone/>
+              <a:defRPr sz="1400">
+                <a:solidFill>
+                  <a:schemeClr val="tx1">
+                    <a:tint val="75000"/>
+                  </a:schemeClr>
+                </a:solidFill>
+              </a:defRPr>
+            </a:lvl7pPr>
+            <a:lvl8pPr marL="3200400" indent="0">
+              <a:buNone/>
+              <a:defRPr sz="1400">
+                <a:solidFill>
+                  <a:schemeClr val="tx1">
+                    <a:tint val="75000"/>
+                  </a:schemeClr>
+                </a:solidFill>
+              </a:defRPr>
+            </a:lvl8pPr>
+            <a:lvl9pPr marL="3657600" indent="0">
+              <a:buNone/>
+              <a:defRPr sz="1400">
+                <a:solidFill>
+                  <a:schemeClr val="tx1">
+                    <a:tint val="75000"/>
+                  </a:schemeClr>
+                </a:solidFill>
+              </a:defRPr>
+            </a:lvl9pPr>
+          </a:lstStyle>
+          <a:p>
+            <a:pPr lvl="0"/>
+            <a:r>
+              <a:rPr lang="it-IT"/>
+              <a:t>Fare clic per modificare gli stili del testo dello schema</a:t>
+            </a:r>
+          </a:p>
+        </p:txBody>
+      </p:sp>
+      <p:sp>
+        <p:nvSpPr>
+          <p:cNvPr id="4" name="Date Placeholder 3"/>
+          <p:cNvSpPr>
+            <a:spLocks noGrp="1"/>
+          </p:cNvSpPr>
+          <p:nvPr>
+            <p:ph type="dt" sz="half" idx="10"/>
+          </p:nvPr>
+        </p:nvSpPr>
+        <p:spPr/>
+        <p:txBody>
+          <a:bodyPr/>
+          <a:lstStyle/>
+          <a:p>
+            <a:fld id="{7E8FA5E9-F974-492B-BC1A-0FF2A36BEC7D}" type="datetimeFigureOut">
+              <a:rPr lang="it-IT" smtClean="0"/>
+              <a:t>29/12/2023</a:t>
+            </a:fld>
+            <a:endParaRPr lang="it-IT"/>
+          </a:p>
+        </p:txBody>
+      </p:sp>
+      <p:sp>
+        <p:nvSpPr>
+          <p:cNvPr id="5" name="Footer Placeholder 4"/>
+          <p:cNvSpPr>
+            <a:spLocks noGrp="1"/>
+          </p:cNvSpPr>
+          <p:nvPr>
+            <p:ph type="ftr" sz="quarter" idx="11"/>
+          </p:nvPr>
+        </p:nvSpPr>
+        <p:spPr/>
+        <p:txBody>
+          <a:bodyPr/>
+          <a:lstStyle/>
+          <a:p>
+            <a:endParaRPr lang="it-IT"/>
+          </a:p>
+        </p:txBody>
+      </p:sp>
+      <p:sp>
+        <p:nvSpPr>
+          <p:cNvPr id="6" name="Slide Number Placeholder 5"/>
+          <p:cNvSpPr>
+            <a:spLocks noGrp="1"/>
+          </p:cNvSpPr>
+          <p:nvPr>
+            <p:ph type="sldNum" sz="quarter" idx="12"/>
+          </p:nvPr>
+        </p:nvSpPr>
+        <p:spPr/>
+        <p:txBody>
+          <a:bodyPr/>
+          <a:lstStyle/>
+          <a:p>
+            <a:fld id="{73A869FD-B92D-4C98-8862-404608FDB7D3}" type="slidenum">
+              <a:rPr lang="it-IT" smtClean="0"/>
+              <a:t>‹N›</a:t>
+            </a:fld>
+            <a:endParaRPr lang="it-IT"/>
+          </a:p>
+        </p:txBody>
+      </p:sp>
+      <p:sp>
+        <p:nvSpPr>
+          <p:cNvPr id="14" name="TextBox 13"/>
+          <p:cNvSpPr txBox="1"/>
+          <p:nvPr/>
+        </p:nvSpPr>
+        <p:spPr>
+          <a:xfrm>
+            <a:off x="228600" y="710624"/>
+            <a:ext cx="457319" cy="584776"/>
+          </a:xfrm>
+          <a:prstGeom prst="rect">
+            <a:avLst/>
+          </a:prstGeom>
+        </p:spPr>
+        <p:txBody>
+          <a:bodyPr vert="horz" lIns="91440" tIns="45720" rIns="91440" bIns="45720" rtlCol="0" anchor="ctr">
+            <a:noAutofit/>
+          </a:bodyPr>
+          <a:lstStyle/>
+          <a:p>
+            <a:pPr lvl="0"/>
+            <a:r>
+              <a:rPr lang="en-US" sz="8000" dirty="0">
+                <a:solidFill>
+                  <a:schemeClr val="tx1"/>
+                </a:solidFill>
+                <a:effectLst/>
+              </a:rPr>
+              <a:t>“</a:t>
+            </a:r>
+          </a:p>
+        </p:txBody>
+      </p:sp>
+      <p:sp>
+        <p:nvSpPr>
+          <p:cNvPr id="15" name="TextBox 14"/>
+          <p:cNvSpPr txBox="1"/>
+          <p:nvPr/>
+        </p:nvSpPr>
+        <p:spPr>
+          <a:xfrm>
+            <a:off x="7696200" y="2768601"/>
+            <a:ext cx="457319" cy="584776"/>
+          </a:xfrm>
+          <a:prstGeom prst="rect">
+            <a:avLst/>
+          </a:prstGeom>
+        </p:spPr>
+        <p:txBody>
+          <a:bodyPr vert="horz" lIns="91440" tIns="45720" rIns="91440" bIns="45720" rtlCol="0" anchor="ctr">
+            <a:noAutofit/>
+          </a:bodyPr>
+          <a:lstStyle/>
+          <a:p>
+            <a:pPr lvl="0" algn="r"/>
+            <a:r>
+              <a:rPr lang="en-US" sz="8000" dirty="0">
+                <a:solidFill>
+                  <a:schemeClr val="tx1"/>
+                </a:solidFill>
+                <a:effectLst/>
+              </a:rPr>
+              <a:t>”</a:t>
+            </a:r>
+          </a:p>
+        </p:txBody>
+      </p:sp>
+    </p:spTree>
+    <p:extLst>
+      <p:ext uri="{BB962C8B-B14F-4D97-AF65-F5344CB8AC3E}">
+        <p14:creationId xmlns:p14="http://schemas.microsoft.com/office/powerpoint/2010/main" val="2719921583"/>
+      </p:ext>
+    </p:extLst>
+  </p:cSld>
+  <p:clrMapOvr>
+    <a:masterClrMapping/>
+  </p:clrMapOvr>
+</p:sldLayout>
+</file>
+
+<file path=ppt/slideLayouts/slideLayout13.xml><?xml version="1.0" encoding="utf-8"?>
+<p:sldLayout xmlns:a="http://schemas.openxmlformats.org/drawingml/2006/main" xmlns:r="http://schemas.openxmlformats.org/officeDocument/2006/relationships" xmlns:p="http://schemas.openxmlformats.org/presentationml/2006/main" preserve="1">
+  <p:cSld name="Scheda nome">
+    <p:spTree>
+      <p:nvGrpSpPr>
+        <p:cNvPr id="1" name=""/>
+        <p:cNvGrpSpPr/>
+        <p:nvPr/>
+      </p:nvGrpSpPr>
+      <p:grpSpPr>
+        <a:xfrm>
+          <a:off x="0" y="0"/>
+          <a:ext cx="0" cy="0"/>
+          <a:chOff x="0" y="0"/>
+          <a:chExt cx="0" cy="0"/>
+        </a:xfrm>
+      </p:grpSpPr>
+      <p:sp>
+        <p:nvSpPr>
+          <p:cNvPr id="2" name="Title 1"/>
+          <p:cNvSpPr>
+            <a:spLocks noGrp="1"/>
+          </p:cNvSpPr>
+          <p:nvPr>
+            <p:ph type="title"/>
+          </p:nvPr>
+        </p:nvSpPr>
+        <p:spPr>
+          <a:xfrm>
+            <a:off x="533400" y="3429000"/>
+            <a:ext cx="6382361" cy="1697400"/>
+          </a:xfrm>
+        </p:spPr>
+        <p:txBody>
+          <a:bodyPr anchor="b">
+            <a:normAutofit/>
+          </a:bodyPr>
+          <a:lstStyle>
+            <a:lvl1pPr algn="l">
+              <a:defRPr sz="2800" b="0" cap="all"/>
+            </a:lvl1pPr>
+          </a:lstStyle>
+          <a:p>
+            <a:r>
+              <a:rPr lang="it-IT"/>
+              <a:t>Fare clic per modificare lo stile del titolo dello schema</a:t>
+            </a:r>
+            <a:endParaRPr lang="en-US" dirty="0"/>
+          </a:p>
+        </p:txBody>
+      </p:sp>
+      <p:sp>
+        <p:nvSpPr>
+          <p:cNvPr id="3" name="Text Placeholder 2"/>
+          <p:cNvSpPr>
+            <a:spLocks noGrp="1"/>
+          </p:cNvSpPr>
+          <p:nvPr>
+            <p:ph type="body" idx="1"/>
+          </p:nvPr>
+        </p:nvSpPr>
+        <p:spPr>
+          <a:xfrm>
+            <a:off x="533400" y="5132980"/>
+            <a:ext cx="6383552" cy="886819"/>
+          </a:xfrm>
+        </p:spPr>
+        <p:txBody>
+          <a:bodyPr anchor="t">
+            <a:normAutofit/>
+          </a:bodyPr>
+          <a:lstStyle>
+            <a:lvl1pPr marL="0" indent="0" algn="l">
+              <a:buNone/>
+              <a:defRPr sz="1800">
+                <a:solidFill>
+                  <a:schemeClr val="bg2">
+                    <a:lumMod val="75000"/>
+                  </a:schemeClr>
+                </a:solidFill>
+              </a:defRPr>
+            </a:lvl1pPr>
+            <a:lvl2pPr marL="457200" indent="0">
+              <a:buNone/>
+              <a:defRPr sz="1800">
+                <a:solidFill>
+                  <a:schemeClr val="tx1">
+                    <a:tint val="75000"/>
+                  </a:schemeClr>
+                </a:solidFill>
+              </a:defRPr>
+            </a:lvl2pPr>
+            <a:lvl3pPr marL="914400" indent="0">
+              <a:buNone/>
+              <a:defRPr sz="1600">
+                <a:solidFill>
+                  <a:schemeClr val="tx1">
+                    <a:tint val="75000"/>
+                  </a:schemeClr>
+                </a:solidFill>
+              </a:defRPr>
+            </a:lvl3pPr>
+            <a:lvl4pPr marL="1371600" indent="0">
+              <a:buNone/>
+              <a:defRPr sz="1400">
+                <a:solidFill>
+                  <a:schemeClr val="tx1">
+                    <a:tint val="75000"/>
+                  </a:schemeClr>
+                </a:solidFill>
+              </a:defRPr>
+            </a:lvl4pPr>
+            <a:lvl5pPr marL="1828800" indent="0">
+              <a:buNone/>
+              <a:defRPr sz="1400">
+                <a:solidFill>
+                  <a:schemeClr val="tx1">
+                    <a:tint val="75000"/>
+                  </a:schemeClr>
+                </a:solidFill>
+              </a:defRPr>
+            </a:lvl5pPr>
+            <a:lvl6pPr marL="2286000" indent="0">
+              <a:buNone/>
+              <a:defRPr sz="1400">
+                <a:solidFill>
+                  <a:schemeClr val="tx1">
+                    <a:tint val="75000"/>
+                  </a:schemeClr>
+                </a:solidFill>
+              </a:defRPr>
+            </a:lvl6pPr>
+            <a:lvl7pPr marL="2743200" indent="0">
+              <a:buNone/>
+              <a:defRPr sz="1400">
+                <a:solidFill>
+                  <a:schemeClr val="tx1">
+                    <a:tint val="75000"/>
+                  </a:schemeClr>
+                </a:solidFill>
+              </a:defRPr>
+            </a:lvl7pPr>
+            <a:lvl8pPr marL="3200400" indent="0">
+              <a:buNone/>
+              <a:defRPr sz="1400">
+                <a:solidFill>
+                  <a:schemeClr val="tx1">
+                    <a:tint val="75000"/>
+                  </a:schemeClr>
+                </a:solidFill>
+              </a:defRPr>
+            </a:lvl8pPr>
+            <a:lvl9pPr marL="3657600" indent="0">
+              <a:buNone/>
+              <a:defRPr sz="1400">
+                <a:solidFill>
+                  <a:schemeClr val="tx1">
+                    <a:tint val="75000"/>
+                  </a:schemeClr>
+                </a:solidFill>
+              </a:defRPr>
+            </a:lvl9pPr>
+          </a:lstStyle>
+          <a:p>
+            <a:pPr lvl="0"/>
+            <a:r>
+              <a:rPr lang="it-IT"/>
+              <a:t>Fare clic per modificare gli stili del testo dello schema</a:t>
+            </a:r>
+          </a:p>
+        </p:txBody>
+      </p:sp>
+      <p:sp>
+        <p:nvSpPr>
+          <p:cNvPr id="4" name="Date Placeholder 3"/>
+          <p:cNvSpPr>
+            <a:spLocks noGrp="1"/>
+          </p:cNvSpPr>
+          <p:nvPr>
+            <p:ph type="dt" sz="half" idx="10"/>
+          </p:nvPr>
+        </p:nvSpPr>
+        <p:spPr/>
+        <p:txBody>
+          <a:bodyPr/>
+          <a:lstStyle/>
+          <a:p>
+            <a:fld id="{7E8FA5E9-F974-492B-BC1A-0FF2A36BEC7D}" type="datetimeFigureOut">
+              <a:rPr lang="it-IT" smtClean="0"/>
+              <a:t>29/12/2023</a:t>
+            </a:fld>
+            <a:endParaRPr lang="it-IT"/>
+          </a:p>
+        </p:txBody>
+      </p:sp>
+      <p:sp>
+        <p:nvSpPr>
+          <p:cNvPr id="5" name="Footer Placeholder 4"/>
+          <p:cNvSpPr>
+            <a:spLocks noGrp="1"/>
+          </p:cNvSpPr>
+          <p:nvPr>
+            <p:ph type="ftr" sz="quarter" idx="11"/>
+          </p:nvPr>
+        </p:nvSpPr>
+        <p:spPr/>
+        <p:txBody>
+          <a:bodyPr/>
+          <a:lstStyle/>
+          <a:p>
+            <a:endParaRPr lang="it-IT"/>
+          </a:p>
+        </p:txBody>
+      </p:sp>
+      <p:sp>
+        <p:nvSpPr>
+          <p:cNvPr id="6" name="Slide Number Placeholder 5"/>
+          <p:cNvSpPr>
+            <a:spLocks noGrp="1"/>
+          </p:cNvSpPr>
+          <p:nvPr>
+            <p:ph type="sldNum" sz="quarter" idx="12"/>
+          </p:nvPr>
+        </p:nvSpPr>
+        <p:spPr/>
+        <p:txBody>
+          <a:bodyPr/>
+          <a:lstStyle/>
+          <a:p>
+            <a:fld id="{73A869FD-B92D-4C98-8862-404608FDB7D3}" type="slidenum">
+              <a:rPr lang="it-IT" smtClean="0"/>
+              <a:t>‹N›</a:t>
+            </a:fld>
+            <a:endParaRPr lang="it-IT"/>
+          </a:p>
+        </p:txBody>
+      </p:sp>
+    </p:spTree>
+    <p:extLst>
+      <p:ext uri="{BB962C8B-B14F-4D97-AF65-F5344CB8AC3E}">
+        <p14:creationId xmlns:p14="http://schemas.microsoft.com/office/powerpoint/2010/main" val="474519452"/>
+      </p:ext>
+    </p:extLst>
+  </p:cSld>
+  <p:clrMapOvr>
+    <a:masterClrMapping/>
+  </p:clrMapOvr>
+</p:sldLayout>
+</file>
+
+<file path=ppt/slideLayouts/slideLayout14.xml><?xml version="1.0" encoding="utf-8"?>
+<p:sldLayout xmlns:a="http://schemas.openxmlformats.org/drawingml/2006/main" xmlns:r="http://schemas.openxmlformats.org/officeDocument/2006/relationships" xmlns:p="http://schemas.openxmlformats.org/presentationml/2006/main" preserve="1">
+  <p:cSld name="Scheda nome citazione">
+    <p:spTree>
+      <p:nvGrpSpPr>
+        <p:cNvPr id="1" name=""/>
+        <p:cNvGrpSpPr/>
+        <p:nvPr/>
+      </p:nvGrpSpPr>
+      <p:grpSpPr>
+        <a:xfrm>
+          <a:off x="0" y="0"/>
+          <a:ext cx="0" cy="0"/>
+          <a:chOff x="0" y="0"/>
+          <a:chExt cx="0" cy="0"/>
+        </a:xfrm>
+      </p:grpSpPr>
+      <p:sp>
+        <p:nvSpPr>
+          <p:cNvPr id="2" name="Title 1"/>
+          <p:cNvSpPr>
+            <a:spLocks noGrp="1"/>
+          </p:cNvSpPr>
+          <p:nvPr>
+            <p:ph type="title"/>
+          </p:nvPr>
+        </p:nvSpPr>
+        <p:spPr>
+          <a:xfrm>
+            <a:off x="856284" y="533400"/>
+            <a:ext cx="6859786" cy="2895600"/>
+          </a:xfrm>
+        </p:spPr>
+        <p:txBody>
+          <a:bodyPr anchor="ctr">
+            <a:normAutofit/>
+          </a:bodyPr>
+          <a:lstStyle>
+            <a:lvl1pPr algn="l">
+              <a:defRPr sz="2800" b="0" cap="all">
+                <a:solidFill>
+                  <a:schemeClr val="tx1"/>
+                </a:solidFill>
+              </a:defRPr>
+            </a:lvl1pPr>
+          </a:lstStyle>
+          <a:p>
+            <a:r>
+              <a:rPr lang="it-IT"/>
+              <a:t>Fare clic per modificare lo stile del titolo dello schema</a:t>
+            </a:r>
+            <a:endParaRPr lang="en-US" dirty="0"/>
+          </a:p>
+        </p:txBody>
+      </p:sp>
+      <p:sp>
+        <p:nvSpPr>
+          <p:cNvPr id="10" name="Text Placeholder 9"/>
+          <p:cNvSpPr>
+            <a:spLocks noGrp="1"/>
+          </p:cNvSpPr>
+          <p:nvPr>
+            <p:ph type="body" sz="quarter" idx="13"/>
+          </p:nvPr>
+        </p:nvSpPr>
+        <p:spPr>
+          <a:xfrm>
+            <a:off x="533400" y="3886200"/>
+            <a:ext cx="6382361" cy="1049866"/>
+          </a:xfrm>
+        </p:spPr>
+        <p:txBody>
+          <a:bodyPr vert="horz" lIns="91440" tIns="45720" rIns="91440" bIns="45720" rtlCol="0" anchor="b">
+            <a:normAutofit/>
+          </a:bodyPr>
+          <a:lstStyle>
+            <a:lvl1pPr>
+              <a:buNone/>
+              <a:defRPr lang="en-US" sz="2000" b="0" cap="all" dirty="0">
+                <a:ln w="3175" cmpd="sng">
+                  <a:noFill/>
+                </a:ln>
+                <a:solidFill>
+                  <a:schemeClr val="tx1"/>
+                </a:solidFill>
+                <a:effectLst/>
+              </a:defRPr>
+            </a:lvl1pPr>
+          </a:lstStyle>
+          <a:p>
+            <a:pPr marL="0" lvl="0">
+              <a:spcBef>
+                <a:spcPct val="0"/>
+              </a:spcBef>
+              <a:buNone/>
+            </a:pPr>
+            <a:r>
+              <a:rPr lang="it-IT"/>
+              <a:t>Fare clic per modificare gli stili del testo dello schema</a:t>
+            </a:r>
+          </a:p>
+        </p:txBody>
+      </p:sp>
+      <p:sp>
+        <p:nvSpPr>
+          <p:cNvPr id="3" name="Text Placeholder 2"/>
+          <p:cNvSpPr>
+            <a:spLocks noGrp="1"/>
+          </p:cNvSpPr>
+          <p:nvPr>
+            <p:ph type="body" idx="1"/>
+          </p:nvPr>
+        </p:nvSpPr>
+        <p:spPr>
+          <a:xfrm>
+            <a:off x="533400" y="4953000"/>
+            <a:ext cx="6382360" cy="1066800"/>
+          </a:xfrm>
+        </p:spPr>
+        <p:txBody>
+          <a:bodyPr anchor="t">
+            <a:normAutofit/>
+          </a:bodyPr>
+          <a:lstStyle>
+            <a:lvl1pPr marL="0" indent="0" algn="l">
+              <a:buNone/>
+              <a:defRPr sz="1800">
+                <a:solidFill>
+                  <a:schemeClr val="bg2">
+                    <a:lumMod val="75000"/>
+                  </a:schemeClr>
+                </a:solidFill>
+              </a:defRPr>
+            </a:lvl1pPr>
+            <a:lvl2pPr marL="457200" indent="0">
+              <a:buNone/>
+              <a:defRPr sz="1800">
+                <a:solidFill>
+                  <a:schemeClr val="tx1">
+                    <a:tint val="75000"/>
+                  </a:schemeClr>
+                </a:solidFill>
+              </a:defRPr>
+            </a:lvl2pPr>
+            <a:lvl3pPr marL="914400" indent="0">
+              <a:buNone/>
+              <a:defRPr sz="1600">
+                <a:solidFill>
+                  <a:schemeClr val="tx1">
+                    <a:tint val="75000"/>
+                  </a:schemeClr>
+                </a:solidFill>
+              </a:defRPr>
+            </a:lvl3pPr>
+            <a:lvl4pPr marL="1371600" indent="0">
+              <a:buNone/>
+              <a:defRPr sz="1400">
+                <a:solidFill>
+                  <a:schemeClr val="tx1">
+                    <a:tint val="75000"/>
+                  </a:schemeClr>
+                </a:solidFill>
+              </a:defRPr>
+            </a:lvl4pPr>
+            <a:lvl5pPr marL="1828800" indent="0">
+              <a:buNone/>
+              <a:defRPr sz="1400">
+                <a:solidFill>
+                  <a:schemeClr val="tx1">
+                    <a:tint val="75000"/>
+                  </a:schemeClr>
+                </a:solidFill>
+              </a:defRPr>
+            </a:lvl5pPr>
+            <a:lvl6pPr marL="2286000" indent="0">
+              <a:buNone/>
+              <a:defRPr sz="1400">
+                <a:solidFill>
+                  <a:schemeClr val="tx1">
+                    <a:tint val="75000"/>
+                  </a:schemeClr>
+                </a:solidFill>
+              </a:defRPr>
+            </a:lvl6pPr>
+            <a:lvl7pPr marL="2743200" indent="0">
+              <a:buNone/>
+              <a:defRPr sz="1400">
+                <a:solidFill>
+                  <a:schemeClr val="tx1">
+                    <a:tint val="75000"/>
+                  </a:schemeClr>
+                </a:solidFill>
+              </a:defRPr>
+            </a:lvl7pPr>
+            <a:lvl8pPr marL="3200400" indent="0">
+              <a:buNone/>
+              <a:defRPr sz="1400">
+                <a:solidFill>
+                  <a:schemeClr val="tx1">
+                    <a:tint val="75000"/>
+                  </a:schemeClr>
+                </a:solidFill>
+              </a:defRPr>
+            </a:lvl8pPr>
+            <a:lvl9pPr marL="3657600" indent="0">
+              <a:buNone/>
+              <a:defRPr sz="1400">
+                <a:solidFill>
+                  <a:schemeClr val="tx1">
+                    <a:tint val="75000"/>
+                  </a:schemeClr>
+                </a:solidFill>
+              </a:defRPr>
+            </a:lvl9pPr>
+          </a:lstStyle>
+          <a:p>
+            <a:pPr lvl="0"/>
+            <a:r>
+              <a:rPr lang="it-IT"/>
+              <a:t>Fare clic per modificare gli stili del testo dello schema</a:t>
+            </a:r>
+          </a:p>
+        </p:txBody>
+      </p:sp>
+      <p:sp>
+        <p:nvSpPr>
+          <p:cNvPr id="4" name="Date Placeholder 3"/>
+          <p:cNvSpPr>
+            <a:spLocks noGrp="1"/>
+          </p:cNvSpPr>
+          <p:nvPr>
+            <p:ph type="dt" sz="half" idx="10"/>
+          </p:nvPr>
+        </p:nvSpPr>
+        <p:spPr/>
+        <p:txBody>
+          <a:bodyPr/>
+          <a:lstStyle/>
+          <a:p>
+            <a:fld id="{7E8FA5E9-F974-492B-BC1A-0FF2A36BEC7D}" type="datetimeFigureOut">
+              <a:rPr lang="it-IT" smtClean="0"/>
+              <a:t>29/12/2023</a:t>
+            </a:fld>
+            <a:endParaRPr lang="it-IT"/>
+          </a:p>
+        </p:txBody>
+      </p:sp>
+      <p:sp>
+        <p:nvSpPr>
+          <p:cNvPr id="5" name="Footer Placeholder 4"/>
+          <p:cNvSpPr>
+            <a:spLocks noGrp="1"/>
+          </p:cNvSpPr>
+          <p:nvPr>
+            <p:ph type="ftr" sz="quarter" idx="11"/>
+          </p:nvPr>
+        </p:nvSpPr>
+        <p:spPr/>
+        <p:txBody>
+          <a:bodyPr/>
+          <a:lstStyle/>
+          <a:p>
+            <a:endParaRPr lang="it-IT"/>
+          </a:p>
+        </p:txBody>
+      </p:sp>
+      <p:sp>
+        <p:nvSpPr>
+          <p:cNvPr id="6" name="Slide Number Placeholder 5"/>
+          <p:cNvSpPr>
+            <a:spLocks noGrp="1"/>
+          </p:cNvSpPr>
+          <p:nvPr>
+            <p:ph type="sldNum" sz="quarter" idx="12"/>
+          </p:nvPr>
+        </p:nvSpPr>
+        <p:spPr/>
+        <p:txBody>
+          <a:bodyPr/>
+          <a:lstStyle/>
+          <a:p>
+            <a:fld id="{73A869FD-B92D-4C98-8862-404608FDB7D3}" type="slidenum">
+              <a:rPr lang="it-IT" smtClean="0"/>
+              <a:t>‹N›</a:t>
+            </a:fld>
+            <a:endParaRPr lang="it-IT"/>
+          </a:p>
+        </p:txBody>
+      </p:sp>
+      <p:sp>
+        <p:nvSpPr>
+          <p:cNvPr id="14" name="TextBox 13"/>
+          <p:cNvSpPr txBox="1"/>
+          <p:nvPr/>
+        </p:nvSpPr>
+        <p:spPr>
+          <a:xfrm>
+            <a:off x="228600" y="710624"/>
+            <a:ext cx="457319" cy="584776"/>
+          </a:xfrm>
+          <a:prstGeom prst="rect">
+            <a:avLst/>
+          </a:prstGeom>
+        </p:spPr>
+        <p:txBody>
+          <a:bodyPr vert="horz" lIns="91440" tIns="45720" rIns="91440" bIns="45720" rtlCol="0" anchor="ctr">
+            <a:noAutofit/>
+          </a:bodyPr>
+          <a:lstStyle/>
+          <a:p>
+            <a:pPr lvl="0"/>
+            <a:r>
+              <a:rPr lang="en-US" sz="8000" dirty="0">
+                <a:solidFill>
+                  <a:schemeClr val="tx1"/>
+                </a:solidFill>
+                <a:effectLst/>
+              </a:rPr>
+              <a:t>“</a:t>
+            </a:r>
+          </a:p>
+        </p:txBody>
+      </p:sp>
+      <p:sp>
+        <p:nvSpPr>
+          <p:cNvPr id="15" name="TextBox 14"/>
+          <p:cNvSpPr txBox="1"/>
+          <p:nvPr/>
+        </p:nvSpPr>
+        <p:spPr>
+          <a:xfrm>
+            <a:off x="7696200" y="2768601"/>
+            <a:ext cx="457319" cy="584776"/>
+          </a:xfrm>
+          <a:prstGeom prst="rect">
+            <a:avLst/>
+          </a:prstGeom>
+        </p:spPr>
+        <p:txBody>
+          <a:bodyPr vert="horz" lIns="91440" tIns="45720" rIns="91440" bIns="45720" rtlCol="0" anchor="ctr">
+            <a:noAutofit/>
+          </a:bodyPr>
+          <a:lstStyle/>
+          <a:p>
+            <a:pPr lvl="0" algn="r"/>
+            <a:r>
+              <a:rPr lang="en-US" sz="8000" dirty="0">
+                <a:solidFill>
+                  <a:schemeClr val="tx1"/>
+                </a:solidFill>
+                <a:effectLst/>
+              </a:rPr>
+              <a:t>”</a:t>
+            </a:r>
+          </a:p>
+        </p:txBody>
+      </p:sp>
+    </p:spTree>
+    <p:extLst>
+      <p:ext uri="{BB962C8B-B14F-4D97-AF65-F5344CB8AC3E}">
+        <p14:creationId xmlns:p14="http://schemas.microsoft.com/office/powerpoint/2010/main" val="2524119835"/>
+      </p:ext>
+    </p:extLst>
+  </p:cSld>
+  <p:clrMapOvr>
+    <a:masterClrMapping/>
+  </p:clrMapOvr>
+</p:sldLayout>
+</file>
+
+<file path=ppt/slideLayouts/slideLayout15.xml><?xml version="1.0" encoding="utf-8"?>
+<p:sldLayout xmlns:a="http://schemas.openxmlformats.org/drawingml/2006/main" xmlns:r="http://schemas.openxmlformats.org/officeDocument/2006/relationships" xmlns:p="http://schemas.openxmlformats.org/presentationml/2006/main" preserve="1">
+  <p:cSld name="Vero o falso">
+    <p:spTree>
+      <p:nvGrpSpPr>
+        <p:cNvPr id="1" name=""/>
+        <p:cNvGrpSpPr/>
+        <p:nvPr/>
+      </p:nvGrpSpPr>
+      <p:grpSpPr>
+        <a:xfrm>
+          <a:off x="0" y="0"/>
+          <a:ext cx="0" cy="0"/>
+          <a:chOff x="0" y="0"/>
+          <a:chExt cx="0" cy="0"/>
+        </a:xfrm>
+      </p:grpSpPr>
+      <p:sp>
+        <p:nvSpPr>
+          <p:cNvPr id="2" name="Title 1"/>
+          <p:cNvSpPr>
+            <a:spLocks noGrp="1"/>
+          </p:cNvSpPr>
+          <p:nvPr>
+            <p:ph type="title"/>
+          </p:nvPr>
+        </p:nvSpPr>
+        <p:spPr>
+          <a:xfrm>
+            <a:off x="533400" y="533400"/>
+            <a:ext cx="7525658" cy="2895600"/>
+          </a:xfrm>
+        </p:spPr>
+        <p:txBody>
+          <a:bodyPr vert="horz" lIns="91440" tIns="45720" rIns="91440" bIns="45720" rtlCol="0" anchor="ctr">
+            <a:normAutofit/>
+          </a:bodyPr>
+          <a:lstStyle>
+            <a:lvl1pPr>
+              <a:defRPr lang="en-US" sz="2800" b="0" dirty="0"/>
+            </a:lvl1pPr>
+          </a:lstStyle>
+          <a:p>
+            <a:pPr marL="0" lvl="0"/>
+            <a:r>
+              <a:rPr lang="it-IT"/>
+              <a:t>Fare clic per modificare lo stile del titolo dello schema</a:t>
+            </a:r>
+            <a:endParaRPr lang="en-US" dirty="0"/>
+          </a:p>
+        </p:txBody>
+      </p:sp>
+      <p:sp>
+        <p:nvSpPr>
+          <p:cNvPr id="10" name="Text Placeholder 9"/>
+          <p:cNvSpPr>
+            <a:spLocks noGrp="1"/>
+          </p:cNvSpPr>
+          <p:nvPr>
+            <p:ph type="body" sz="quarter" idx="13"/>
+          </p:nvPr>
+        </p:nvSpPr>
+        <p:spPr>
+          <a:xfrm>
+            <a:off x="533400" y="3928534"/>
+            <a:ext cx="6382361" cy="838200"/>
+          </a:xfrm>
+        </p:spPr>
+        <p:txBody>
+          <a:bodyPr vert="horz" lIns="91440" tIns="45720" rIns="91440" bIns="45720" rtlCol="0" anchor="b">
+            <a:normAutofit/>
+          </a:bodyPr>
+          <a:lstStyle>
+            <a:lvl1pPr>
+              <a:buNone/>
+              <a:defRPr lang="en-US" sz="2000" b="0" cap="all" dirty="0">
+                <a:ln w="3175" cmpd="sng">
+                  <a:noFill/>
+                </a:ln>
+                <a:solidFill>
+                  <a:schemeClr val="tx1"/>
+                </a:solidFill>
+                <a:effectLst/>
+              </a:defRPr>
+            </a:lvl1pPr>
+          </a:lstStyle>
+          <a:p>
+            <a:pPr marL="0" lvl="0">
+              <a:spcBef>
+                <a:spcPct val="0"/>
+              </a:spcBef>
+              <a:buNone/>
+            </a:pPr>
+            <a:r>
+              <a:rPr lang="it-IT"/>
+              <a:t>Fare clic per modificare gli stili del testo dello schema</a:t>
+            </a:r>
+          </a:p>
+        </p:txBody>
+      </p:sp>
+      <p:sp>
+        <p:nvSpPr>
+          <p:cNvPr id="3" name="Text Placeholder 2"/>
+          <p:cNvSpPr>
+            <a:spLocks noGrp="1"/>
+          </p:cNvSpPr>
+          <p:nvPr>
+            <p:ph type="body" idx="1"/>
+          </p:nvPr>
+        </p:nvSpPr>
+        <p:spPr>
+          <a:xfrm>
+            <a:off x="533400" y="4766735"/>
+            <a:ext cx="6382360" cy="1253065"/>
+          </a:xfrm>
+        </p:spPr>
+        <p:txBody>
+          <a:bodyPr anchor="t">
+            <a:normAutofit/>
+          </a:bodyPr>
+          <a:lstStyle>
+            <a:lvl1pPr marL="0" indent="0" algn="l">
+              <a:buNone/>
+              <a:defRPr sz="1800">
+                <a:solidFill>
+                  <a:schemeClr val="bg2">
+                    <a:lumMod val="75000"/>
+                  </a:schemeClr>
+                </a:solidFill>
+              </a:defRPr>
+            </a:lvl1pPr>
+            <a:lvl2pPr marL="457200" indent="0">
+              <a:buNone/>
+              <a:defRPr sz="1800">
+                <a:solidFill>
+                  <a:schemeClr val="tx1">
+                    <a:tint val="75000"/>
+                  </a:schemeClr>
+                </a:solidFill>
+              </a:defRPr>
+            </a:lvl2pPr>
+            <a:lvl3pPr marL="914400" indent="0">
+              <a:buNone/>
+              <a:defRPr sz="1600">
+                <a:solidFill>
+                  <a:schemeClr val="tx1">
+                    <a:tint val="75000"/>
+                  </a:schemeClr>
+                </a:solidFill>
+              </a:defRPr>
+            </a:lvl3pPr>
+            <a:lvl4pPr marL="1371600" indent="0">
+              <a:buNone/>
+              <a:defRPr sz="1400">
+                <a:solidFill>
+                  <a:schemeClr val="tx1">
+                    <a:tint val="75000"/>
+                  </a:schemeClr>
+                </a:solidFill>
+              </a:defRPr>
+            </a:lvl4pPr>
+            <a:lvl5pPr marL="1828800" indent="0">
+              <a:buNone/>
+              <a:defRPr sz="1400">
+                <a:solidFill>
+                  <a:schemeClr val="tx1">
+                    <a:tint val="75000"/>
+                  </a:schemeClr>
+                </a:solidFill>
+              </a:defRPr>
+            </a:lvl5pPr>
+            <a:lvl6pPr marL="2286000" indent="0">
+              <a:buNone/>
+              <a:defRPr sz="1400">
+                <a:solidFill>
+                  <a:schemeClr val="tx1">
+                    <a:tint val="75000"/>
+                  </a:schemeClr>
+                </a:solidFill>
+              </a:defRPr>
+            </a:lvl6pPr>
+            <a:lvl7pPr marL="2743200" indent="0">
+              <a:buNone/>
+              <a:defRPr sz="1400">
+                <a:solidFill>
+                  <a:schemeClr val="tx1">
+                    <a:tint val="75000"/>
+                  </a:schemeClr>
+                </a:solidFill>
+              </a:defRPr>
+            </a:lvl7pPr>
+            <a:lvl8pPr marL="3200400" indent="0">
+              <a:buNone/>
+              <a:defRPr sz="1400">
+                <a:solidFill>
+                  <a:schemeClr val="tx1">
+                    <a:tint val="75000"/>
+                  </a:schemeClr>
+                </a:solidFill>
+              </a:defRPr>
+            </a:lvl8pPr>
+            <a:lvl9pPr marL="3657600" indent="0">
+              <a:buNone/>
+              <a:defRPr sz="1400">
+                <a:solidFill>
+                  <a:schemeClr val="tx1">
+                    <a:tint val="75000"/>
+                  </a:schemeClr>
+                </a:solidFill>
+              </a:defRPr>
+            </a:lvl9pPr>
+          </a:lstStyle>
+          <a:p>
+            <a:pPr lvl="0"/>
+            <a:r>
+              <a:rPr lang="it-IT"/>
+              <a:t>Fare clic per modificare gli stili del testo dello schema</a:t>
+            </a:r>
+          </a:p>
+        </p:txBody>
+      </p:sp>
+      <p:sp>
+        <p:nvSpPr>
+          <p:cNvPr id="4" name="Date Placeholder 3"/>
+          <p:cNvSpPr>
+            <a:spLocks noGrp="1"/>
+          </p:cNvSpPr>
+          <p:nvPr>
+            <p:ph type="dt" sz="half" idx="10"/>
+          </p:nvPr>
+        </p:nvSpPr>
+        <p:spPr/>
+        <p:txBody>
+          <a:bodyPr/>
+          <a:lstStyle/>
+          <a:p>
+            <a:fld id="{7E8FA5E9-F974-492B-BC1A-0FF2A36BEC7D}" type="datetimeFigureOut">
+              <a:rPr lang="it-IT" smtClean="0"/>
+              <a:t>29/12/2023</a:t>
+            </a:fld>
+            <a:endParaRPr lang="it-IT"/>
+          </a:p>
+        </p:txBody>
+      </p:sp>
+      <p:sp>
+        <p:nvSpPr>
+          <p:cNvPr id="5" name="Footer Placeholder 4"/>
+          <p:cNvSpPr>
+            <a:spLocks noGrp="1"/>
+          </p:cNvSpPr>
+          <p:nvPr>
+            <p:ph type="ftr" sz="quarter" idx="11"/>
+          </p:nvPr>
+        </p:nvSpPr>
+        <p:spPr/>
+        <p:txBody>
+          <a:bodyPr/>
+          <a:lstStyle/>
+          <a:p>
+            <a:endParaRPr lang="it-IT"/>
+          </a:p>
+        </p:txBody>
+      </p:sp>
+      <p:sp>
+        <p:nvSpPr>
+          <p:cNvPr id="6" name="Slide Number Placeholder 5"/>
+          <p:cNvSpPr>
+            <a:spLocks noGrp="1"/>
+          </p:cNvSpPr>
+          <p:nvPr>
+            <p:ph type="sldNum" sz="quarter" idx="12"/>
+          </p:nvPr>
+        </p:nvSpPr>
+        <p:spPr/>
+        <p:txBody>
+          <a:bodyPr/>
+          <a:lstStyle/>
+          <a:p>
+            <a:fld id="{73A869FD-B92D-4C98-8862-404608FDB7D3}" type="slidenum">
+              <a:rPr lang="it-IT" smtClean="0"/>
+              <a:t>‹N›</a:t>
+            </a:fld>
+            <a:endParaRPr lang="it-IT"/>
+          </a:p>
+        </p:txBody>
+      </p:sp>
+    </p:spTree>
+    <p:extLst>
+      <p:ext uri="{BB962C8B-B14F-4D97-AF65-F5344CB8AC3E}">
+        <p14:creationId xmlns:p14="http://schemas.microsoft.com/office/powerpoint/2010/main" val="3854155583"/>
+      </p:ext>
+    </p:extLst>
+  </p:cSld>
+  <p:clrMapOvr>
+    <a:masterClrMapping/>
+  </p:clrMapOvr>
+</p:sldLayout>
+</file>
+
+<file path=ppt/slideLayouts/slideLayout16.xml><?xml version="1.0" encoding="utf-8"?>
 <p:sldLayout xmlns:a="http://schemas.openxmlformats.org/drawingml/2006/main" xmlns:r="http://schemas.openxmlformats.org/officeDocument/2006/relationships" xmlns:p="http://schemas.openxmlformats.org/presentationml/2006/main" type="vertTx" preserve="1">
   <p:cSld name="Titolo e testo verticale">
     <p:spTree>
@@ -329,10 +2711,21 @@
             <p:ph type="title"/>
           </p:nvPr>
         </p:nvSpPr>
-        <p:spPr/>
-        <p:txBody>
-          <a:bodyPr/>
-          <a:lstStyle/>
+        <p:spPr>
+          <a:xfrm>
+            <a:off x="533400" y="4495800"/>
+            <a:ext cx="6554867" cy="1524000"/>
+          </a:xfrm>
+        </p:spPr>
+        <p:txBody>
+          <a:bodyPr>
+            <a:normAutofit/>
+          </a:bodyPr>
+          <a:lstStyle>
+            <a:lvl1pPr algn="l">
+              <a:defRPr sz="2800"/>
+            </a:lvl1pPr>
+          </a:lstStyle>
           <a:p>
             <a:r>
               <a:rPr lang="it-IT"/>
@@ -352,9 +2745,14 @@
             <p:ph type="body" orient="vert" idx="1"/>
           </p:nvPr>
         </p:nvSpPr>
-        <p:spPr/>
-        <p:txBody>
-          <a:bodyPr vert="eaVert"/>
+        <p:spPr>
+          <a:xfrm>
+            <a:off x="533400" y="533401"/>
+            <a:ext cx="6554867" cy="3767670"/>
+          </a:xfrm>
+        </p:spPr>
+        <p:txBody>
+          <a:bodyPr vert="eaVert" anchor="t"/>
           <a:lstStyle/>
           <a:p>
             <a:pPr lvl="0"/>
@@ -411,7 +2809,7 @@
           <a:p>
             <a:fld id="{7E8FA5E9-F974-492B-BC1A-0FF2A36BEC7D}" type="datetimeFigureOut">
               <a:rPr lang="it-IT" smtClean="0"/>
-              <a:t>05/12/2023</a:t>
+              <a:t>29/12/2023</a:t>
             </a:fld>
             <a:endParaRPr lang="it-IT"/>
           </a:p>
@@ -462,7 +2860,7 @@
     </p:spTree>
     <p:extLst>
       <p:ext uri="{BB962C8B-B14F-4D97-AF65-F5344CB8AC3E}">
-        <p14:creationId xmlns:p14="http://schemas.microsoft.com/office/powerpoint/2010/main" val="2530595731"/>
+        <p14:creationId xmlns:p14="http://schemas.microsoft.com/office/powerpoint/2010/main" val="3136331150"/>
       </p:ext>
     </p:extLst>
   </p:cSld>
@@ -472,7 +2870,7 @@
 </p:sldLayout>
 </file>
 
-<file path=ppt/slideLayouts/slideLayout11.xml><?xml version="1.0" encoding="utf-8"?>
+<file path=ppt/slideLayouts/slideLayout17.xml><?xml version="1.0" encoding="utf-8"?>
 <p:sldLayout xmlns:a="http://schemas.openxmlformats.org/drawingml/2006/main" xmlns:r="http://schemas.openxmlformats.org/officeDocument/2006/relationships" xmlns:p="http://schemas.openxmlformats.org/presentationml/2006/main" type="vertTitleAndTx" preserve="1">
   <p:cSld name="1_Titolo e testo verticale">
     <p:spTree>
@@ -501,13 +2899,19 @@
         </p:nvSpPr>
         <p:spPr>
           <a:xfrm>
-            <a:off x="6543675" y="365125"/>
-            <a:ext cx="1971675" cy="5811838"/>
+            <a:off x="6566406" y="533400"/>
+            <a:ext cx="2044194" cy="4419600"/>
           </a:xfrm>
         </p:spPr>
         <p:txBody>
-          <a:bodyPr vert="eaVert"/>
-          <a:lstStyle/>
+          <a:bodyPr vert="eaVert">
+            <a:normAutofit/>
+          </a:bodyPr>
+          <a:lstStyle>
+            <a:lvl1pPr>
+              <a:defRPr sz="2800"/>
+            </a:lvl1pPr>
+          </a:lstStyle>
           <a:p>
             <a:r>
               <a:rPr lang="it-IT"/>
@@ -529,12 +2933,12 @@
         </p:nvSpPr>
         <p:spPr>
           <a:xfrm>
-            <a:off x="628650" y="365125"/>
-            <a:ext cx="5800725" cy="5811838"/>
+            <a:off x="533400" y="533400"/>
+            <a:ext cx="5850012" cy="5486400"/>
           </a:xfrm>
         </p:spPr>
         <p:txBody>
-          <a:bodyPr vert="eaVert"/>
+          <a:bodyPr vert="eaVert" anchor="t"/>
           <a:lstStyle/>
           <a:p>
             <a:pPr lvl="0"/>
@@ -591,7 +2995,7 @@
           <a:p>
             <a:fld id="{7E8FA5E9-F974-492B-BC1A-0FF2A36BEC7D}" type="datetimeFigureOut">
               <a:rPr lang="it-IT" smtClean="0"/>
-              <a:t>05/12/2023</a:t>
+              <a:t>29/12/2023</a:t>
             </a:fld>
             <a:endParaRPr lang="it-IT"/>
           </a:p>
@@ -642,7 +3046,7 @@
     </p:spTree>
     <p:extLst>
       <p:ext uri="{BB962C8B-B14F-4D97-AF65-F5344CB8AC3E}">
-        <p14:creationId xmlns:p14="http://schemas.microsoft.com/office/powerpoint/2010/main" val="85147819"/>
+        <p14:creationId xmlns:p14="http://schemas.microsoft.com/office/powerpoint/2010/main" val="1402462623"/>
       </p:ext>
     </p:extLst>
   </p:cSld>
@@ -679,7 +3083,12 @@
             <p:ph type="title"/>
           </p:nvPr>
         </p:nvSpPr>
-        <p:spPr/>
+        <p:spPr>
+          <a:xfrm>
+            <a:off x="533400" y="4495800"/>
+            <a:ext cx="6554867" cy="1524000"/>
+          </a:xfrm>
+        </p:spPr>
         <p:txBody>
           <a:bodyPr/>
           <a:lstStyle/>
@@ -702,9 +3111,14 @@
             <p:ph idx="1"/>
           </p:nvPr>
         </p:nvSpPr>
-        <p:spPr/>
-        <p:txBody>
-          <a:bodyPr/>
+        <p:spPr>
+          <a:xfrm>
+            <a:off x="533400" y="533400"/>
+            <a:ext cx="6554867" cy="3767670"/>
+          </a:xfrm>
+        </p:spPr>
+        <p:txBody>
+          <a:bodyPr anchor="ctr"/>
           <a:lstStyle/>
           <a:p>
             <a:pPr lvl="0"/>
@@ -761,7 +3175,7 @@
           <a:p>
             <a:fld id="{7E8FA5E9-F974-492B-BC1A-0FF2A36BEC7D}" type="datetimeFigureOut">
               <a:rPr lang="it-IT" smtClean="0"/>
-              <a:t>05/12/2023</a:t>
+              <a:t>29/12/2023</a:t>
             </a:fld>
             <a:endParaRPr lang="it-IT"/>
           </a:p>
@@ -812,7 +3226,7 @@
     </p:spTree>
     <p:extLst>
       <p:ext uri="{BB962C8B-B14F-4D97-AF65-F5344CB8AC3E}">
-        <p14:creationId xmlns:p14="http://schemas.microsoft.com/office/powerpoint/2010/main" val="392314562"/>
+        <p14:creationId xmlns:p14="http://schemas.microsoft.com/office/powerpoint/2010/main" val="2442975092"/>
       </p:ext>
     </p:extLst>
   </p:cSld>
@@ -851,15 +3265,17 @@
         </p:nvSpPr>
         <p:spPr>
           <a:xfrm>
-            <a:off x="623888" y="1709739"/>
-            <a:ext cx="7886700" cy="2852737"/>
+            <a:off x="533400" y="1981199"/>
+            <a:ext cx="6402468" cy="2319867"/>
           </a:xfrm>
         </p:spPr>
         <p:txBody>
-          <a:bodyPr anchor="b"/>
+          <a:bodyPr anchor="b">
+            <a:normAutofit/>
+          </a:bodyPr>
           <a:lstStyle>
-            <a:lvl1pPr>
-              <a:defRPr sz="6000"/>
+            <a:lvl1pPr algn="l">
+              <a:defRPr sz="3200" b="0" cap="all"/>
             </a:lvl1pPr>
           </a:lstStyle>
           <a:p>
@@ -883,24 +3299,28 @@
         </p:nvSpPr>
         <p:spPr>
           <a:xfrm>
-            <a:off x="623888" y="4589464"/>
-            <a:ext cx="7886700" cy="1500187"/>
+            <a:off x="533400" y="4487333"/>
+            <a:ext cx="6402467" cy="1532467"/>
           </a:xfrm>
         </p:spPr>
         <p:txBody>
-          <a:bodyPr/>
+          <a:bodyPr anchor="t">
+            <a:normAutofit/>
+          </a:bodyPr>
           <a:lstStyle>
-            <a:lvl1pPr marL="0" indent="0">
-              <a:buNone/>
-              <a:defRPr sz="2400">
-                <a:solidFill>
-                  <a:schemeClr val="tx1"/>
+            <a:lvl1pPr marL="0" indent="0" algn="l">
+              <a:buNone/>
+              <a:defRPr sz="1800">
+                <a:solidFill>
+                  <a:schemeClr val="bg2">
+                    <a:lumMod val="75000"/>
+                  </a:schemeClr>
                 </a:solidFill>
               </a:defRPr>
             </a:lvl1pPr>
             <a:lvl2pPr marL="457200" indent="0">
               <a:buNone/>
-              <a:defRPr sz="2000">
+              <a:defRPr sz="1800">
                 <a:solidFill>
                   <a:schemeClr val="tx1">
                     <a:tint val="75000"/>
@@ -910,7 +3330,7 @@
             </a:lvl2pPr>
             <a:lvl3pPr marL="914400" indent="0">
               <a:buNone/>
-              <a:defRPr sz="1800">
+              <a:defRPr sz="1600">
                 <a:solidFill>
                   <a:schemeClr val="tx1">
                     <a:tint val="75000"/>
@@ -920,7 +3340,7 @@
             </a:lvl3pPr>
             <a:lvl4pPr marL="1371600" indent="0">
               <a:buNone/>
-              <a:defRPr sz="1600">
+              <a:defRPr sz="1400">
                 <a:solidFill>
                   <a:schemeClr val="tx1">
                     <a:tint val="75000"/>
@@ -930,7 +3350,7 @@
             </a:lvl4pPr>
             <a:lvl5pPr marL="1828800" indent="0">
               <a:buNone/>
-              <a:defRPr sz="1600">
+              <a:defRPr sz="1400">
                 <a:solidFill>
                   <a:schemeClr val="tx1">
                     <a:tint val="75000"/>
@@ -940,7 +3360,7 @@
             </a:lvl5pPr>
             <a:lvl6pPr marL="2286000" indent="0">
               <a:buNone/>
-              <a:defRPr sz="1600">
+              <a:defRPr sz="1400">
                 <a:solidFill>
                   <a:schemeClr val="tx1">
                     <a:tint val="75000"/>
@@ -950,7 +3370,7 @@
             </a:lvl6pPr>
             <a:lvl7pPr marL="2743200" indent="0">
               <a:buNone/>
-              <a:defRPr sz="1600">
+              <a:defRPr sz="1400">
                 <a:solidFill>
                   <a:schemeClr val="tx1">
                     <a:tint val="75000"/>
@@ -960,7 +3380,7 @@
             </a:lvl7pPr>
             <a:lvl8pPr marL="3200400" indent="0">
               <a:buNone/>
-              <a:defRPr sz="1600">
+              <a:defRPr sz="1400">
                 <a:solidFill>
                   <a:schemeClr val="tx1">
                     <a:tint val="75000"/>
@@ -970,7 +3390,7 @@
             </a:lvl8pPr>
             <a:lvl9pPr marL="3657600" indent="0">
               <a:buNone/>
-              <a:defRPr sz="1600">
+              <a:defRPr sz="1400">
                 <a:solidFill>
                   <a:schemeClr val="tx1">
                     <a:tint val="75000"/>
@@ -1005,7 +3425,7 @@
           <a:p>
             <a:fld id="{7E8FA5E9-F974-492B-BC1A-0FF2A36BEC7D}" type="datetimeFigureOut">
               <a:rPr lang="it-IT" smtClean="0"/>
-              <a:t>05/12/2023</a:t>
+              <a:t>29/12/2023</a:t>
             </a:fld>
             <a:endParaRPr lang="it-IT"/>
           </a:p>
@@ -1056,7 +3476,7 @@
     </p:spTree>
     <p:extLst>
       <p:ext uri="{BB962C8B-B14F-4D97-AF65-F5344CB8AC3E}">
-        <p14:creationId xmlns:p14="http://schemas.microsoft.com/office/powerpoint/2010/main" val="2880790721"/>
+        <p14:creationId xmlns:p14="http://schemas.microsoft.com/office/powerpoint/2010/main" val="2913796153"/>
       </p:ext>
     </p:extLst>
   </p:cSld>
@@ -1093,71 +3513,25 @@
             <p:ph type="title"/>
           </p:nvPr>
         </p:nvSpPr>
-        <p:spPr/>
-        <p:txBody>
-          <a:bodyPr/>
-          <a:lstStyle/>
-          <a:p>
-            <a:r>
-              <a:rPr lang="it-IT"/>
-              <a:t>Fare clic per modificare lo stile del titolo dello schema</a:t>
-            </a:r>
-            <a:endParaRPr lang="en-US" dirty="0"/>
-          </a:p>
-        </p:txBody>
-      </p:sp>
-      <p:sp>
-        <p:nvSpPr>
-          <p:cNvPr id="3" name="Content Placeholder 2"/>
-          <p:cNvSpPr>
-            <a:spLocks noGrp="1"/>
-          </p:cNvSpPr>
-          <p:nvPr>
-            <p:ph sz="half" idx="1"/>
-          </p:nvPr>
-        </p:nvSpPr>
         <p:spPr>
           <a:xfrm>
-            <a:off x="628650" y="1825625"/>
-            <a:ext cx="3886200" cy="4351338"/>
+            <a:off x="533400" y="4495800"/>
+            <a:ext cx="6554867" cy="1524000"/>
           </a:xfrm>
         </p:spPr>
         <p:txBody>
-          <a:bodyPr/>
-          <a:lstStyle/>
-          <a:p>
-            <a:pPr lvl="0"/>
-            <a:r>
-              <a:rPr lang="it-IT"/>
-              <a:t>Fare clic per modificare gli stili del testo dello schema</a:t>
-            </a:r>
-          </a:p>
-          <a:p>
-            <a:pPr lvl="1"/>
-            <a:r>
-              <a:rPr lang="it-IT"/>
-              <a:t>Secondo livello</a:t>
-            </a:r>
-          </a:p>
-          <a:p>
-            <a:pPr lvl="2"/>
-            <a:r>
-              <a:rPr lang="it-IT"/>
-              <a:t>Terzo livello</a:t>
-            </a:r>
-          </a:p>
-          <a:p>
-            <a:pPr lvl="3"/>
-            <a:r>
-              <a:rPr lang="it-IT"/>
-              <a:t>Quarto livello</a:t>
-            </a:r>
-          </a:p>
-          <a:p>
-            <a:pPr lvl="4"/>
-            <a:r>
-              <a:rPr lang="it-IT"/>
-              <a:t>Quinto livello</a:t>
+          <a:bodyPr>
+            <a:normAutofit/>
+          </a:bodyPr>
+          <a:lstStyle>
+            <a:lvl1pPr>
+              <a:defRPr sz="3200"/>
+            </a:lvl1pPr>
+          </a:lstStyle>
+          <a:p>
+            <a:r>
+              <a:rPr lang="it-IT"/>
+              <a:t>Fare clic per modificare lo stile del titolo dello schema</a:t>
             </a:r>
             <a:endParaRPr lang="en-US" dirty="0"/>
           </a:p>
@@ -1165,22 +3539,83 @@
       </p:sp>
       <p:sp>
         <p:nvSpPr>
-          <p:cNvPr id="4" name="Content Placeholder 3"/>
-          <p:cNvSpPr>
-            <a:spLocks noGrp="1"/>
-          </p:cNvSpPr>
-          <p:nvPr>
-            <p:ph sz="half" idx="2"/>
+          <p:cNvPr id="11" name="Content Placeholder 3"/>
+          <p:cNvSpPr>
+            <a:spLocks noGrp="1"/>
+          </p:cNvSpPr>
+          <p:nvPr>
+            <p:ph sz="half" idx="13"/>
           </p:nvPr>
         </p:nvSpPr>
         <p:spPr>
           <a:xfrm>
-            <a:off x="4629150" y="1825625"/>
-            <a:ext cx="3886200" cy="4351338"/>
+            <a:off x="533400" y="533400"/>
+            <a:ext cx="3949967" cy="3767667"/>
           </a:xfrm>
         </p:spPr>
         <p:txBody>
-          <a:bodyPr/>
+          <a:bodyPr anchor="ctr">
+            <a:normAutofit/>
+          </a:bodyPr>
+          <a:lstStyle/>
+          <a:p>
+            <a:pPr lvl="0"/>
+            <a:r>
+              <a:rPr lang="it-IT"/>
+              <a:t>Fare clic per modificare gli stili del testo dello schema</a:t>
+            </a:r>
+          </a:p>
+          <a:p>
+            <a:pPr lvl="1"/>
+            <a:r>
+              <a:rPr lang="it-IT"/>
+              <a:t>Secondo livello</a:t>
+            </a:r>
+          </a:p>
+          <a:p>
+            <a:pPr lvl="2"/>
+            <a:r>
+              <a:rPr lang="it-IT"/>
+              <a:t>Terzo livello</a:t>
+            </a:r>
+          </a:p>
+          <a:p>
+            <a:pPr lvl="3"/>
+            <a:r>
+              <a:rPr lang="it-IT"/>
+              <a:t>Quarto livello</a:t>
+            </a:r>
+          </a:p>
+          <a:p>
+            <a:pPr lvl="4"/>
+            <a:r>
+              <a:rPr lang="it-IT"/>
+              <a:t>Quinto livello</a:t>
+            </a:r>
+            <a:endParaRPr lang="en-US" dirty="0"/>
+          </a:p>
+        </p:txBody>
+      </p:sp>
+      <p:sp>
+        <p:nvSpPr>
+          <p:cNvPr id="12" name="Content Placeholder 5"/>
+          <p:cNvSpPr>
+            <a:spLocks noGrp="1"/>
+          </p:cNvSpPr>
+          <p:nvPr>
+            <p:ph sz="quarter" idx="4"/>
+          </p:nvPr>
+        </p:nvSpPr>
+        <p:spPr>
+          <a:xfrm>
+            <a:off x="4662362" y="533400"/>
+            <a:ext cx="3948238" cy="3759200"/>
+          </a:xfrm>
+        </p:spPr>
+        <p:txBody>
+          <a:bodyPr anchor="ctr">
+            <a:normAutofit/>
+          </a:bodyPr>
           <a:lstStyle/>
           <a:p>
             <a:pPr lvl="0"/>
@@ -1237,7 +3672,7 @@
           <a:p>
             <a:fld id="{7E8FA5E9-F974-492B-BC1A-0FF2A36BEC7D}" type="datetimeFigureOut">
               <a:rPr lang="it-IT" smtClean="0"/>
-              <a:t>05/12/2023</a:t>
+              <a:t>29/12/2023</a:t>
             </a:fld>
             <a:endParaRPr lang="it-IT"/>
           </a:p>
@@ -1288,7 +3723,7 @@
     </p:spTree>
     <p:extLst>
       <p:ext uri="{BB962C8B-B14F-4D97-AF65-F5344CB8AC3E}">
-        <p14:creationId xmlns:p14="http://schemas.microsoft.com/office/powerpoint/2010/main" val="3952073275"/>
+        <p14:creationId xmlns:p14="http://schemas.microsoft.com/office/powerpoint/2010/main" val="1126618441"/>
       </p:ext>
     </p:extLst>
   </p:cSld>
@@ -1327,13 +3762,19 @@
         </p:nvSpPr>
         <p:spPr>
           <a:xfrm>
-            <a:off x="629841" y="365126"/>
-            <a:ext cx="7886700" cy="1325563"/>
+            <a:off x="533400" y="4495800"/>
+            <a:ext cx="6554867" cy="1524000"/>
           </a:xfrm>
         </p:spPr>
         <p:txBody>
-          <a:bodyPr/>
-          <a:lstStyle/>
+          <a:bodyPr>
+            <a:normAutofit/>
+          </a:bodyPr>
+          <a:lstStyle>
+            <a:lvl1pPr>
+              <a:defRPr sz="3200"/>
+            </a:lvl1pPr>
+          </a:lstStyle>
           <a:p>
             <a:r>
               <a:rPr lang="it-IT"/>
@@ -1355,16 +3796,22 @@
         </p:nvSpPr>
         <p:spPr>
           <a:xfrm>
-            <a:off x="629842" y="1681163"/>
-            <a:ext cx="3868340" cy="823912"/>
+            <a:off x="762001" y="533400"/>
+            <a:ext cx="3716866" cy="609600"/>
           </a:xfrm>
         </p:spPr>
         <p:txBody>
-          <a:bodyPr anchor="b"/>
+          <a:bodyPr anchor="b">
+            <a:noAutofit/>
+          </a:bodyPr>
           <a:lstStyle>
             <a:lvl1pPr marL="0" indent="0">
               <a:buNone/>
-              <a:defRPr sz="2400" b="1"/>
+              <a:defRPr sz="2400" b="0" cap="all">
+                <a:solidFill>
+                  <a:schemeClr val="tx1"/>
+                </a:solidFill>
+              </a:defRPr>
             </a:lvl1pPr>
             <a:lvl2pPr marL="457200" indent="0">
               <a:buNone/>
@@ -1420,12 +3867,14 @@
         </p:nvSpPr>
         <p:spPr>
           <a:xfrm>
-            <a:off x="629842" y="2505075"/>
-            <a:ext cx="3868340" cy="3684588"/>
+            <a:off x="533399" y="1143000"/>
+            <a:ext cx="3945467" cy="3158067"/>
           </a:xfrm>
         </p:spPr>
         <p:txBody>
-          <a:bodyPr/>
+          <a:bodyPr anchor="t">
+            <a:normAutofit/>
+          </a:bodyPr>
           <a:lstStyle/>
           <a:p>
             <a:pPr lvl="0"/>
@@ -1477,16 +3926,22 @@
         </p:nvSpPr>
         <p:spPr>
           <a:xfrm>
-            <a:off x="4629150" y="1681163"/>
-            <a:ext cx="3887391" cy="823912"/>
+            <a:off x="4855016" y="566738"/>
+            <a:ext cx="3764051" cy="576262"/>
           </a:xfrm>
         </p:spPr>
         <p:txBody>
-          <a:bodyPr anchor="b"/>
+          <a:bodyPr anchor="b">
+            <a:noAutofit/>
+          </a:bodyPr>
           <a:lstStyle>
             <a:lvl1pPr marL="0" indent="0">
               <a:buNone/>
-              <a:defRPr sz="2400" b="1"/>
+              <a:defRPr sz="2400" b="0" cap="all">
+                <a:solidFill>
+                  <a:schemeClr val="tx1"/>
+                </a:solidFill>
+              </a:defRPr>
             </a:lvl1pPr>
             <a:lvl2pPr marL="457200" indent="0">
               <a:buNone/>
@@ -1542,12 +3997,14 @@
         </p:nvSpPr>
         <p:spPr>
           <a:xfrm>
-            <a:off x="4629150" y="2505075"/>
-            <a:ext cx="3887391" cy="3684588"/>
+            <a:off x="4662362" y="1143000"/>
+            <a:ext cx="3956705" cy="3149600"/>
           </a:xfrm>
         </p:spPr>
         <p:txBody>
-          <a:bodyPr/>
+          <a:bodyPr anchor="t">
+            <a:normAutofit/>
+          </a:bodyPr>
           <a:lstStyle/>
           <a:p>
             <a:pPr lvl="0"/>
@@ -1604,7 +4061,7 @@
           <a:p>
             <a:fld id="{7E8FA5E9-F974-492B-BC1A-0FF2A36BEC7D}" type="datetimeFigureOut">
               <a:rPr lang="it-IT" smtClean="0"/>
-              <a:t>05/12/2023</a:t>
+              <a:t>29/12/2023</a:t>
             </a:fld>
             <a:endParaRPr lang="it-IT"/>
           </a:p>
@@ -1655,7 +4112,7 @@
     </p:spTree>
     <p:extLst>
       <p:ext uri="{BB962C8B-B14F-4D97-AF65-F5344CB8AC3E}">
-        <p14:creationId xmlns:p14="http://schemas.microsoft.com/office/powerpoint/2010/main" val="1597618551"/>
+        <p14:creationId xmlns:p14="http://schemas.microsoft.com/office/powerpoint/2010/main" val="2123611600"/>
       </p:ext>
     </p:extLst>
   </p:cSld>
@@ -1692,10 +4149,21 @@
             <p:ph type="title"/>
           </p:nvPr>
         </p:nvSpPr>
-        <p:spPr/>
-        <p:txBody>
-          <a:bodyPr/>
-          <a:lstStyle/>
+        <p:spPr>
+          <a:xfrm>
+            <a:off x="533400" y="4495800"/>
+            <a:ext cx="6554867" cy="1524000"/>
+          </a:xfrm>
+        </p:spPr>
+        <p:txBody>
+          <a:bodyPr>
+            <a:normAutofit/>
+          </a:bodyPr>
+          <a:lstStyle>
+            <a:lvl1pPr>
+              <a:defRPr sz="3200"/>
+            </a:lvl1pPr>
+          </a:lstStyle>
           <a:p>
             <a:r>
               <a:rPr lang="it-IT"/>
@@ -1722,7 +4190,7 @@
           <a:p>
             <a:fld id="{7E8FA5E9-F974-492B-BC1A-0FF2A36BEC7D}" type="datetimeFigureOut">
               <a:rPr lang="it-IT" smtClean="0"/>
-              <a:t>05/12/2023</a:t>
+              <a:t>29/12/2023</a:t>
             </a:fld>
             <a:endParaRPr lang="it-IT"/>
           </a:p>
@@ -1773,7 +4241,7 @@
     </p:spTree>
     <p:extLst>
       <p:ext uri="{BB962C8B-B14F-4D97-AF65-F5344CB8AC3E}">
-        <p14:creationId xmlns:p14="http://schemas.microsoft.com/office/powerpoint/2010/main" val="2301159364"/>
+        <p14:creationId xmlns:p14="http://schemas.microsoft.com/office/powerpoint/2010/main" val="1799859788"/>
       </p:ext>
     </p:extLst>
   </p:cSld>
@@ -1817,7 +4285,7 @@
           <a:p>
             <a:fld id="{7E8FA5E9-F974-492B-BC1A-0FF2A36BEC7D}" type="datetimeFigureOut">
               <a:rPr lang="it-IT" smtClean="0"/>
-              <a:t>05/12/2023</a:t>
+              <a:t>29/12/2023</a:t>
             </a:fld>
             <a:endParaRPr lang="it-IT"/>
           </a:p>
@@ -1868,7 +4336,7 @@
     </p:spTree>
     <p:extLst>
       <p:ext uri="{BB962C8B-B14F-4D97-AF65-F5344CB8AC3E}">
-        <p14:creationId xmlns:p14="http://schemas.microsoft.com/office/powerpoint/2010/main" val="2626141242"/>
+        <p14:creationId xmlns:p14="http://schemas.microsoft.com/office/powerpoint/2010/main" val="449240054"/>
       </p:ext>
     </p:extLst>
   </p:cSld>
@@ -1907,15 +4375,17 @@
         </p:nvSpPr>
         <p:spPr>
           <a:xfrm>
-            <a:off x="629841" y="457200"/>
-            <a:ext cx="2949178" cy="1600200"/>
+            <a:off x="5418667" y="533400"/>
+            <a:ext cx="3200400" cy="1524000"/>
           </a:xfrm>
         </p:spPr>
         <p:txBody>
-          <a:bodyPr anchor="b"/>
+          <a:bodyPr anchor="b">
+            <a:normAutofit/>
+          </a:bodyPr>
           <a:lstStyle>
-            <a:lvl1pPr>
-              <a:defRPr sz="3200"/>
+            <a:lvl1pPr algn="l">
+              <a:defRPr sz="2000" b="0"/>
             </a:lvl1pPr>
           </a:lstStyle>
           <a:p>
@@ -1939,41 +4409,15 @@
         </p:nvSpPr>
         <p:spPr>
           <a:xfrm>
-            <a:off x="3887391" y="987426"/>
-            <a:ext cx="4629150" cy="4873625"/>
+            <a:off x="533399" y="533400"/>
+            <a:ext cx="4438755" cy="5486400"/>
           </a:xfrm>
         </p:spPr>
         <p:txBody>
-          <a:bodyPr/>
-          <a:lstStyle>
-            <a:lvl1pPr>
-              <a:defRPr sz="3200"/>
-            </a:lvl1pPr>
-            <a:lvl2pPr>
-              <a:defRPr sz="2800"/>
-            </a:lvl2pPr>
-            <a:lvl3pPr>
-              <a:defRPr sz="2400"/>
-            </a:lvl3pPr>
-            <a:lvl4pPr>
-              <a:defRPr sz="2000"/>
-            </a:lvl4pPr>
-            <a:lvl5pPr>
-              <a:defRPr sz="2000"/>
-            </a:lvl5pPr>
-            <a:lvl6pPr>
-              <a:defRPr sz="2000"/>
-            </a:lvl6pPr>
-            <a:lvl7pPr>
-              <a:defRPr sz="2000"/>
-            </a:lvl7pPr>
-            <a:lvl8pPr>
-              <a:defRPr sz="2000"/>
-            </a:lvl8pPr>
-            <a:lvl9pPr>
-              <a:defRPr sz="2000"/>
-            </a:lvl9pPr>
-          </a:lstStyle>
+          <a:bodyPr anchor="ctr">
+            <a:normAutofit/>
+          </a:bodyPr>
+          <a:lstStyle/>
           <a:p>
             <a:pPr lvl="0"/>
             <a:r>
@@ -2024,12 +4468,14 @@
         </p:nvSpPr>
         <p:spPr>
           <a:xfrm>
-            <a:off x="629841" y="2057400"/>
-            <a:ext cx="2949178" cy="3811588"/>
+            <a:off x="5418667" y="2209802"/>
+            <a:ext cx="3200400" cy="2091267"/>
           </a:xfrm>
         </p:spPr>
         <p:txBody>
-          <a:bodyPr/>
+          <a:bodyPr anchor="t">
+            <a:normAutofit/>
+          </a:bodyPr>
           <a:lstStyle>
             <a:lvl1pPr marL="0" indent="0">
               <a:buNone/>
@@ -2037,35 +4483,35 @@
             </a:lvl1pPr>
             <a:lvl2pPr marL="457200" indent="0">
               <a:buNone/>
-              <a:defRPr sz="1400"/>
+              <a:defRPr sz="1200"/>
             </a:lvl2pPr>
             <a:lvl3pPr marL="914400" indent="0">
               <a:buNone/>
-              <a:defRPr sz="1200"/>
+              <a:defRPr sz="1000"/>
             </a:lvl3pPr>
             <a:lvl4pPr marL="1371600" indent="0">
               <a:buNone/>
-              <a:defRPr sz="1000"/>
+              <a:defRPr sz="900"/>
             </a:lvl4pPr>
             <a:lvl5pPr marL="1828800" indent="0">
               <a:buNone/>
-              <a:defRPr sz="1000"/>
+              <a:defRPr sz="900"/>
             </a:lvl5pPr>
             <a:lvl6pPr marL="2286000" indent="0">
               <a:buNone/>
-              <a:defRPr sz="1000"/>
+              <a:defRPr sz="900"/>
             </a:lvl6pPr>
             <a:lvl7pPr marL="2743200" indent="0">
               <a:buNone/>
-              <a:defRPr sz="1000"/>
+              <a:defRPr sz="900"/>
             </a:lvl7pPr>
             <a:lvl8pPr marL="3200400" indent="0">
               <a:buNone/>
-              <a:defRPr sz="1000"/>
+              <a:defRPr sz="900"/>
             </a:lvl8pPr>
             <a:lvl9pPr marL="3657600" indent="0">
               <a:buNone/>
-              <a:defRPr sz="1000"/>
+              <a:defRPr sz="900"/>
             </a:lvl9pPr>
           </a:lstStyle>
           <a:p>
@@ -2094,7 +4540,7 @@
           <a:p>
             <a:fld id="{7E8FA5E9-F974-492B-BC1A-0FF2A36BEC7D}" type="datetimeFigureOut">
               <a:rPr lang="it-IT" smtClean="0"/>
-              <a:t>05/12/2023</a:t>
+              <a:t>29/12/2023</a:t>
             </a:fld>
             <a:endParaRPr lang="it-IT"/>
           </a:p>
@@ -2145,7 +4591,7 @@
     </p:spTree>
     <p:extLst>
       <p:ext uri="{BB962C8B-B14F-4D97-AF65-F5344CB8AC3E}">
-        <p14:creationId xmlns:p14="http://schemas.microsoft.com/office/powerpoint/2010/main" val="3963846056"/>
+        <p14:creationId xmlns:p14="http://schemas.microsoft.com/office/powerpoint/2010/main" val="4049468772"/>
       </p:ext>
     </p:extLst>
   </p:cSld>
@@ -2184,15 +4630,17 @@
         </p:nvSpPr>
         <p:spPr>
           <a:xfrm>
-            <a:off x="629841" y="457200"/>
-            <a:ext cx="2949178" cy="1600200"/>
+            <a:off x="4495800" y="1447800"/>
+            <a:ext cx="3563258" cy="1143000"/>
           </a:xfrm>
         </p:spPr>
         <p:txBody>
-          <a:bodyPr anchor="b"/>
+          <a:bodyPr anchor="b">
+            <a:normAutofit/>
+          </a:bodyPr>
           <a:lstStyle>
-            <a:lvl1pPr>
-              <a:defRPr sz="3200"/>
+            <a:lvl1pPr algn="l">
+              <a:defRPr sz="2400" b="0"/>
             </a:lvl1pPr>
           </a:lstStyle>
           <a:p>
@@ -2206,126 +4654,150 @@
       </p:sp>
       <p:sp>
         <p:nvSpPr>
-          <p:cNvPr id="3" name="Picture Placeholder 2"/>
+          <p:cNvPr id="17" name="Picture Placeholder 2"/>
           <p:cNvSpPr>
             <a:spLocks noGrp="1" noChangeAspect="1"/>
           </p:cNvSpPr>
           <p:nvPr>
-            <p:ph type="pic" idx="1"/>
+            <p:ph type="pic" idx="13"/>
           </p:nvPr>
         </p:nvSpPr>
         <p:spPr>
           <a:xfrm>
-            <a:off x="3887391" y="987426"/>
-            <a:ext cx="4629150" cy="4873625"/>
+            <a:off x="762000" y="914400"/>
+            <a:ext cx="3280974" cy="4800600"/>
           </a:xfrm>
+          <a:prstGeom prst="snip2DiagRect">
+            <a:avLst>
+              <a:gd name="adj1" fmla="val 10815"/>
+              <a:gd name="adj2" fmla="val 0"/>
+            </a:avLst>
+          </a:prstGeom>
+          <a:ln w="15875">
+            <a:solidFill>
+              <a:schemeClr val="tx1">
+                <a:alpha val="40000"/>
+              </a:schemeClr>
+            </a:solidFill>
+          </a:ln>
+          <a:effectLst>
+            <a:innerShdw blurRad="57150" dist="38100" dir="14460000">
+              <a:srgbClr val="000000">
+                <a:alpha val="70000"/>
+              </a:srgbClr>
+            </a:innerShdw>
+          </a:effectLst>
         </p:spPr>
         <p:txBody>
-          <a:bodyPr anchor="t"/>
+          <a:bodyPr anchor="t">
+            <a:normAutofit/>
+          </a:bodyPr>
           <a:lstStyle>
-            <a:lvl1pPr marL="0" indent="0">
-              <a:buNone/>
-              <a:defRPr sz="3200"/>
-            </a:lvl1pPr>
-            <a:lvl2pPr marL="457200" indent="0">
-              <a:buNone/>
-              <a:defRPr sz="2800"/>
-            </a:lvl2pPr>
-            <a:lvl3pPr marL="914400" indent="0">
-              <a:buNone/>
-              <a:defRPr sz="2400"/>
-            </a:lvl3pPr>
-            <a:lvl4pPr marL="1371600" indent="0">
-              <a:buNone/>
-              <a:defRPr sz="2000"/>
-            </a:lvl4pPr>
-            <a:lvl5pPr marL="1828800" indent="0">
-              <a:buNone/>
-              <a:defRPr sz="2000"/>
-            </a:lvl5pPr>
-            <a:lvl6pPr marL="2286000" indent="0">
-              <a:buNone/>
-              <a:defRPr sz="2000"/>
-            </a:lvl6pPr>
-            <a:lvl7pPr marL="2743200" indent="0">
-              <a:buNone/>
-              <a:defRPr sz="2000"/>
-            </a:lvl7pPr>
-            <a:lvl8pPr marL="3200400" indent="0">
-              <a:buNone/>
-              <a:defRPr sz="2000"/>
-            </a:lvl8pPr>
-            <a:lvl9pPr marL="3657600" indent="0">
-              <a:buNone/>
-              <a:defRPr sz="2000"/>
-            </a:lvl9pPr>
-          </a:lstStyle>
-          <a:p>
-            <a:r>
-              <a:rPr lang="it-IT"/>
-              <a:t>Fare clic sull'icona per inserire un'immagine</a:t>
-            </a:r>
-            <a:endParaRPr lang="en-US" dirty="0"/>
-          </a:p>
-        </p:txBody>
-      </p:sp>
-      <p:sp>
-        <p:nvSpPr>
-          <p:cNvPr id="4" name="Text Placeholder 3"/>
-          <p:cNvSpPr>
-            <a:spLocks noGrp="1"/>
-          </p:cNvSpPr>
-          <p:nvPr>
-            <p:ph type="body" sz="half" idx="2"/>
-          </p:nvPr>
-        </p:nvSpPr>
-        <p:spPr>
-          <a:xfrm>
-            <a:off x="629841" y="2057400"/>
-            <a:ext cx="2949178" cy="3811588"/>
-          </a:xfrm>
-        </p:spPr>
-        <p:txBody>
-          <a:bodyPr/>
-          <a:lstStyle>
-            <a:lvl1pPr marL="0" indent="0">
+            <a:lvl1pPr marL="0" indent="0" algn="ctr">
               <a:buNone/>
               <a:defRPr sz="1600"/>
             </a:lvl1pPr>
             <a:lvl2pPr marL="457200" indent="0">
               <a:buNone/>
-              <a:defRPr sz="1400"/>
+              <a:defRPr sz="1600"/>
             </a:lvl2pPr>
             <a:lvl3pPr marL="914400" indent="0">
               <a:buNone/>
-              <a:defRPr sz="1200"/>
+              <a:defRPr sz="1600"/>
             </a:lvl3pPr>
             <a:lvl4pPr marL="1371600" indent="0">
               <a:buNone/>
-              <a:defRPr sz="1000"/>
+              <a:defRPr sz="1600"/>
             </a:lvl4pPr>
             <a:lvl5pPr marL="1828800" indent="0">
               <a:buNone/>
-              <a:defRPr sz="1000"/>
+              <a:defRPr sz="1600"/>
             </a:lvl5pPr>
             <a:lvl6pPr marL="2286000" indent="0">
               <a:buNone/>
-              <a:defRPr sz="1000"/>
+              <a:defRPr sz="1600"/>
             </a:lvl6pPr>
             <a:lvl7pPr marL="2743200" indent="0">
               <a:buNone/>
-              <a:defRPr sz="1000"/>
+              <a:defRPr sz="1600"/>
             </a:lvl7pPr>
             <a:lvl8pPr marL="3200400" indent="0">
               <a:buNone/>
-              <a:defRPr sz="1000"/>
+              <a:defRPr sz="1600"/>
             </a:lvl8pPr>
             <a:lvl9pPr marL="3657600" indent="0">
               <a:buNone/>
-              <a:defRPr sz="1000"/>
+              <a:defRPr sz="1600"/>
             </a:lvl9pPr>
           </a:lstStyle>
           <a:p>
+            <a:r>
+              <a:rPr lang="it-IT"/>
+              <a:t>Fare clic sull'icona per inserire un'immagine</a:t>
+            </a:r>
+            <a:endParaRPr lang="en-US" dirty="0"/>
+          </a:p>
+        </p:txBody>
+      </p:sp>
+      <p:sp>
+        <p:nvSpPr>
+          <p:cNvPr id="4" name="Text Placeholder 3"/>
+          <p:cNvSpPr>
+            <a:spLocks noGrp="1"/>
+          </p:cNvSpPr>
+          <p:nvPr>
+            <p:ph type="body" sz="half" idx="2"/>
+          </p:nvPr>
+        </p:nvSpPr>
+        <p:spPr>
+          <a:xfrm>
+            <a:off x="4496027" y="2743200"/>
+            <a:ext cx="3564223" cy="2082800"/>
+          </a:xfrm>
+        </p:spPr>
+        <p:txBody>
+          <a:bodyPr anchor="t">
+            <a:normAutofit/>
+          </a:bodyPr>
+          <a:lstStyle>
+            <a:lvl1pPr marL="0" indent="0">
+              <a:buNone/>
+              <a:defRPr sz="1800"/>
+            </a:lvl1pPr>
+            <a:lvl2pPr marL="457200" indent="0">
+              <a:buNone/>
+              <a:defRPr sz="1200"/>
+            </a:lvl2pPr>
+            <a:lvl3pPr marL="914400" indent="0">
+              <a:buNone/>
+              <a:defRPr sz="1000"/>
+            </a:lvl3pPr>
+            <a:lvl4pPr marL="1371600" indent="0">
+              <a:buNone/>
+              <a:defRPr sz="900"/>
+            </a:lvl4pPr>
+            <a:lvl5pPr marL="1828800" indent="0">
+              <a:buNone/>
+              <a:defRPr sz="900"/>
+            </a:lvl5pPr>
+            <a:lvl6pPr marL="2286000" indent="0">
+              <a:buNone/>
+              <a:defRPr sz="900"/>
+            </a:lvl6pPr>
+            <a:lvl7pPr marL="2743200" indent="0">
+              <a:buNone/>
+              <a:defRPr sz="900"/>
+            </a:lvl7pPr>
+            <a:lvl8pPr marL="3200400" indent="0">
+              <a:buNone/>
+              <a:defRPr sz="900"/>
+            </a:lvl8pPr>
+            <a:lvl9pPr marL="3657600" indent="0">
+              <a:buNone/>
+              <a:defRPr sz="900"/>
+            </a:lvl9pPr>
+          </a:lstStyle>
+          <a:p>
             <a:pPr lvl="0"/>
             <a:r>
               <a:rPr lang="it-IT"/>
@@ -2351,7 +4823,7 @@
           <a:p>
             <a:fld id="{7E8FA5E9-F974-492B-BC1A-0FF2A36BEC7D}" type="datetimeFigureOut">
               <a:rPr lang="it-IT" smtClean="0"/>
-              <a:t>05/12/2023</a:t>
+              <a:t>29/12/2023</a:t>
             </a:fld>
             <a:endParaRPr lang="it-IT"/>
           </a:p>
@@ -2367,7 +4839,12 @@
             <p:ph type="ftr" sz="quarter" idx="11"/>
           </p:nvPr>
         </p:nvSpPr>
-        <p:spPr/>
+        <p:spPr>
+          <a:xfrm>
+            <a:off x="533400" y="6172200"/>
+            <a:ext cx="5811724" cy="365125"/>
+          </a:xfrm>
+        </p:spPr>
         <p:txBody>
           <a:bodyPr/>
           <a:lstStyle/>
@@ -2402,7 +4879,7 @@
     </p:spTree>
     <p:extLst>
       <p:ext uri="{BB962C8B-B14F-4D97-AF65-F5344CB8AC3E}">
-        <p14:creationId xmlns:p14="http://schemas.microsoft.com/office/powerpoint/2010/main" val="2796377074"/>
+        <p14:creationId xmlns:p14="http://schemas.microsoft.com/office/powerpoint/2010/main" val="507471368"/>
       </p:ext>
     </p:extLst>
   </p:cSld>
@@ -2417,28 +4894,9 @@
   <p:cSld>
     <p:bg>
       <p:bgPr>
-        <a:gradFill flip="none" rotWithShape="1">
-          <a:gsLst>
-            <a:gs pos="0">
-              <a:schemeClr val="tx1"/>
-            </a:gs>
-            <a:gs pos="65000">
-              <a:schemeClr val="bg1">
-                <a:alpha val="0"/>
-              </a:schemeClr>
-            </a:gs>
-            <a:gs pos="35000">
-              <a:schemeClr val="bg1">
-                <a:alpha val="0"/>
-              </a:schemeClr>
-            </a:gs>
-            <a:gs pos="100000">
-              <a:srgbClr val="FF0000"/>
-            </a:gs>
-          </a:gsLst>
-          <a:lin ang="5400000" scaled="1"/>
-          <a:tileRect/>
-        </a:gradFill>
+        <a:solidFill>
+          <a:schemeClr val="bg1"/>
+        </a:solidFill>
         <a:effectLst/>
       </p:bgPr>
     </p:bg>
@@ -2456,6 +4914,196 @@
           <a:chExt cx="0" cy="0"/>
         </a:xfrm>
       </p:grpSpPr>
+      <p:grpSp>
+        <p:nvGrpSpPr>
+          <p:cNvPr id="7" name="Group 6"/>
+          <p:cNvGrpSpPr/>
+          <p:nvPr/>
+        </p:nvGrpSpPr>
+        <p:grpSpPr>
+          <a:xfrm>
+            <a:off x="6670675" y="3894667"/>
+            <a:ext cx="2470456" cy="2658533"/>
+            <a:chOff x="6687077" y="3259666"/>
+            <a:chExt cx="2981857" cy="3208867"/>
+          </a:xfrm>
+        </p:grpSpPr>
+        <p:cxnSp>
+          <p:nvCxnSpPr>
+            <p:cNvPr id="8" name="Straight Connector 7"/>
+            <p:cNvCxnSpPr/>
+            <p:nvPr/>
+          </p:nvCxnSpPr>
+          <p:spPr>
+            <a:xfrm flipH="1">
+              <a:off x="8756120" y="3259666"/>
+              <a:ext cx="912814" cy="912812"/>
+            </a:xfrm>
+            <a:prstGeom prst="line">
+              <a:avLst/>
+            </a:prstGeom>
+            <a:ln w="9525">
+              <a:solidFill>
+                <a:schemeClr val="tx1"/>
+              </a:solidFill>
+            </a:ln>
+          </p:spPr>
+          <p:style>
+            <a:lnRef idx="2">
+              <a:schemeClr val="accent1"/>
+            </a:lnRef>
+            <a:fillRef idx="0">
+              <a:schemeClr val="accent1"/>
+            </a:fillRef>
+            <a:effectRef idx="1">
+              <a:schemeClr val="accent1"/>
+            </a:effectRef>
+            <a:fontRef idx="minor">
+              <a:schemeClr val="tx1"/>
+            </a:fontRef>
+          </p:style>
+        </p:cxnSp>
+        <p:cxnSp>
+          <p:nvCxnSpPr>
+            <p:cNvPr id="9" name="Straight Connector 8"/>
+            <p:cNvCxnSpPr/>
+            <p:nvPr/>
+          </p:nvCxnSpPr>
+          <p:spPr>
+            <a:xfrm flipH="1">
+              <a:off x="6687077" y="3486677"/>
+              <a:ext cx="2981857" cy="2981856"/>
+            </a:xfrm>
+            <a:prstGeom prst="line">
+              <a:avLst/>
+            </a:prstGeom>
+            <a:ln w="9525">
+              <a:solidFill>
+                <a:schemeClr val="tx1"/>
+              </a:solidFill>
+            </a:ln>
+          </p:spPr>
+          <p:style>
+            <a:lnRef idx="2">
+              <a:schemeClr val="accent1"/>
+            </a:lnRef>
+            <a:fillRef idx="0">
+              <a:schemeClr val="accent1"/>
+            </a:fillRef>
+            <a:effectRef idx="1">
+              <a:schemeClr val="accent1"/>
+            </a:effectRef>
+            <a:fontRef idx="minor">
+              <a:schemeClr val="tx1"/>
+            </a:fontRef>
+          </p:style>
+        </p:cxnSp>
+        <p:cxnSp>
+          <p:nvCxnSpPr>
+            <p:cNvPr id="10" name="Straight Connector 9"/>
+            <p:cNvCxnSpPr/>
+            <p:nvPr/>
+          </p:nvCxnSpPr>
+          <p:spPr>
+            <a:xfrm flipH="1">
+              <a:off x="7772400" y="3581400"/>
+              <a:ext cx="1896534" cy="1896533"/>
+            </a:xfrm>
+            <a:prstGeom prst="line">
+              <a:avLst/>
+            </a:prstGeom>
+            <a:ln w="9525">
+              <a:solidFill>
+                <a:schemeClr val="tx1"/>
+              </a:solidFill>
+            </a:ln>
+          </p:spPr>
+          <p:style>
+            <a:lnRef idx="2">
+              <a:schemeClr val="accent1"/>
+            </a:lnRef>
+            <a:fillRef idx="0">
+              <a:schemeClr val="accent1"/>
+            </a:fillRef>
+            <a:effectRef idx="1">
+              <a:schemeClr val="accent1"/>
+            </a:effectRef>
+            <a:fontRef idx="minor">
+              <a:schemeClr val="tx1"/>
+            </a:fontRef>
+          </p:style>
+        </p:cxnSp>
+        <p:cxnSp>
+          <p:nvCxnSpPr>
+            <p:cNvPr id="11" name="Straight Connector 10"/>
+            <p:cNvCxnSpPr/>
+            <p:nvPr/>
+          </p:nvCxnSpPr>
+          <p:spPr>
+            <a:xfrm flipH="1">
+              <a:off x="7923214" y="3433394"/>
+              <a:ext cx="1739738" cy="1739740"/>
+            </a:xfrm>
+            <a:prstGeom prst="line">
+              <a:avLst/>
+            </a:prstGeom>
+            <a:ln w="28575">
+              <a:solidFill>
+                <a:schemeClr val="tx1"/>
+              </a:solidFill>
+            </a:ln>
+          </p:spPr>
+          <p:style>
+            <a:lnRef idx="2">
+              <a:schemeClr val="accent1"/>
+            </a:lnRef>
+            <a:fillRef idx="0">
+              <a:schemeClr val="accent1"/>
+            </a:fillRef>
+            <a:effectRef idx="1">
+              <a:schemeClr val="accent1"/>
+            </a:effectRef>
+            <a:fontRef idx="minor">
+              <a:schemeClr val="tx1"/>
+            </a:fontRef>
+          </p:style>
+        </p:cxnSp>
+        <p:cxnSp>
+          <p:nvCxnSpPr>
+            <p:cNvPr id="12" name="Straight Connector 11"/>
+            <p:cNvCxnSpPr/>
+            <p:nvPr/>
+          </p:nvCxnSpPr>
+          <p:spPr>
+            <a:xfrm flipH="1">
+              <a:off x="8398935" y="3985317"/>
+              <a:ext cx="1264017" cy="1264016"/>
+            </a:xfrm>
+            <a:prstGeom prst="line">
+              <a:avLst/>
+            </a:prstGeom>
+            <a:ln w="28575">
+              <a:solidFill>
+                <a:schemeClr val="tx1"/>
+              </a:solidFill>
+            </a:ln>
+          </p:spPr>
+          <p:style>
+            <a:lnRef idx="2">
+              <a:schemeClr val="accent1"/>
+            </a:lnRef>
+            <a:fillRef idx="0">
+              <a:schemeClr val="accent1"/>
+            </a:fillRef>
+            <a:effectRef idx="1">
+              <a:schemeClr val="accent1"/>
+            </a:effectRef>
+            <a:fontRef idx="minor">
+              <a:schemeClr val="tx1"/>
+            </a:fontRef>
+          </p:style>
+        </p:cxnSp>
+      </p:grpSp>
       <p:sp>
         <p:nvSpPr>
           <p:cNvPr id="2" name="Title Placeholder 1"/>
@@ -2468,8 +5116,42 @@
         </p:nvSpPr>
         <p:spPr>
           <a:xfrm>
-            <a:off x="628650" y="365126"/>
-            <a:ext cx="7886700" cy="1325563"/>
+            <a:off x="533400" y="4495800"/>
+            <a:ext cx="6554867" cy="1524000"/>
+          </a:xfrm>
+          <a:prstGeom prst="rect">
+            <a:avLst/>
+          </a:prstGeom>
+          <a:effectLst/>
+        </p:spPr>
+        <p:txBody>
+          <a:bodyPr vert="horz" lIns="91440" tIns="45720" rIns="91440" bIns="45720" rtlCol="0" anchor="ctr">
+            <a:normAutofit/>
+          </a:bodyPr>
+          <a:lstStyle/>
+          <a:p>
+            <a:r>
+              <a:rPr lang="it-IT"/>
+              <a:t>Fare clic per modificare lo stile del titolo dello schema</a:t>
+            </a:r>
+            <a:endParaRPr lang="en-US" dirty="0"/>
+          </a:p>
+        </p:txBody>
+      </p:sp>
+      <p:sp>
+        <p:nvSpPr>
+          <p:cNvPr id="3" name="Text Placeholder 2"/>
+          <p:cNvSpPr>
+            <a:spLocks noGrp="1"/>
+          </p:cNvSpPr>
+          <p:nvPr>
+            <p:ph type="body" idx="1"/>
+          </p:nvPr>
+        </p:nvSpPr>
+        <p:spPr>
+          <a:xfrm>
+            <a:off x="533400" y="533401"/>
+            <a:ext cx="6554867" cy="3767670"/>
           </a:xfrm>
           <a:prstGeom prst="rect">
             <a:avLst/>
@@ -2481,9 +5163,38 @@
           </a:bodyPr>
           <a:lstStyle/>
           <a:p>
-            <a:r>
-              <a:rPr lang="it-IT"/>
-              <a:t>Fare clic per modificare lo stile del titolo dello schema</a:t>
+            <a:pPr lvl="0"/>
+            <a:r>
+              <a:rPr lang="it-IT"/>
+              <a:t>Fare clic per modificare gli stili del testo dello schema</a:t>
+            </a:r>
+          </a:p>
+          <a:p>
+            <a:pPr lvl="1"/>
+            <a:r>
+              <a:rPr lang="it-IT"/>
+              <a:t>Secondo livello</a:t>
+            </a:r>
+          </a:p>
+          <a:p>
+            <a:pPr lvl="2"/>
+            <a:r>
+              <a:rPr lang="it-IT"/>
+              <a:t>Terzo livello</a:t>
+            </a:r>
+          </a:p>
+          <a:p>
+            <a:pPr lvl="3"/>
+            <a:r>
+              <a:rPr lang="it-IT"/>
+              <a:t>Quarto livello</a:t>
+            </a:r>
+          </a:p>
+          <a:p>
+            <a:pPr lvl="4"/>
+            <a:r>
+              <a:rPr lang="it-IT"/>
+              <a:t>Quinto livello</a:t>
             </a:r>
             <a:endParaRPr lang="en-US" dirty="0"/>
           </a:p>
@@ -2491,173 +5202,117 @@
       </p:sp>
       <p:sp>
         <p:nvSpPr>
-          <p:cNvPr id="3" name="Text Placeholder 2"/>
-          <p:cNvSpPr>
-            <a:spLocks noGrp="1"/>
-          </p:cNvSpPr>
-          <p:nvPr>
-            <p:ph type="body" idx="1"/>
+          <p:cNvPr id="4" name="Date Placeholder 3"/>
+          <p:cNvSpPr>
+            <a:spLocks noGrp="1"/>
+          </p:cNvSpPr>
+          <p:nvPr>
+            <p:ph type="dt" sz="half" idx="2"/>
           </p:nvPr>
         </p:nvSpPr>
         <p:spPr>
           <a:xfrm>
-            <a:off x="628650" y="1825625"/>
-            <a:ext cx="7886700" cy="4351338"/>
+            <a:off x="7430245" y="6172203"/>
+            <a:ext cx="1200463" cy="365125"/>
           </a:xfrm>
           <a:prstGeom prst="rect">
             <a:avLst/>
           </a:prstGeom>
         </p:spPr>
         <p:txBody>
-          <a:bodyPr vert="horz" lIns="91440" tIns="45720" rIns="91440" bIns="45720" rtlCol="0">
-            <a:normAutofit/>
-          </a:bodyPr>
-          <a:lstStyle/>
-          <a:p>
-            <a:pPr lvl="0"/>
-            <a:r>
-              <a:rPr lang="it-IT"/>
-              <a:t>Fare clic per modificare gli stili del testo dello schema</a:t>
-            </a:r>
-          </a:p>
-          <a:p>
-            <a:pPr lvl="1"/>
-            <a:r>
-              <a:rPr lang="it-IT"/>
-              <a:t>Secondo livello</a:t>
-            </a:r>
-          </a:p>
-          <a:p>
-            <a:pPr lvl="2"/>
-            <a:r>
-              <a:rPr lang="it-IT"/>
-              <a:t>Terzo livello</a:t>
-            </a:r>
-          </a:p>
-          <a:p>
-            <a:pPr lvl="3"/>
-            <a:r>
-              <a:rPr lang="it-IT"/>
-              <a:t>Quarto livello</a:t>
-            </a:r>
-          </a:p>
-          <a:p>
-            <a:pPr lvl="4"/>
-            <a:r>
-              <a:rPr lang="it-IT"/>
-              <a:t>Quinto livello</a:t>
-            </a:r>
-            <a:endParaRPr lang="en-US" dirty="0"/>
-          </a:p>
-        </p:txBody>
-      </p:sp>
-      <p:sp>
-        <p:nvSpPr>
-          <p:cNvPr id="4" name="Date Placeholder 3"/>
-          <p:cNvSpPr>
-            <a:spLocks noGrp="1"/>
-          </p:cNvSpPr>
-          <p:nvPr>
-            <p:ph type="dt" sz="half" idx="2"/>
+          <a:bodyPr vert="horz" lIns="91440" tIns="45720" rIns="91440" bIns="45720" rtlCol="0" anchor="t"/>
+          <a:lstStyle>
+            <a:lvl1pPr algn="r">
+              <a:defRPr sz="1000" b="0" i="0">
+                <a:solidFill>
+                  <a:schemeClr val="bg2">
+                    <a:lumMod val="50000"/>
+                  </a:schemeClr>
+                </a:solidFill>
+                <a:effectLst/>
+                <a:latin typeface="+mn-lt"/>
+              </a:defRPr>
+            </a:lvl1pPr>
+          </a:lstStyle>
+          <a:p>
+            <a:fld id="{7E8FA5E9-F974-492B-BC1A-0FF2A36BEC7D}" type="datetimeFigureOut">
+              <a:rPr lang="it-IT" smtClean="0"/>
+              <a:t>29/12/2023</a:t>
+            </a:fld>
+            <a:endParaRPr lang="it-IT"/>
+          </a:p>
+        </p:txBody>
+      </p:sp>
+      <p:sp>
+        <p:nvSpPr>
+          <p:cNvPr id="5" name="Footer Placeholder 4"/>
+          <p:cNvSpPr>
+            <a:spLocks noGrp="1"/>
+          </p:cNvSpPr>
+          <p:nvPr>
+            <p:ph type="ftr" sz="quarter" idx="3"/>
           </p:nvPr>
         </p:nvSpPr>
         <p:spPr>
           <a:xfrm>
-            <a:off x="628650" y="6356351"/>
-            <a:ext cx="2057400" cy="365125"/>
+            <a:off x="533400" y="6172200"/>
+            <a:ext cx="5811724" cy="365125"/>
           </a:xfrm>
           <a:prstGeom prst="rect">
             <a:avLst/>
           </a:prstGeom>
         </p:spPr>
         <p:txBody>
-          <a:bodyPr vert="horz" lIns="91440" tIns="45720" rIns="91440" bIns="45720" rtlCol="0" anchor="ctr"/>
+          <a:bodyPr vert="horz" lIns="91440" tIns="45720" rIns="91440" bIns="45720" rtlCol="0" anchor="t"/>
           <a:lstStyle>
             <a:lvl1pPr algn="l">
-              <a:defRPr sz="1200">
-                <a:solidFill>
-                  <a:schemeClr val="tx1">
-                    <a:tint val="75000"/>
+              <a:defRPr sz="1000" b="0" i="0">
+                <a:solidFill>
+                  <a:schemeClr val="bg2">
+                    <a:lumMod val="50000"/>
                   </a:schemeClr>
                 </a:solidFill>
+                <a:effectLst/>
+                <a:latin typeface="+mn-lt"/>
               </a:defRPr>
             </a:lvl1pPr>
           </a:lstStyle>
           <a:p>
-            <a:fld id="{7E8FA5E9-F974-492B-BC1A-0FF2A36BEC7D}" type="datetimeFigureOut">
-              <a:rPr lang="it-IT" smtClean="0"/>
-              <a:t>05/12/2023</a:t>
-            </a:fld>
             <a:endParaRPr lang="it-IT"/>
           </a:p>
         </p:txBody>
       </p:sp>
       <p:sp>
         <p:nvSpPr>
-          <p:cNvPr id="5" name="Footer Placeholder 4"/>
-          <p:cNvSpPr>
-            <a:spLocks noGrp="1"/>
-          </p:cNvSpPr>
-          <p:nvPr>
-            <p:ph type="ftr" sz="quarter" idx="3"/>
+          <p:cNvPr id="6" name="Slide Number Placeholder 5"/>
+          <p:cNvSpPr>
+            <a:spLocks noGrp="1"/>
+          </p:cNvSpPr>
+          <p:nvPr>
+            <p:ph type="sldNum" sz="quarter" idx="4"/>
           </p:nvPr>
         </p:nvSpPr>
         <p:spPr>
           <a:xfrm>
-            <a:off x="3028950" y="6356351"/>
-            <a:ext cx="3086100" cy="365125"/>
+            <a:off x="7774426" y="5578478"/>
+            <a:ext cx="856907" cy="669925"/>
           </a:xfrm>
           <a:prstGeom prst="rect">
             <a:avLst/>
           </a:prstGeom>
         </p:spPr>
         <p:txBody>
-          <a:bodyPr vert="horz" lIns="91440" tIns="45720" rIns="91440" bIns="45720" rtlCol="0" anchor="ctr"/>
-          <a:lstStyle>
-            <a:lvl1pPr algn="ctr">
-              <a:defRPr sz="1200">
-                <a:solidFill>
-                  <a:schemeClr val="tx1">
-                    <a:tint val="75000"/>
-                  </a:schemeClr>
-                </a:solidFill>
-              </a:defRPr>
-            </a:lvl1pPr>
-          </a:lstStyle>
-          <a:p>
-            <a:endParaRPr lang="it-IT"/>
-          </a:p>
-        </p:txBody>
-      </p:sp>
-      <p:sp>
-        <p:nvSpPr>
-          <p:cNvPr id="6" name="Slide Number Placeholder 5"/>
-          <p:cNvSpPr>
-            <a:spLocks noGrp="1"/>
-          </p:cNvSpPr>
-          <p:nvPr>
-            <p:ph type="sldNum" sz="quarter" idx="4"/>
-          </p:nvPr>
-        </p:nvSpPr>
-        <p:spPr>
-          <a:xfrm>
-            <a:off x="6457950" y="6356351"/>
-            <a:ext cx="2057400" cy="365125"/>
-          </a:xfrm>
-          <a:prstGeom prst="rect">
-            <a:avLst/>
-          </a:prstGeom>
-        </p:spPr>
-        <p:txBody>
-          <a:bodyPr vert="horz" lIns="91440" tIns="45720" rIns="91440" bIns="45720" rtlCol="0" anchor="ctr"/>
+          <a:bodyPr vert="horz" lIns="91440" tIns="45720" rIns="91440" bIns="45720" rtlCol="0" anchor="b"/>
           <a:lstStyle>
             <a:lvl1pPr algn="r">
-              <a:defRPr sz="1200">
-                <a:solidFill>
-                  <a:schemeClr val="tx1">
-                    <a:tint val="75000"/>
+              <a:defRPr sz="2800" b="0" i="0">
+                <a:solidFill>
+                  <a:schemeClr val="bg2">
+                    <a:lumMod val="50000"/>
                   </a:schemeClr>
                 </a:solidFill>
+                <a:effectLst/>
+                <a:latin typeface="+mn-lt"/>
               </a:defRPr>
             </a:lvl1pPr>
           </a:lstStyle>
@@ -2673,202 +5328,328 @@
     </p:spTree>
     <p:extLst>
       <p:ext uri="{BB962C8B-B14F-4D97-AF65-F5344CB8AC3E}">
-        <p14:creationId xmlns:p14="http://schemas.microsoft.com/office/powerpoint/2010/main" val="2658413820"/>
+        <p14:creationId xmlns:p14="http://schemas.microsoft.com/office/powerpoint/2010/main" val="2276932407"/>
       </p:ext>
     </p:extLst>
   </p:cSld>
-  <p:clrMap bg1="lt1" tx1="dk1" bg2="lt2" tx2="dk2" accent1="accent1" accent2="accent2" accent3="accent3" accent4="accent4" accent5="accent5" accent6="accent6" hlink="hlink" folHlink="folHlink"/>
+  <p:clrMap bg1="dk1" tx1="lt1" bg2="dk2" tx2="lt2" accent1="accent1" accent2="accent2" accent3="accent3" accent4="accent4" accent5="accent5" accent6="accent6" hlink="hlink" folHlink="folHlink"/>
   <p:sldLayoutIdLst>
-    <p:sldLayoutId id="2147483661" r:id="rId1"/>
-    <p:sldLayoutId id="2147483662" r:id="rId2"/>
-    <p:sldLayoutId id="2147483663" r:id="rId3"/>
-    <p:sldLayoutId id="2147483664" r:id="rId4"/>
-    <p:sldLayoutId id="2147483665" r:id="rId5"/>
-    <p:sldLayoutId id="2147483666" r:id="rId6"/>
-    <p:sldLayoutId id="2147483667" r:id="rId7"/>
-    <p:sldLayoutId id="2147483668" r:id="rId8"/>
-    <p:sldLayoutId id="2147483669" r:id="rId9"/>
-    <p:sldLayoutId id="2147483670" r:id="rId10"/>
-    <p:sldLayoutId id="2147483671" r:id="rId11"/>
+    <p:sldLayoutId id="2147483673" r:id="rId1"/>
+    <p:sldLayoutId id="2147483674" r:id="rId2"/>
+    <p:sldLayoutId id="2147483675" r:id="rId3"/>
+    <p:sldLayoutId id="2147483676" r:id="rId4"/>
+    <p:sldLayoutId id="2147483677" r:id="rId5"/>
+    <p:sldLayoutId id="2147483678" r:id="rId6"/>
+    <p:sldLayoutId id="2147483679" r:id="rId7"/>
+    <p:sldLayoutId id="2147483680" r:id="rId8"/>
+    <p:sldLayoutId id="2147483681" r:id="rId9"/>
+    <p:sldLayoutId id="2147483682" r:id="rId10"/>
+    <p:sldLayoutId id="2147483683" r:id="rId11"/>
+    <p:sldLayoutId id="2147483684" r:id="rId12"/>
+    <p:sldLayoutId id="2147483685" r:id="rId13"/>
+    <p:sldLayoutId id="2147483686" r:id="rId14"/>
+    <p:sldLayoutId id="2147483687" r:id="rId15"/>
+    <p:sldLayoutId id="2147483688" r:id="rId16"/>
+    <p:sldLayoutId id="2147483689" r:id="rId17"/>
   </p:sldLayoutIdLst>
   <p:txStyles>
     <p:titleStyle>
-      <a:lvl1pPr algn="l" defTabSz="914400" rtl="0" eaLnBrk="1" latinLnBrk="0" hangingPunct="1">
-        <a:lnSpc>
-          <a:spcPct val="90000"/>
-        </a:lnSpc>
+      <a:lvl1pPr algn="l" defTabSz="457200" rtl="0" eaLnBrk="1" latinLnBrk="0" hangingPunct="1">
         <a:spcBef>
           <a:spcPct val="0"/>
         </a:spcBef>
         <a:buNone/>
-        <a:defRPr sz="4400" kern="1200">
+        <a:defRPr sz="3200" kern="1200" cap="all">
+          <a:ln w="3175" cmpd="sng">
+            <a:noFill/>
+          </a:ln>
           <a:solidFill>
             <a:schemeClr val="tx1"/>
           </a:solidFill>
+          <a:effectLst/>
           <a:latin typeface="+mj-lt"/>
           <a:ea typeface="+mj-ea"/>
           <a:cs typeface="+mj-cs"/>
         </a:defRPr>
       </a:lvl1pPr>
+      <a:lvl2pPr eaLnBrk="1" hangingPunct="1">
+        <a:defRPr>
+          <a:solidFill>
+            <a:schemeClr val="tx2"/>
+          </a:solidFill>
+        </a:defRPr>
+      </a:lvl2pPr>
+      <a:lvl3pPr eaLnBrk="1" hangingPunct="1">
+        <a:defRPr>
+          <a:solidFill>
+            <a:schemeClr val="tx2"/>
+          </a:solidFill>
+        </a:defRPr>
+      </a:lvl3pPr>
+      <a:lvl4pPr eaLnBrk="1" hangingPunct="1">
+        <a:defRPr>
+          <a:solidFill>
+            <a:schemeClr val="tx2"/>
+          </a:solidFill>
+        </a:defRPr>
+      </a:lvl4pPr>
+      <a:lvl5pPr eaLnBrk="1" hangingPunct="1">
+        <a:defRPr>
+          <a:solidFill>
+            <a:schemeClr val="tx2"/>
+          </a:solidFill>
+        </a:defRPr>
+      </a:lvl5pPr>
+      <a:lvl6pPr eaLnBrk="1" hangingPunct="1">
+        <a:defRPr>
+          <a:solidFill>
+            <a:schemeClr val="tx2"/>
+          </a:solidFill>
+        </a:defRPr>
+      </a:lvl6pPr>
+      <a:lvl7pPr eaLnBrk="1" hangingPunct="1">
+        <a:defRPr>
+          <a:solidFill>
+            <a:schemeClr val="tx2"/>
+          </a:solidFill>
+        </a:defRPr>
+      </a:lvl7pPr>
+      <a:lvl8pPr eaLnBrk="1" hangingPunct="1">
+        <a:defRPr>
+          <a:solidFill>
+            <a:schemeClr val="tx2"/>
+          </a:solidFill>
+        </a:defRPr>
+      </a:lvl8pPr>
+      <a:lvl9pPr eaLnBrk="1" hangingPunct="1">
+        <a:defRPr>
+          <a:solidFill>
+            <a:schemeClr val="tx2"/>
+          </a:solidFill>
+        </a:defRPr>
+      </a:lvl9pPr>
     </p:titleStyle>
     <p:bodyStyle>
-      <a:lvl1pPr marL="228600" indent="-228600" algn="l" defTabSz="914400" rtl="0" eaLnBrk="1" latinLnBrk="0" hangingPunct="1">
-        <a:lnSpc>
-          <a:spcPct val="90000"/>
-        </a:lnSpc>
+      <a:lvl1pPr marL="285750" indent="-285750" algn="l" defTabSz="457200" rtl="0" eaLnBrk="1" latinLnBrk="0" hangingPunct="1">
         <a:spcBef>
-          <a:spcPts val="1000"/>
+          <a:spcPct val="20000"/>
         </a:spcBef>
-        <a:buFont typeface="Arial" panose="020B0604020202020204" pitchFamily="34" charset="0"/>
-        <a:buChar char="•"/>
-        <a:defRPr sz="2800" kern="1200">
+        <a:spcAft>
+          <a:spcPts val="600"/>
+        </a:spcAft>
+        <a:buClr>
+          <a:schemeClr val="tx1"/>
+        </a:buClr>
+        <a:buSzPct val="80000"/>
+        <a:buFont typeface="Wingdings 3" panose="05040102010807070707" pitchFamily="18" charset="2"/>
+        <a:buChar char=""/>
+        <a:defRPr sz="2000" kern="1200" cap="none">
           <a:solidFill>
-            <a:schemeClr val="tx1"/>
+            <a:schemeClr val="bg2">
+              <a:lumMod val="75000"/>
+            </a:schemeClr>
           </a:solidFill>
+          <a:effectLst/>
           <a:latin typeface="+mn-lt"/>
           <a:ea typeface="+mn-ea"/>
           <a:cs typeface="+mn-cs"/>
         </a:defRPr>
       </a:lvl1pPr>
-      <a:lvl2pPr marL="685800" indent="-228600" algn="l" defTabSz="914400" rtl="0" eaLnBrk="1" latinLnBrk="0" hangingPunct="1">
-        <a:lnSpc>
-          <a:spcPct val="90000"/>
-        </a:lnSpc>
+      <a:lvl2pPr marL="742950" indent="-285750" algn="l" defTabSz="457200" rtl="0" eaLnBrk="1" latinLnBrk="0" hangingPunct="1">
         <a:spcBef>
-          <a:spcPts val="500"/>
+          <a:spcPct val="20000"/>
         </a:spcBef>
-        <a:buFont typeface="Arial" panose="020B0604020202020204" pitchFamily="34" charset="0"/>
-        <a:buChar char="•"/>
-        <a:defRPr sz="2400" kern="1200">
+        <a:spcAft>
+          <a:spcPts val="600"/>
+        </a:spcAft>
+        <a:buClr>
+          <a:schemeClr val="tx1"/>
+        </a:buClr>
+        <a:buSzPct val="80000"/>
+        <a:buFont typeface="Wingdings 3" panose="05040102010807070707" pitchFamily="18" charset="2"/>
+        <a:buChar char=""/>
+        <a:defRPr sz="1800" kern="1200" cap="none">
           <a:solidFill>
-            <a:schemeClr val="tx1"/>
+            <a:schemeClr val="bg2">
+              <a:lumMod val="75000"/>
+            </a:schemeClr>
           </a:solidFill>
+          <a:effectLst/>
           <a:latin typeface="+mn-lt"/>
           <a:ea typeface="+mn-ea"/>
           <a:cs typeface="+mn-cs"/>
         </a:defRPr>
       </a:lvl2pPr>
-      <a:lvl3pPr marL="1143000" indent="-228600" algn="l" defTabSz="914400" rtl="0" eaLnBrk="1" latinLnBrk="0" hangingPunct="1">
-        <a:lnSpc>
-          <a:spcPct val="90000"/>
-        </a:lnSpc>
+      <a:lvl3pPr marL="1200150" indent="-285750" algn="l" defTabSz="457200" rtl="0" eaLnBrk="1" latinLnBrk="0" hangingPunct="1">
         <a:spcBef>
-          <a:spcPts val="500"/>
+          <a:spcPct val="20000"/>
         </a:spcBef>
-        <a:buFont typeface="Arial" panose="020B0604020202020204" pitchFamily="34" charset="0"/>
-        <a:buChar char="•"/>
-        <a:defRPr sz="2000" kern="1200">
+        <a:spcAft>
+          <a:spcPts val="600"/>
+        </a:spcAft>
+        <a:buClr>
+          <a:schemeClr val="tx1"/>
+        </a:buClr>
+        <a:buSzPct val="80000"/>
+        <a:buFont typeface="Wingdings 3" panose="05040102010807070707" pitchFamily="18" charset="2"/>
+        <a:buChar char=""/>
+        <a:defRPr sz="1600" kern="1200" cap="none">
           <a:solidFill>
-            <a:schemeClr val="tx1"/>
+            <a:schemeClr val="bg2">
+              <a:lumMod val="75000"/>
+            </a:schemeClr>
           </a:solidFill>
+          <a:effectLst/>
           <a:latin typeface="+mn-lt"/>
           <a:ea typeface="+mn-ea"/>
           <a:cs typeface="+mn-cs"/>
         </a:defRPr>
       </a:lvl3pPr>
-      <a:lvl4pPr marL="1600200" indent="-228600" algn="l" defTabSz="914400" rtl="0" eaLnBrk="1" latinLnBrk="0" hangingPunct="1">
-        <a:lnSpc>
-          <a:spcPct val="90000"/>
-        </a:lnSpc>
+      <a:lvl4pPr marL="1543050" indent="-171450" algn="l" defTabSz="457200" rtl="0" eaLnBrk="1" latinLnBrk="0" hangingPunct="1">
         <a:spcBef>
-          <a:spcPts val="500"/>
+          <a:spcPct val="20000"/>
         </a:spcBef>
-        <a:buFont typeface="Arial" panose="020B0604020202020204" pitchFamily="34" charset="0"/>
-        <a:buChar char="•"/>
-        <a:defRPr sz="1800" kern="1200">
+        <a:spcAft>
+          <a:spcPts val="600"/>
+        </a:spcAft>
+        <a:buClr>
+          <a:schemeClr val="tx1"/>
+        </a:buClr>
+        <a:buSzPct val="80000"/>
+        <a:buFont typeface="Wingdings 3" panose="05040102010807070707" pitchFamily="18" charset="2"/>
+        <a:buChar char=""/>
+        <a:defRPr sz="1400" kern="1200" cap="none">
           <a:solidFill>
-            <a:schemeClr val="tx1"/>
+            <a:schemeClr val="bg2">
+              <a:lumMod val="75000"/>
+            </a:schemeClr>
           </a:solidFill>
+          <a:effectLst/>
           <a:latin typeface="+mn-lt"/>
           <a:ea typeface="+mn-ea"/>
           <a:cs typeface="+mn-cs"/>
         </a:defRPr>
       </a:lvl4pPr>
-      <a:lvl5pPr marL="2057400" indent="-228600" algn="l" defTabSz="914400" rtl="0" eaLnBrk="1" latinLnBrk="0" hangingPunct="1">
-        <a:lnSpc>
-          <a:spcPct val="90000"/>
-        </a:lnSpc>
+      <a:lvl5pPr marL="2000250" indent="-171450" algn="l" defTabSz="457200" rtl="0" eaLnBrk="1" latinLnBrk="0" hangingPunct="1">
         <a:spcBef>
-          <a:spcPts val="500"/>
+          <a:spcPct val="20000"/>
         </a:spcBef>
-        <a:buFont typeface="Arial" panose="020B0604020202020204" pitchFamily="34" charset="0"/>
-        <a:buChar char="•"/>
-        <a:defRPr sz="1800" kern="1200">
+        <a:spcAft>
+          <a:spcPts val="600"/>
+        </a:spcAft>
+        <a:buClr>
+          <a:schemeClr val="tx1"/>
+        </a:buClr>
+        <a:buSzPct val="80000"/>
+        <a:buFont typeface="Wingdings 3" panose="05040102010807070707" pitchFamily="18" charset="2"/>
+        <a:buChar char=""/>
+        <a:defRPr sz="1400" kern="1200" cap="none">
           <a:solidFill>
-            <a:schemeClr val="tx1"/>
+            <a:schemeClr val="bg2">
+              <a:lumMod val="75000"/>
+            </a:schemeClr>
           </a:solidFill>
+          <a:effectLst/>
           <a:latin typeface="+mn-lt"/>
           <a:ea typeface="+mn-ea"/>
           <a:cs typeface="+mn-cs"/>
         </a:defRPr>
       </a:lvl5pPr>
-      <a:lvl6pPr marL="2514600" indent="-228600" algn="l" defTabSz="914400" rtl="0" eaLnBrk="1" latinLnBrk="0" hangingPunct="1">
-        <a:lnSpc>
-          <a:spcPct val="90000"/>
-        </a:lnSpc>
+      <a:lvl6pPr marL="2514600" indent="-228600" algn="l" defTabSz="457200" rtl="0" eaLnBrk="1" latinLnBrk="0" hangingPunct="1">
         <a:spcBef>
-          <a:spcPts val="500"/>
+          <a:spcPct val="20000"/>
         </a:spcBef>
-        <a:buFont typeface="Arial" panose="020B0604020202020204" pitchFamily="34" charset="0"/>
-        <a:buChar char="•"/>
-        <a:defRPr sz="1800" kern="1200">
+        <a:spcAft>
+          <a:spcPts val="600"/>
+        </a:spcAft>
+        <a:buClr>
+          <a:schemeClr val="tx1"/>
+        </a:buClr>
+        <a:buSzPct val="80000"/>
+        <a:buFont typeface="Wingdings 3" panose="05040102010807070707" pitchFamily="18" charset="2"/>
+        <a:buChar char=""/>
+        <a:defRPr sz="1400" kern="1200" cap="none">
           <a:solidFill>
-            <a:schemeClr val="tx1"/>
+            <a:schemeClr val="bg2">
+              <a:lumMod val="75000"/>
+            </a:schemeClr>
           </a:solidFill>
+          <a:effectLst/>
           <a:latin typeface="+mn-lt"/>
           <a:ea typeface="+mn-ea"/>
           <a:cs typeface="+mn-cs"/>
         </a:defRPr>
       </a:lvl6pPr>
-      <a:lvl7pPr marL="2971800" indent="-228600" algn="l" defTabSz="914400" rtl="0" eaLnBrk="1" latinLnBrk="0" hangingPunct="1">
-        <a:lnSpc>
-          <a:spcPct val="90000"/>
-        </a:lnSpc>
+      <a:lvl7pPr marL="2971800" indent="-228600" algn="l" defTabSz="457200" rtl="0" eaLnBrk="1" latinLnBrk="0" hangingPunct="1">
         <a:spcBef>
-          <a:spcPts val="500"/>
+          <a:spcPct val="20000"/>
         </a:spcBef>
-        <a:buFont typeface="Arial" panose="020B0604020202020204" pitchFamily="34" charset="0"/>
-        <a:buChar char="•"/>
-        <a:defRPr sz="1800" kern="1200">
+        <a:spcAft>
+          <a:spcPts val="600"/>
+        </a:spcAft>
+        <a:buClr>
+          <a:schemeClr val="tx1"/>
+        </a:buClr>
+        <a:buSzPct val="80000"/>
+        <a:buFont typeface="Wingdings 3" panose="05040102010807070707" pitchFamily="18" charset="2"/>
+        <a:buChar char=""/>
+        <a:defRPr sz="1400" kern="1200" cap="none">
           <a:solidFill>
-            <a:schemeClr val="tx1"/>
+            <a:schemeClr val="bg2">
+              <a:lumMod val="75000"/>
+            </a:schemeClr>
           </a:solidFill>
+          <a:effectLst/>
           <a:latin typeface="+mn-lt"/>
           <a:ea typeface="+mn-ea"/>
           <a:cs typeface="+mn-cs"/>
         </a:defRPr>
       </a:lvl7pPr>
-      <a:lvl8pPr marL="3429000" indent="-228600" algn="l" defTabSz="914400" rtl="0" eaLnBrk="1" latinLnBrk="0" hangingPunct="1">
-        <a:lnSpc>
-          <a:spcPct val="90000"/>
-        </a:lnSpc>
+      <a:lvl8pPr marL="3429000" indent="-228600" algn="l" defTabSz="457200" rtl="0" eaLnBrk="1" latinLnBrk="0" hangingPunct="1">
         <a:spcBef>
-          <a:spcPts val="500"/>
+          <a:spcPct val="20000"/>
         </a:spcBef>
-        <a:buFont typeface="Arial" panose="020B0604020202020204" pitchFamily="34" charset="0"/>
-        <a:buChar char="•"/>
-        <a:defRPr sz="1800" kern="1200">
+        <a:spcAft>
+          <a:spcPts val="600"/>
+        </a:spcAft>
+        <a:buClr>
+          <a:schemeClr val="tx1"/>
+        </a:buClr>
+        <a:buSzPct val="80000"/>
+        <a:buFont typeface="Wingdings 3" panose="05040102010807070707" pitchFamily="18" charset="2"/>
+        <a:buChar char=""/>
+        <a:defRPr sz="1400" kern="1200" cap="none">
           <a:solidFill>
-            <a:schemeClr val="tx1"/>
+            <a:schemeClr val="bg2">
+              <a:lumMod val="75000"/>
+            </a:schemeClr>
           </a:solidFill>
+          <a:effectLst/>
           <a:latin typeface="+mn-lt"/>
           <a:ea typeface="+mn-ea"/>
           <a:cs typeface="+mn-cs"/>
         </a:defRPr>
       </a:lvl8pPr>
-      <a:lvl9pPr marL="3886200" indent="-228600" algn="l" defTabSz="914400" rtl="0" eaLnBrk="1" latinLnBrk="0" hangingPunct="1">
-        <a:lnSpc>
-          <a:spcPct val="90000"/>
-        </a:lnSpc>
+      <a:lvl9pPr marL="3886200" indent="-228600" algn="l" defTabSz="457200" rtl="0" eaLnBrk="1" latinLnBrk="0" hangingPunct="1">
         <a:spcBef>
-          <a:spcPts val="500"/>
+          <a:spcPct val="20000"/>
         </a:spcBef>
-        <a:buFont typeface="Arial" panose="020B0604020202020204" pitchFamily="34" charset="0"/>
-        <a:buChar char="•"/>
-        <a:defRPr sz="1800" kern="1200">
+        <a:spcAft>
+          <a:spcPts val="600"/>
+        </a:spcAft>
+        <a:buClr>
+          <a:schemeClr val="tx1"/>
+        </a:buClr>
+        <a:buSzPct val="80000"/>
+        <a:buFont typeface="Wingdings 3" panose="05040102010807070707" pitchFamily="18" charset="2"/>
+        <a:buChar char=""/>
+        <a:defRPr sz="1400" kern="1200" cap="none">
           <a:solidFill>
-            <a:schemeClr val="tx1"/>
+            <a:schemeClr val="bg2">
+              <a:lumMod val="75000"/>
+            </a:schemeClr>
           </a:solidFill>
+          <a:effectLst/>
           <a:latin typeface="+mn-lt"/>
           <a:ea typeface="+mn-ea"/>
           <a:cs typeface="+mn-cs"/>
@@ -2879,7 +5660,7 @@
       <a:defPPr>
         <a:defRPr lang="en-US"/>
       </a:defPPr>
-      <a:lvl1pPr marL="0" algn="l" defTabSz="914400" rtl="0" eaLnBrk="1" latinLnBrk="0" hangingPunct="1">
+      <a:lvl1pPr marL="0" algn="l" defTabSz="457200" rtl="0" eaLnBrk="1" latinLnBrk="0" hangingPunct="1">
         <a:defRPr sz="1800" kern="1200">
           <a:solidFill>
             <a:schemeClr val="tx1"/>
@@ -2889,7 +5670,7 @@
           <a:cs typeface="+mn-cs"/>
         </a:defRPr>
       </a:lvl1pPr>
-      <a:lvl2pPr marL="457200" algn="l" defTabSz="914400" rtl="0" eaLnBrk="1" latinLnBrk="0" hangingPunct="1">
+      <a:lvl2pPr marL="457200" algn="l" defTabSz="457200" rtl="0" eaLnBrk="1" latinLnBrk="0" hangingPunct="1">
         <a:defRPr sz="1800" kern="1200">
           <a:solidFill>
             <a:schemeClr val="tx1"/>
@@ -2899,7 +5680,7 @@
           <a:cs typeface="+mn-cs"/>
         </a:defRPr>
       </a:lvl2pPr>
-      <a:lvl3pPr marL="914400" algn="l" defTabSz="914400" rtl="0" eaLnBrk="1" latinLnBrk="0" hangingPunct="1">
+      <a:lvl3pPr marL="914400" algn="l" defTabSz="457200" rtl="0" eaLnBrk="1" latinLnBrk="0" hangingPunct="1">
         <a:defRPr sz="1800" kern="1200">
           <a:solidFill>
             <a:schemeClr val="tx1"/>
@@ -2909,7 +5690,7 @@
           <a:cs typeface="+mn-cs"/>
         </a:defRPr>
       </a:lvl3pPr>
-      <a:lvl4pPr marL="1371600" algn="l" defTabSz="914400" rtl="0" eaLnBrk="1" latinLnBrk="0" hangingPunct="1">
+      <a:lvl4pPr marL="1371600" algn="l" defTabSz="457200" rtl="0" eaLnBrk="1" latinLnBrk="0" hangingPunct="1">
         <a:defRPr sz="1800" kern="1200">
           <a:solidFill>
             <a:schemeClr val="tx1"/>
@@ -2919,7 +5700,7 @@
           <a:cs typeface="+mn-cs"/>
         </a:defRPr>
       </a:lvl4pPr>
-      <a:lvl5pPr marL="1828800" algn="l" defTabSz="914400" rtl="0" eaLnBrk="1" latinLnBrk="0" hangingPunct="1">
+      <a:lvl5pPr marL="1828800" algn="l" defTabSz="457200" rtl="0" eaLnBrk="1" latinLnBrk="0" hangingPunct="1">
         <a:defRPr sz="1800" kern="1200">
           <a:solidFill>
             <a:schemeClr val="tx1"/>
@@ -2929,7 +5710,7 @@
           <a:cs typeface="+mn-cs"/>
         </a:defRPr>
       </a:lvl5pPr>
-      <a:lvl6pPr marL="2286000" algn="l" defTabSz="914400" rtl="0" eaLnBrk="1" latinLnBrk="0" hangingPunct="1">
+      <a:lvl6pPr marL="2286000" algn="l" defTabSz="457200" rtl="0" eaLnBrk="1" latinLnBrk="0" hangingPunct="1">
         <a:defRPr sz="1800" kern="1200">
           <a:solidFill>
             <a:schemeClr val="tx1"/>
@@ -2939,7 +5720,7 @@
           <a:cs typeface="+mn-cs"/>
         </a:defRPr>
       </a:lvl6pPr>
-      <a:lvl7pPr marL="2743200" algn="l" defTabSz="914400" rtl="0" eaLnBrk="1" latinLnBrk="0" hangingPunct="1">
+      <a:lvl7pPr marL="2743200" algn="l" defTabSz="457200" rtl="0" eaLnBrk="1" latinLnBrk="0" hangingPunct="1">
         <a:defRPr sz="1800" kern="1200">
           <a:solidFill>
             <a:schemeClr val="tx1"/>
@@ -2949,7 +5730,7 @@
           <a:cs typeface="+mn-cs"/>
         </a:defRPr>
       </a:lvl7pPr>
-      <a:lvl8pPr marL="3200400" algn="l" defTabSz="914400" rtl="0" eaLnBrk="1" latinLnBrk="0" hangingPunct="1">
+      <a:lvl8pPr marL="3200400" algn="l" defTabSz="457200" rtl="0" eaLnBrk="1" latinLnBrk="0" hangingPunct="1">
         <a:defRPr sz="1800" kern="1200">
           <a:solidFill>
             <a:schemeClr val="tx1"/>
@@ -2959,7 +5740,7 @@
           <a:cs typeface="+mn-cs"/>
         </a:defRPr>
       </a:lvl8pPr>
-      <a:lvl9pPr marL="3657600" algn="l" defTabSz="914400" rtl="0" eaLnBrk="1" latinLnBrk="0" hangingPunct="1">
+      <a:lvl9pPr marL="3657600" algn="l" defTabSz="457200" rtl="0" eaLnBrk="1" latinLnBrk="0" hangingPunct="1">
         <a:defRPr sz="1800" kern="1200">
           <a:solidFill>
             <a:schemeClr val="tx1"/>
@@ -2991,71 +5772,12 @@
           <a:chExt cx="0" cy="0"/>
         </a:xfrm>
       </p:grpSpPr>
-      <p:sp>
-        <p:nvSpPr>
-          <p:cNvPr id="3" name="Sottotitolo 2">
+      <p:pic>
+        <p:nvPicPr>
+          <p:cNvPr id="4" name="Immagine 3">
             <a:extLst>
               <a:ext uri="{FF2B5EF4-FFF2-40B4-BE49-F238E27FC236}">
-                <a16:creationId xmlns:a16="http://schemas.microsoft.com/office/drawing/2014/main" id="{A1E84230-D50F-79BE-DC4B-08C791FC830C}"/>
-              </a:ext>
-            </a:extLst>
-          </p:cNvPr>
-          <p:cNvSpPr>
-            <a:spLocks noGrp="1"/>
-          </p:cNvSpPr>
-          <p:nvPr>
-            <p:ph type="subTitle" idx="1"/>
-          </p:nvPr>
-        </p:nvSpPr>
-        <p:spPr>
-          <a:xfrm>
-            <a:off x="1732374" y="3602038"/>
-            <a:ext cx="5679252" cy="1655762"/>
-          </a:xfrm>
-        </p:spPr>
-        <p:txBody>
-          <a:bodyPr>
-            <a:normAutofit/>
-          </a:bodyPr>
-          <a:lstStyle/>
-          <a:p>
-            <a:pPr algn="l"/>
-            <a:r>
-              <a:rPr lang="it-IT" sz="2000">
-                <a:solidFill>
-                  <a:schemeClr val="tx1">
-                    <a:lumMod val="65000"/>
-                    <a:lumOff val="35000"/>
-                  </a:schemeClr>
-                </a:solidFill>
-                <a:latin typeface="Formula1 Display Regular" panose="02000000000000000000" pitchFamily="50" charset="0"/>
-              </a:rPr>
-              <a:t>Christian Marchiori</a:t>
-            </a:r>
-          </a:p>
-          <a:p>
-            <a:pPr algn="l"/>
-            <a:r>
-              <a:rPr lang="it-IT" sz="2000">
-                <a:solidFill>
-                  <a:schemeClr val="tx1">
-                    <a:lumMod val="65000"/>
-                    <a:lumOff val="35000"/>
-                  </a:schemeClr>
-                </a:solidFill>
-                <a:latin typeface="Formula1 Display Regular" panose="02000000000000000000" pitchFamily="50" charset="0"/>
-              </a:rPr>
-              <a:t>Fabio Zanini</a:t>
-            </a:r>
-          </a:p>
-        </p:txBody>
-      </p:sp>
-      <p:pic>
-        <p:nvPicPr>
-          <p:cNvPr id="5" name="Immagine 4" descr="Immagine che contiene testo, Elementi grafici, grafica, Carattere&#10;&#10;Descrizione generata automaticamente">
-            <a:extLst>
-              <a:ext uri="{FF2B5EF4-FFF2-40B4-BE49-F238E27FC236}">
-                <a16:creationId xmlns:a16="http://schemas.microsoft.com/office/drawing/2014/main" id="{B2CC0B81-2715-3803-6771-25D99451E322}"/>
+                <a16:creationId xmlns:a16="http://schemas.microsoft.com/office/drawing/2014/main" id="{7EB8B897-AD95-0CA2-055F-4158D4F80F4D}"/>
               </a:ext>
             </a:extLst>
           </p:cNvPr>
@@ -3065,30 +5787,15 @@
           <p:nvPr/>
         </p:nvPicPr>
         <p:blipFill>
-          <a:blip r:embed="rId2">
-            <a:extLst>
-              <a:ext uri="{BEBA8EAE-BF5A-486C-A8C5-ECC9F3942E4B}">
-                <a14:imgProps xmlns:a14="http://schemas.microsoft.com/office/drawing/2010/main">
-                  <a14:imgLayer r:embed="rId3">
-                    <a14:imgEffect>
-                      <a14:brightnessContrast bright="99000"/>
-                    </a14:imgEffect>
-                  </a14:imgLayer>
-                </a14:imgProps>
-              </a:ext>
-              <a:ext uri="{28A0092B-C50C-407E-A947-70E740481C1C}">
-                <a14:useLocalDpi xmlns:a14="http://schemas.microsoft.com/office/drawing/2010/main" val="0"/>
-              </a:ext>
-            </a:extLst>
-          </a:blip>
+          <a:blip r:embed="rId2"/>
           <a:stretch>
             <a:fillRect/>
           </a:stretch>
         </p:blipFill>
         <p:spPr>
           <a:xfrm>
-            <a:off x="1732374" y="2577340"/>
-            <a:ext cx="5679252" cy="851660"/>
+            <a:off x="1651763" y="2953471"/>
+            <a:ext cx="5791702" cy="951058"/>
           </a:xfrm>
           <a:prstGeom prst="rect">
             <a:avLst/>
@@ -3097,10 +5804,10 @@
       </p:pic>
       <p:pic>
         <p:nvPicPr>
-          <p:cNvPr id="9" name="Immagine 8" descr="Immagine che contiene testo, Carattere, logo, schermata&#10;&#10;Descrizione generata automaticamente">
+          <p:cNvPr id="6" name="Immagine 5">
             <a:extLst>
               <a:ext uri="{FF2B5EF4-FFF2-40B4-BE49-F238E27FC236}">
-                <a16:creationId xmlns:a16="http://schemas.microsoft.com/office/drawing/2014/main" id="{602275EA-0956-9148-B6C0-EC0574CCC4D7}"/>
+                <a16:creationId xmlns:a16="http://schemas.microsoft.com/office/drawing/2014/main" id="{80BBDE9D-9758-EA89-2A42-A88B4BC02C29}"/>
               </a:ext>
             </a:extLst>
           </p:cNvPr>
@@ -3110,57 +5817,55 @@
           <p:nvPr/>
         </p:nvPicPr>
         <p:blipFill>
-          <a:blip r:embed="rId4">
-            <a:extLst>
-              <a:ext uri="{BEBA8EAE-BF5A-486C-A8C5-ECC9F3942E4B}">
-                <a14:imgProps xmlns:a14="http://schemas.microsoft.com/office/drawing/2010/main">
-                  <a14:imgLayer r:embed="rId5">
-                    <a14:imgEffect>
-                      <a14:brightnessContrast bright="15000" contrast="50000"/>
-                    </a14:imgEffect>
-                  </a14:imgLayer>
-                </a14:imgProps>
-              </a:ext>
-              <a:ext uri="{28A0092B-C50C-407E-A947-70E740481C1C}">
-                <a14:useLocalDpi xmlns:a14="http://schemas.microsoft.com/office/drawing/2010/main" val="0"/>
-              </a:ext>
-            </a:extLst>
-          </a:blip>
+          <a:blip r:embed="rId3"/>
           <a:stretch>
             <a:fillRect/>
           </a:stretch>
         </p:blipFill>
         <p:spPr>
           <a:xfrm>
-            <a:off x="3173980" y="134873"/>
-            <a:ext cx="2796039" cy="809666"/>
+            <a:off x="1651763" y="3904529"/>
+            <a:ext cx="5742930" cy="1688738"/>
           </a:xfrm>
           <a:prstGeom prst="rect">
             <a:avLst/>
           </a:prstGeom>
-          <a:noFill/>
-          <a:ln>
-            <a:noFill/>
-          </a:ln>
-          <a:effectLst>
-            <a:glow rad="1905000">
-              <a:schemeClr val="bg1">
-                <a:alpha val="36000"/>
-              </a:schemeClr>
-            </a:glow>
-            <a:outerShdw blurRad="50800" dist="50800" dir="5400000" algn="ctr" rotWithShape="0">
-              <a:srgbClr val="000000">
-                <a:alpha val="0"/>
-              </a:srgbClr>
-            </a:outerShdw>
-            <a:softEdge rad="0"/>
-          </a:effectLst>
+        </p:spPr>
+      </p:pic>
+      <p:pic>
+        <p:nvPicPr>
+          <p:cNvPr id="7" name="Immagine 6">
+            <a:extLst>
+              <a:ext uri="{FF2B5EF4-FFF2-40B4-BE49-F238E27FC236}">
+                <a16:creationId xmlns:a16="http://schemas.microsoft.com/office/drawing/2014/main" id="{A124572F-6193-6325-BAB6-74AFFF89A316}"/>
+              </a:ext>
+            </a:extLst>
+          </p:cNvPr>
+          <p:cNvPicPr>
+            <a:picLocks noChangeAspect="1"/>
+          </p:cNvPicPr>
+          <p:nvPr/>
+        </p:nvPicPr>
+        <p:blipFill>
+          <a:blip r:embed="rId4"/>
+          <a:stretch>
+            <a:fillRect/>
+          </a:stretch>
+        </p:blipFill>
+        <p:spPr>
+          <a:xfrm>
+            <a:off x="3096640" y="176474"/>
+            <a:ext cx="2901948" cy="914479"/>
+          </a:xfrm>
+          <a:prstGeom prst="rect">
+            <a:avLst/>
+          </a:prstGeom>
         </p:spPr>
       </p:pic>
     </p:spTree>
     <p:extLst>
       <p:ext uri="{BB962C8B-B14F-4D97-AF65-F5344CB8AC3E}">
-        <p14:creationId xmlns:p14="http://schemas.microsoft.com/office/powerpoint/2010/main" val="7592943"/>
+        <p14:creationId xmlns:p14="http://schemas.microsoft.com/office/powerpoint/2010/main" val="2688290582"/>
       </p:ext>
     </p:extLst>
   </p:cSld>
@@ -3258,7 +5963,7 @@
             <a:ext cx="2237546" cy="335542"/>
           </a:xfrm>
           <a:effectLst>
-            <a:glow rad="1905000">
+            <a:glow>
               <a:schemeClr val="bg1">
                 <a:alpha val="36000"/>
               </a:schemeClr>
@@ -3314,7 +6019,7 @@
             <a:noFill/>
           </a:ln>
           <a:effectLst>
-            <a:glow rad="1905000">
+            <a:glow>
               <a:schemeClr val="bg1">
                 <a:alpha val="36000"/>
               </a:schemeClr>
@@ -3368,7 +6073,7 @@
     </p:spTree>
     <p:extLst>
       <p:ext uri="{BB962C8B-B14F-4D97-AF65-F5344CB8AC3E}">
-        <p14:creationId xmlns:p14="http://schemas.microsoft.com/office/powerpoint/2010/main" val="876500678"/>
+        <p14:creationId xmlns:p14="http://schemas.microsoft.com/office/powerpoint/2010/main" val="2507705271"/>
       </p:ext>
     </p:extLst>
   </p:cSld>
@@ -3466,7 +6171,7 @@
             <a:ext cx="2237546" cy="335542"/>
           </a:xfrm>
           <a:effectLst>
-            <a:glow rad="1905000">
+            <a:glow>
               <a:schemeClr val="bg1">
                 <a:alpha val="36000"/>
               </a:schemeClr>
@@ -3522,7 +6227,7 @@
             <a:noFill/>
           </a:ln>
           <a:effectLst>
-            <a:glow rad="1905000">
+            <a:glow>
               <a:schemeClr val="bg1">
                 <a:alpha val="36000"/>
               </a:schemeClr>
@@ -3576,7 +6281,7 @@
     </p:spTree>
     <p:extLst>
       <p:ext uri="{BB962C8B-B14F-4D97-AF65-F5344CB8AC3E}">
-        <p14:creationId xmlns:p14="http://schemas.microsoft.com/office/powerpoint/2010/main" val="2762624752"/>
+        <p14:creationId xmlns:p14="http://schemas.microsoft.com/office/powerpoint/2010/main" val="1669874443"/>
       </p:ext>
     </p:extLst>
   </p:cSld>
@@ -3674,7 +6379,7 @@
             <a:ext cx="2237546" cy="335542"/>
           </a:xfrm>
           <a:effectLst>
-            <a:glow rad="1905000">
+            <a:glow>
               <a:schemeClr val="bg1">
                 <a:alpha val="36000"/>
               </a:schemeClr>
@@ -3730,7 +6435,7 @@
             <a:noFill/>
           </a:ln>
           <a:effectLst>
-            <a:glow rad="1905000">
+            <a:glow>
               <a:schemeClr val="bg1">
                 <a:alpha val="36000"/>
               </a:schemeClr>
@@ -3784,7 +6489,7 @@
     </p:spTree>
     <p:extLst>
       <p:ext uri="{BB962C8B-B14F-4D97-AF65-F5344CB8AC3E}">
-        <p14:creationId xmlns:p14="http://schemas.microsoft.com/office/powerpoint/2010/main" val="2385618215"/>
+        <p14:creationId xmlns:p14="http://schemas.microsoft.com/office/powerpoint/2010/main" val="1639874279"/>
       </p:ext>
     </p:extLst>
   </p:cSld>
@@ -3795,93 +6500,58 @@
 </file>
 
 <file path=ppt/theme/theme1.xml><?xml version="1.0" encoding="utf-8"?>
-<a:theme xmlns:a="http://schemas.openxmlformats.org/drawingml/2006/main" name="Tema di Office">
+<a:theme xmlns:a="http://schemas.openxmlformats.org/drawingml/2006/main" name="Sezione">
   <a:themeElements>
-    <a:clrScheme name="Tema di Office">
+    <a:clrScheme name="Personalizzato 1">
       <a:dk1>
-        <a:sysClr val="windowText" lastClr="000000"/>
+        <a:srgbClr val="FFFFFF"/>
       </a:dk1>
       <a:lt1>
-        <a:sysClr val="window" lastClr="FFFFFF"/>
+        <a:srgbClr val="000000"/>
       </a:lt1>
       <a:dk2>
-        <a:srgbClr val="44546A"/>
+        <a:srgbClr val="FFFFFF"/>
       </a:dk2>
       <a:lt2>
-        <a:srgbClr val="E7E6E6"/>
+        <a:srgbClr val="000000"/>
       </a:lt2>
       <a:accent1>
-        <a:srgbClr val="4472C4"/>
+        <a:srgbClr val="FF0000"/>
       </a:accent1>
       <a:accent2>
-        <a:srgbClr val="ED7D31"/>
+        <a:srgbClr val="000000"/>
       </a:accent2>
       <a:accent3>
-        <a:srgbClr val="A5A5A5"/>
+        <a:srgbClr val="FFFFFF"/>
       </a:accent3>
       <a:accent4>
-        <a:srgbClr val="FFC000"/>
+        <a:srgbClr val="FF0000"/>
       </a:accent4>
       <a:accent5>
-        <a:srgbClr val="5B9BD5"/>
+        <a:srgbClr val="000000"/>
       </a:accent5>
       <a:accent6>
-        <a:srgbClr val="70AD47"/>
+        <a:srgbClr val="FFFFFF"/>
       </a:accent6>
       <a:hlink>
-        <a:srgbClr val="0563C1"/>
+        <a:srgbClr val="C00000"/>
       </a:hlink>
       <a:folHlink>
-        <a:srgbClr val="954F72"/>
+        <a:srgbClr val="C00000"/>
       </a:folHlink>
     </a:clrScheme>
-    <a:fontScheme name="Tema di Office">
+    <a:fontScheme name="Sezione">
       <a:majorFont>
-        <a:latin typeface="Calibri Light" panose="020F0302020204030204"/>
+        <a:latin typeface="Century Gothic" panose="020B0502020202020204"/>
         <a:ea typeface=""/>
         <a:cs typeface=""/>
-        <a:font script="Jpan" typeface="游ゴシック Light"/>
-        <a:font script="Hang" typeface="맑은 고딕"/>
-        <a:font script="Hans" typeface="等线 Light"/>
-        <a:font script="Hant" typeface="新細明體"/>
-        <a:font script="Arab" typeface="Times New Roman"/>
-        <a:font script="Hebr" typeface="Times New Roman"/>
-        <a:font script="Thai" typeface="Angsana New"/>
-        <a:font script="Ethi" typeface="Nyala"/>
-        <a:font script="Beng" typeface="Vrinda"/>
-        <a:font script="Gujr" typeface="Shruti"/>
-        <a:font script="Khmr" typeface="MoolBoran"/>
-        <a:font script="Knda" typeface="Tunga"/>
-        <a:font script="Guru" typeface="Raavi"/>
-        <a:font script="Cans" typeface="Euphemia"/>
-        <a:font script="Cher" typeface="Plantagenet Cherokee"/>
-        <a:font script="Yiii" typeface="Microsoft Yi Baiti"/>
-        <a:font script="Tibt" typeface="Microsoft Himalaya"/>
-        <a:font script="Thaa" typeface="MV Boli"/>
-        <a:font script="Deva" typeface="Mangal"/>
-        <a:font script="Telu" typeface="Gautami"/>
-        <a:font script="Taml" typeface="Latha"/>
-        <a:font script="Syrc" typeface="Estrangelo Edessa"/>
-        <a:font script="Orya" typeface="Kalinga"/>
-        <a:font script="Mlym" typeface="Kartika"/>
-        <a:font script="Laoo" typeface="DokChampa"/>
-        <a:font script="Sinh" typeface="Iskoola Pota"/>
-        <a:font script="Mong" typeface="Mongolian Baiti"/>
-        <a:font script="Viet" typeface="Times New Roman"/>
-        <a:font script="Uigh" typeface="Microsoft Uighur"/>
-        <a:font script="Geor" typeface="Sylfaen"/>
-      </a:majorFont>
-      <a:minorFont>
-        <a:latin typeface="Calibri" panose="020F0502020204030204"/>
-        <a:ea typeface=""/>
-        <a:cs typeface=""/>
-        <a:font script="Jpan" typeface="游ゴシック"/>
-        <a:font script="Hang" typeface="맑은 고딕"/>
-        <a:font script="Hans" typeface="等线"/>
-        <a:font script="Hant" typeface="新細明體"/>
-        <a:font script="Arab" typeface="Arial"/>
-        <a:font script="Hebr" typeface="Arial"/>
-        <a:font script="Thai" typeface="Cordia New"/>
+        <a:font script="Jpan" typeface="メイリオ"/>
+        <a:font script="Hang" typeface="HY중고딕"/>
+        <a:font script="Hans" typeface="幼圆"/>
+        <a:font script="Hant" typeface="微軟正黑體"/>
+        <a:font script="Arab" typeface="Tahoma"/>
+        <a:font script="Hebr" typeface="Gisha"/>
+        <a:font script="Thai" typeface="DilleniaUPC"/>
         <a:font script="Ethi" typeface="Nyala"/>
         <a:font script="Beng" typeface="Vrinda"/>
         <a:font script="Gujr" typeface="Shruti"/>
@@ -3902,12 +6572,47 @@
         <a:font script="Laoo" typeface="DokChampa"/>
         <a:font script="Sinh" typeface="Iskoola Pota"/>
         <a:font script="Mong" typeface="Mongolian Baiti"/>
-        <a:font script="Viet" typeface="Arial"/>
+        <a:font script="Viet" typeface="Tahoma"/>
+        <a:font script="Uigh" typeface="Microsoft Uighur"/>
+        <a:font script="Geor" typeface="Sylfaen"/>
+      </a:majorFont>
+      <a:minorFont>
+        <a:latin typeface="Century Gothic" panose="020B0502020202020204"/>
+        <a:ea typeface=""/>
+        <a:cs typeface=""/>
+        <a:font script="Jpan" typeface="メイリオ"/>
+        <a:font script="Hang" typeface="HY중고딕"/>
+        <a:font script="Hans" typeface="幼圆"/>
+        <a:font script="Hant" typeface="微軟正黑體"/>
+        <a:font script="Arab" typeface="Tahoma"/>
+        <a:font script="Hebr" typeface="Gisha"/>
+        <a:font script="Thai" typeface="DilleniaUPC"/>
+        <a:font script="Ethi" typeface="Nyala"/>
+        <a:font script="Beng" typeface="Vrinda"/>
+        <a:font script="Gujr" typeface="Shruti"/>
+        <a:font script="Khmr" typeface="DaunPenh"/>
+        <a:font script="Knda" typeface="Tunga"/>
+        <a:font script="Guru" typeface="Raavi"/>
+        <a:font script="Cans" typeface="Euphemia"/>
+        <a:font script="Cher" typeface="Plantagenet Cherokee"/>
+        <a:font script="Yiii" typeface="Microsoft Yi Baiti"/>
+        <a:font script="Tibt" typeface="Microsoft Himalaya"/>
+        <a:font script="Thaa" typeface="MV Boli"/>
+        <a:font script="Deva" typeface="Mangal"/>
+        <a:font script="Telu" typeface="Gautami"/>
+        <a:font script="Taml" typeface="Latha"/>
+        <a:font script="Syrc" typeface="Estrangelo Edessa"/>
+        <a:font script="Orya" typeface="Kalinga"/>
+        <a:font script="Mlym" typeface="Kartika"/>
+        <a:font script="Laoo" typeface="DokChampa"/>
+        <a:font script="Sinh" typeface="Iskoola Pota"/>
+        <a:font script="Mong" typeface="Mongolian Baiti"/>
+        <a:font script="Viet" typeface="Tahoma"/>
         <a:font script="Uigh" typeface="Microsoft Uighur"/>
         <a:font script="Geor" typeface="Sylfaen"/>
       </a:minorFont>
     </a:fontScheme>
-    <a:fmtScheme name="Tema di Office">
+    <a:fmtScheme name="Sezione">
       <a:fillStyleLst>
         <a:solidFill>
           <a:schemeClr val="phClr"/>
@@ -3916,23 +6621,16 @@
           <a:gsLst>
             <a:gs pos="0">
               <a:schemeClr val="phClr">
+                <a:tint val="62000"/>
+                <a:hueMod val="94000"/>
+                <a:satMod val="140000"/>
                 <a:lumMod val="110000"/>
-                <a:satMod val="105000"/>
-                <a:tint val="67000"/>
-              </a:schemeClr>
-            </a:gs>
-            <a:gs pos="50000">
-              <a:schemeClr val="phClr">
-                <a:lumMod val="105000"/>
-                <a:satMod val="103000"/>
-                <a:tint val="73000"/>
               </a:schemeClr>
             </a:gs>
             <a:gs pos="100000">
               <a:schemeClr val="phClr">
-                <a:lumMod val="105000"/>
-                <a:satMod val="109000"/>
-                <a:tint val="81000"/>
+                <a:tint val="84000"/>
+                <a:satMod val="160000"/>
               </a:schemeClr>
             </a:gs>
           </a:gsLst>
@@ -3942,23 +6640,16 @@
           <a:gsLst>
             <a:gs pos="0">
               <a:schemeClr val="phClr">
-                <a:satMod val="103000"/>
-                <a:lumMod val="102000"/>
-                <a:tint val="94000"/>
-              </a:schemeClr>
-            </a:gs>
-            <a:gs pos="50000">
-              <a:schemeClr val="phClr">
-                <a:satMod val="110000"/>
-                <a:lumMod val="100000"/>
-                <a:shade val="100000"/>
+                <a:tint val="98000"/>
+                <a:hueMod val="94000"/>
+                <a:satMod val="130000"/>
+                <a:lumMod val="138000"/>
               </a:schemeClr>
             </a:gs>
             <a:gs pos="100000">
               <a:schemeClr val="phClr">
-                <a:lumMod val="99000"/>
-                <a:satMod val="120000"/>
-                <a:shade val="78000"/>
+                <a:shade val="94000"/>
+                <a:lumMod val="88000"/>
               </a:schemeClr>
             </a:gs>
           </a:gsLst>
@@ -3966,26 +6657,29 @@
         </a:gradFill>
       </a:fillStyleLst>
       <a:lnStyleLst>
-        <a:ln w="6350" cap="flat" cmpd="sng" algn="ctr">
+        <a:ln w="9525" cap="rnd" cmpd="sng" algn="ctr">
+          <a:solidFill>
+            <a:schemeClr val="phClr">
+              <a:tint val="76000"/>
+              <a:alpha val="60000"/>
+              <a:hueMod val="94000"/>
+            </a:schemeClr>
+          </a:solidFill>
+          <a:prstDash val="solid"/>
+        </a:ln>
+        <a:ln w="12700" cap="rnd" cmpd="sng" algn="ctr">
+          <a:solidFill>
+            <a:schemeClr val="phClr">
+              <a:hueMod val="94000"/>
+            </a:schemeClr>
+          </a:solidFill>
+          <a:prstDash val="solid"/>
+        </a:ln>
+        <a:ln w="28575" cap="rnd" cmpd="sng" algn="ctr">
           <a:solidFill>
             <a:schemeClr val="phClr"/>
           </a:solidFill>
           <a:prstDash val="solid"/>
-          <a:miter lim="800000"/>
-        </a:ln>
-        <a:ln w="12700" cap="flat" cmpd="sng" algn="ctr">
-          <a:solidFill>
-            <a:schemeClr val="phClr"/>
-          </a:solidFill>
-          <a:prstDash val="solid"/>
-          <a:miter lim="800000"/>
-        </a:ln>
-        <a:ln w="19050" cap="flat" cmpd="sng" algn="ctr">
-          <a:solidFill>
-            <a:schemeClr val="phClr"/>
-          </a:solidFill>
-          <a:prstDash val="solid"/>
-          <a:miter lim="800000"/>
         </a:ln>
       </a:lnStyleLst>
       <a:effectStyleLst>
@@ -3993,54 +6687,78 @@
           <a:effectLst/>
         </a:effectStyle>
         <a:effectStyle>
-          <a:effectLst/>
+          <a:effectLst>
+            <a:innerShdw blurRad="25400" dist="12700" dir="13500000">
+              <a:srgbClr val="000000">
+                <a:alpha val="45000"/>
+              </a:srgbClr>
+            </a:innerShdw>
+          </a:effectLst>
         </a:effectStyle>
         <a:effectStyle>
           <a:effectLst>
-            <a:outerShdw blurRad="57150" dist="19050" dir="5400000" algn="ctr" rotWithShape="0">
+            <a:outerShdw blurRad="50800" dist="38100" dir="5400000" rotWithShape="0">
               <a:srgbClr val="000000">
-                <a:alpha val="63000"/>
+                <a:alpha val="46000"/>
               </a:srgbClr>
             </a:outerShdw>
           </a:effectLst>
+          <a:scene3d>
+            <a:camera prst="orthographicFront">
+              <a:rot lat="0" lon="0" rev="0"/>
+            </a:camera>
+            <a:lightRig rig="threePt" dir="t"/>
+          </a:scene3d>
+          <a:sp3d prstMaterial="plastic">
+            <a:bevelT w="25400" h="25400"/>
+          </a:sp3d>
         </a:effectStyle>
       </a:effectStyleLst>
       <a:bgFillStyleLst>
         <a:solidFill>
           <a:schemeClr val="phClr"/>
         </a:solidFill>
-        <a:solidFill>
-          <a:schemeClr val="phClr">
-            <a:tint val="95000"/>
-            <a:satMod val="170000"/>
-          </a:schemeClr>
-        </a:solidFill>
+        <a:gradFill rotWithShape="1">
+          <a:gsLst>
+            <a:gs pos="10000">
+              <a:schemeClr val="phClr">
+                <a:tint val="97000"/>
+                <a:hueMod val="92000"/>
+                <a:satMod val="169000"/>
+                <a:lumMod val="164000"/>
+              </a:schemeClr>
+            </a:gs>
+            <a:gs pos="100000">
+              <a:schemeClr val="phClr">
+                <a:shade val="96000"/>
+                <a:satMod val="120000"/>
+                <a:lumMod val="90000"/>
+              </a:schemeClr>
+            </a:gs>
+          </a:gsLst>
+          <a:lin ang="6120000" scaled="1"/>
+        </a:gradFill>
         <a:gradFill rotWithShape="1">
           <a:gsLst>
             <a:gs pos="0">
               <a:schemeClr val="phClr">
-                <a:tint val="93000"/>
-                <a:satMod val="150000"/>
-                <a:shade val="98000"/>
-                <a:lumMod val="102000"/>
-              </a:schemeClr>
-            </a:gs>
-            <a:gs pos="50000">
-              <a:schemeClr val="phClr">
-                <a:tint val="98000"/>
-                <a:satMod val="130000"/>
-                <a:shade val="90000"/>
-                <a:lumMod val="103000"/>
+                <a:tint val="97000"/>
+                <a:hueMod val="92000"/>
+                <a:satMod val="169000"/>
+                <a:lumMod val="164000"/>
               </a:schemeClr>
             </a:gs>
             <a:gs pos="100000">
               <a:schemeClr val="phClr">
-                <a:shade val="63000"/>
+                <a:shade val="96000"/>
                 <a:satMod val="120000"/>
+                <a:lumMod val="90000"/>
               </a:schemeClr>
             </a:gs>
           </a:gsLst>
-          <a:lin ang="5400000" scaled="0"/>
+          <a:path path="circle">
+            <a:fillToRect b="100000"/>
+          </a:path>
         </a:gradFill>
       </a:bgFillStyleLst>
     </a:fmtScheme>
@@ -4049,7 +6767,7 @@
   <a:extraClrSchemeLst/>
   <a:extLst>
     <a:ext uri="{05A4C25C-085E-4340-85A3-A5531E510DB2}">
-      <thm15:themeFamily xmlns:thm15="http://schemas.microsoft.com/office/thememl/2012/main" name="Office 2013 - 2022 Theme" id="{62F939B6-93AF-4DB8-9C6B-D6C7DFDC589F}" vid="{4A3C46E8-61CC-4603-A589-7422A47A8E4A}"/>
+      <thm15:themeFamily xmlns:thm15="http://schemas.microsoft.com/office/thememl/2012/main" name="Slice" id="{0507925B-6AC9-4358-8E18-C330545D08F8}" vid="{13FEC7C6-62A9-40C4-99D2-581AACACAA2F}"/>
     </a:ext>
   </a:extLst>
 </a:theme>
